--- a/SAH_Финал_ALPHA_BIT_презентация.pptx
+++ b/SAH_Финал_ALPHA_BIT_презентация.pptx
@@ -5,7 +5,25 @@
     <p:sldMasterId id="2147483677" r:id="rId1"/>
   </p:sldMasterIdLst>
   <p:sldIdLst>
-    <p:sldId id="256" r:id="rId2"/>
+    <p:sldId id="257" r:id="rId2"/>
+    <p:sldId id="258" r:id="rId3"/>
+    <p:sldId id="259" r:id="rId4"/>
+    <p:sldId id="260" r:id="rId5"/>
+    <p:sldId id="261" r:id="rId6"/>
+    <p:sldId id="262" r:id="rId7"/>
+    <p:sldId id="271" r:id="rId8"/>
+    <p:sldId id="272" r:id="rId9"/>
+    <p:sldId id="273" r:id="rId10"/>
+    <p:sldId id="274" r:id="rId11"/>
+    <p:sldId id="264" r:id="rId12"/>
+    <p:sldId id="275" r:id="rId13"/>
+    <p:sldId id="265" r:id="rId14"/>
+    <p:sldId id="266" r:id="rId15"/>
+    <p:sldId id="277" r:id="rId16"/>
+    <p:sldId id="276" r:id="rId17"/>
+    <p:sldId id="268" r:id="rId18"/>
+    <p:sldId id="278" r:id="rId19"/>
+    <p:sldId id="279" r:id="rId20"/>
   </p:sldIdLst>
   <p:sldSz cx="12192000" cy="6858000"/>
   <p:notesSz cx="6858000" cy="9144000"/>
@@ -3312,14 +3330,6 @@
 <file path=ppt/slides/slide1.xml><?xml version="1.0" encoding="utf-8"?>
 <p:sld xmlns:a="http://schemas.openxmlformats.org/drawingml/2006/main" xmlns:r="http://schemas.openxmlformats.org/officeDocument/2006/relationships" xmlns:p="http://schemas.openxmlformats.org/presentationml/2006/main">
   <p:cSld>
-    <p:bg>
-      <p:bgPr>
-        <a:solidFill>
-          <a:schemeClr val="bg1"/>
-        </a:solidFill>
-        <a:effectLst/>
-      </p:bgPr>
-    </p:bg>
     <p:spTree>
       <p:nvGrpSpPr>
         <p:cNvPr id="1" name=""/>
@@ -3496,59 +3506,4263 @@
             <p:ph type="ctrTitle"/>
           </p:nvPr>
         </p:nvSpPr>
-        <p:spPr/>
+        <p:spPr>
+          <a:xfrm>
+            <a:off x="1524000" y="1893454"/>
+            <a:ext cx="9144000" cy="1449027"/>
+          </a:xfrm>
+        </p:spPr>
+        <p:txBody>
+          <a:bodyPr>
+            <a:normAutofit/>
+          </a:bodyPr>
+          <a:lstStyle/>
+          <a:p>
+            <a:r>
+              <a:rPr lang="en-US" sz="9600" dirty="0" smtClean="0">
+                <a:solidFill>
+                  <a:srgbClr val="FF0000"/>
+                </a:solidFill>
+                <a:latin typeface="Century Gothic" panose="020B0502020202020204" pitchFamily="34" charset="0"/>
+              </a:rPr>
+              <a:t>ALPHA_</a:t>
+            </a:r>
+            <a:r>
+              <a:rPr lang="en-US" sz="9600" dirty="0" smtClean="0">
+                <a:solidFill>
+                  <a:srgbClr val="FF0000"/>
+                </a:solidFill>
+                <a:latin typeface="Century Gothic" panose="020B0502020202020204" pitchFamily="34" charset="0"/>
+              </a:rPr>
+              <a:t>B</a:t>
+            </a:r>
+            <a:r>
+              <a:rPr lang="en-US" sz="9600" dirty="0" smtClean="0">
+                <a:solidFill>
+                  <a:srgbClr val="FF0000"/>
+                </a:solidFill>
+                <a:latin typeface="Century Gothic" panose="020B0502020202020204" pitchFamily="34" charset="0"/>
+              </a:rPr>
+              <a:t>IT</a:t>
+            </a:r>
+            <a:endParaRPr lang="ru-RU" sz="9600" dirty="0">
+              <a:solidFill>
+                <a:srgbClr val="FF0000"/>
+              </a:solidFill>
+              <a:latin typeface="Century Gothic" panose="020B0502020202020204" pitchFamily="34" charset="0"/>
+            </a:endParaRPr>
+          </a:p>
+        </p:txBody>
+      </p:sp>
+      <p:sp>
+        <p:nvSpPr>
+          <p:cNvPr id="3" name="Подзаголовок 2">
+            <a:extLst>
+              <a:ext uri="{FF2B5EF4-FFF2-40B4-BE49-F238E27FC236}">
+                <a16:creationId xmlns:a16="http://schemas.microsoft.com/office/drawing/2014/main" id="{DB057B8E-A7C9-431D-B081-B11349C80C79}"/>
+              </a:ext>
+            </a:extLst>
+          </p:cNvPr>
+          <p:cNvSpPr>
+            <a:spLocks noGrp="1"/>
+          </p:cNvSpPr>
+          <p:nvPr>
+            <p:ph type="subTitle" idx="1"/>
+          </p:nvPr>
+        </p:nvSpPr>
+        <p:spPr>
+          <a:xfrm>
+            <a:off x="1524000" y="4297363"/>
+            <a:ext cx="9144000" cy="1655762"/>
+          </a:xfrm>
+        </p:spPr>
         <p:txBody>
           <a:bodyPr/>
           <a:lstStyle/>
           <a:p>
             <a:r>
-              <a:rPr lang="ru-RU" dirty="0" smtClean="0"/>
-              <a:t>ПРЕЗЕНТАЦИЯ В РАБОТЕ</a:t>
-            </a:r>
-            <a:endParaRPr lang="ru-RU" dirty="0"/>
-          </a:p>
-        </p:txBody>
-      </p:sp>
-      <p:sp>
-        <p:nvSpPr>
-          <p:cNvPr id="3" name="Подзаголовок 2">
-            <a:extLst>
-              <a:ext uri="{FF2B5EF4-FFF2-40B4-BE49-F238E27FC236}">
-                <a16:creationId xmlns:a16="http://schemas.microsoft.com/office/drawing/2014/main" id="{DB057B8E-A7C9-431D-B081-B11349C80C79}"/>
-              </a:ext>
-            </a:extLst>
-          </p:cNvPr>
-          <p:cNvSpPr>
-            <a:spLocks noGrp="1"/>
-          </p:cNvSpPr>
-          <p:nvPr>
-            <p:ph type="subTitle" idx="1"/>
-          </p:nvPr>
-        </p:nvSpPr>
-        <p:spPr>
-          <a:xfrm>
-            <a:off x="1524000" y="3602038"/>
-            <a:ext cx="9144000" cy="1655762"/>
-          </a:xfrm>
-        </p:spPr>
-        <p:txBody>
-          <a:bodyPr/>
-          <a:lstStyle/>
-          <a:p>
-            <a:endParaRPr lang="ru-RU"/>
+              <a:rPr lang="ru-RU" dirty="0" err="1" smtClean="0">
+                <a:latin typeface="Century Gothic" panose="020B0502020202020204" pitchFamily="34" charset="0"/>
+              </a:rPr>
+              <a:t>Кадиленко</a:t>
+            </a:r>
+            <a:r>
+              <a:rPr lang="ru-RU" dirty="0" smtClean="0">
+                <a:latin typeface="Century Gothic" panose="020B0502020202020204" pitchFamily="34" charset="0"/>
+              </a:rPr>
+              <a:t> Иван, </a:t>
+            </a:r>
+            <a:r>
+              <a:rPr lang="ru-RU" dirty="0" err="1" smtClean="0">
+                <a:latin typeface="Century Gothic" panose="020B0502020202020204" pitchFamily="34" charset="0"/>
+              </a:rPr>
+              <a:t>Палкин</a:t>
+            </a:r>
+            <a:r>
+              <a:rPr lang="ru-RU" dirty="0" smtClean="0">
+                <a:latin typeface="Century Gothic" panose="020B0502020202020204" pitchFamily="34" charset="0"/>
+              </a:rPr>
+              <a:t> Егор, Федякин</a:t>
+            </a:r>
+            <a:r>
+              <a:rPr lang="en-US" dirty="0" smtClean="0">
+                <a:latin typeface="Century Gothic" panose="020B0502020202020204" pitchFamily="34" charset="0"/>
+              </a:rPr>
+              <a:t> </a:t>
+            </a:r>
+            <a:r>
+              <a:rPr lang="ru-RU" dirty="0" smtClean="0">
+                <a:latin typeface="Century Gothic" panose="020B0502020202020204" pitchFamily="34" charset="0"/>
+              </a:rPr>
+              <a:t>Дмитрий,</a:t>
+            </a:r>
+            <a:endParaRPr lang="ru-RU" dirty="0" smtClean="0">
+              <a:latin typeface="Century Gothic" panose="020B0502020202020204" pitchFamily="34" charset="0"/>
+            </a:endParaRPr>
+          </a:p>
+          <a:p>
+            <a:r>
+              <a:rPr lang="ru-RU" dirty="0">
+                <a:latin typeface="Century Gothic" panose="020B0502020202020204" pitchFamily="34" charset="0"/>
+              </a:rPr>
+              <a:t> Елизарьев </a:t>
+            </a:r>
+            <a:r>
+              <a:rPr lang="ru-RU" dirty="0" smtClean="0">
+                <a:latin typeface="Century Gothic" panose="020B0502020202020204" pitchFamily="34" charset="0"/>
+              </a:rPr>
+              <a:t>Ярослав</a:t>
+            </a:r>
+            <a:r>
+              <a:rPr lang="ru-RU" dirty="0">
+                <a:latin typeface="Century Gothic" panose="020B0502020202020204" pitchFamily="34" charset="0"/>
+              </a:rPr>
+              <a:t>, </a:t>
+            </a:r>
+            <a:r>
+              <a:rPr lang="ru-RU" dirty="0" smtClean="0">
+                <a:latin typeface="Century Gothic" panose="020B0502020202020204" pitchFamily="34" charset="0"/>
+              </a:rPr>
+              <a:t>Фишер</a:t>
+            </a:r>
+            <a:r>
+              <a:rPr lang="en-US" dirty="0" smtClean="0">
+                <a:latin typeface="Century Gothic" panose="020B0502020202020204" pitchFamily="34" charset="0"/>
+              </a:rPr>
+              <a:t> </a:t>
+            </a:r>
+            <a:r>
+              <a:rPr lang="ru-RU" dirty="0" smtClean="0">
+                <a:latin typeface="Century Gothic" panose="020B0502020202020204" pitchFamily="34" charset="0"/>
+              </a:rPr>
+              <a:t>Даниил</a:t>
+            </a:r>
+            <a:endParaRPr lang="ru-RU" dirty="0">
+              <a:latin typeface="Century Gothic" panose="020B0502020202020204" pitchFamily="34" charset="0"/>
+            </a:endParaRPr>
           </a:p>
         </p:txBody>
       </p:sp>
     </p:spTree>
     <p:extLst>
       <p:ext uri="{BB962C8B-B14F-4D97-AF65-F5344CB8AC3E}">
-        <p14:creationId xmlns:p14="http://schemas.microsoft.com/office/powerpoint/2010/main" val="1918586769"/>
+        <p14:creationId xmlns:p14="http://schemas.microsoft.com/office/powerpoint/2010/main" val="503495727"/>
       </p:ext>
     </p:extLst>
   </p:cSld>
   <p:clrMapOvr>
     <a:masterClrMapping/>
   </p:clrMapOvr>
+  <p:timing>
+    <p:tnLst>
+      <p:par>
+        <p:cTn id="1" dur="indefinite" restart="never" nodeType="tmRoot"/>
+      </p:par>
+    </p:tnLst>
+  </p:timing>
+</p:sld>
+</file>
+
+<file path=ppt/slides/slide10.xml><?xml version="1.0" encoding="utf-8"?>
+<p:sld xmlns:a="http://schemas.openxmlformats.org/drawingml/2006/main" xmlns:r="http://schemas.openxmlformats.org/officeDocument/2006/relationships" xmlns:p="http://schemas.openxmlformats.org/presentationml/2006/main">
+  <p:cSld>
+    <p:spTree>
+      <p:nvGrpSpPr>
+        <p:cNvPr id="1" name=""/>
+        <p:cNvGrpSpPr/>
+        <p:nvPr/>
+      </p:nvGrpSpPr>
+      <p:grpSpPr>
+        <a:xfrm>
+          <a:off x="0" y="0"/>
+          <a:ext cx="0" cy="0"/>
+          <a:chOff x="0" y="0"/>
+          <a:chExt cx="0" cy="0"/>
+        </a:xfrm>
+      </p:grpSpPr>
+      <p:sp>
+        <p:nvSpPr>
+          <p:cNvPr id="2" name="Заголовок 1"/>
+          <p:cNvSpPr>
+            <a:spLocks noGrp="1"/>
+          </p:cNvSpPr>
+          <p:nvPr>
+            <p:ph type="title"/>
+          </p:nvPr>
+        </p:nvSpPr>
+        <p:spPr/>
+        <p:txBody>
+          <a:bodyPr/>
+          <a:lstStyle/>
+          <a:p>
+            <a:endParaRPr lang="ru-RU"/>
+          </a:p>
+        </p:txBody>
+      </p:sp>
+      <p:sp>
+        <p:nvSpPr>
+          <p:cNvPr id="3" name="Объект 2"/>
+          <p:cNvSpPr>
+            <a:spLocks noGrp="1"/>
+          </p:cNvSpPr>
+          <p:nvPr>
+            <p:ph idx="1"/>
+          </p:nvPr>
+        </p:nvSpPr>
+        <p:spPr/>
+        <p:txBody>
+          <a:bodyPr/>
+          <a:lstStyle/>
+          <a:p>
+            <a:endParaRPr lang="ru-RU"/>
+          </a:p>
+        </p:txBody>
+      </p:sp>
+      <p:pic>
+        <p:nvPicPr>
+          <p:cNvPr id="7170" name="Picture 2" descr="https://cdn.discordapp.com/attachments/1177615439904378960/1180188742183563374/image.png"/>
+          <p:cNvPicPr>
+            <a:picLocks noChangeAspect="1" noChangeArrowheads="1"/>
+          </p:cNvPicPr>
+          <p:nvPr/>
+        </p:nvPicPr>
+        <p:blipFill rotWithShape="1">
+          <a:blip r:embed="rId2">
+            <a:extLst>
+              <a:ext uri="{28A0092B-C50C-407E-A947-70E740481C1C}">
+                <a14:useLocalDpi xmlns:a14="http://schemas.microsoft.com/office/drawing/2010/main" val="0"/>
+              </a:ext>
+            </a:extLst>
+          </a:blip>
+          <a:srcRect l="1218" t="2127" r="1147" b="1781"/>
+          <a:stretch/>
+        </p:blipFill>
+        <p:spPr bwMode="auto">
+          <a:xfrm>
+            <a:off x="1496290" y="2302"/>
+            <a:ext cx="9199419" cy="6855698"/>
+          </a:xfrm>
+          <a:prstGeom prst="rect">
+            <a:avLst/>
+          </a:prstGeom>
+          <a:noFill/>
+          <a:extLst>
+            <a:ext uri="{909E8E84-426E-40DD-AFC4-6F175D3DCCD1}">
+              <a14:hiddenFill xmlns:a14="http://schemas.microsoft.com/office/drawing/2010/main">
+                <a:solidFill>
+                  <a:srgbClr val="FFFFFF"/>
+                </a:solidFill>
+              </a14:hiddenFill>
+            </a:ext>
+          </a:extLst>
+        </p:spPr>
+      </p:pic>
+    </p:spTree>
+    <p:extLst>
+      <p:ext uri="{BB962C8B-B14F-4D97-AF65-F5344CB8AC3E}">
+        <p14:creationId xmlns:p14="http://schemas.microsoft.com/office/powerpoint/2010/main" val="1403398718"/>
+      </p:ext>
+    </p:extLst>
+  </p:cSld>
+  <p:clrMapOvr>
+    <a:masterClrMapping/>
+  </p:clrMapOvr>
+  <p:timing>
+    <p:tnLst>
+      <p:par>
+        <p:cTn id="1" dur="indefinite" restart="never" nodeType="tmRoot"/>
+      </p:par>
+    </p:tnLst>
+  </p:timing>
+</p:sld>
+</file>
+
+<file path=ppt/slides/slide11.xml><?xml version="1.0" encoding="utf-8"?>
+<p:sld xmlns:a="http://schemas.openxmlformats.org/drawingml/2006/main" xmlns:r="http://schemas.openxmlformats.org/officeDocument/2006/relationships" xmlns:p="http://schemas.openxmlformats.org/presentationml/2006/main">
+  <p:cSld>
+    <p:spTree>
+      <p:nvGrpSpPr>
+        <p:cNvPr id="1" name=""/>
+        <p:cNvGrpSpPr/>
+        <p:nvPr/>
+      </p:nvGrpSpPr>
+      <p:grpSpPr>
+        <a:xfrm>
+          <a:off x="0" y="0"/>
+          <a:ext cx="0" cy="0"/>
+          <a:chOff x="0" y="0"/>
+          <a:chExt cx="0" cy="0"/>
+        </a:xfrm>
+      </p:grpSpPr>
+      <p:sp>
+        <p:nvSpPr>
+          <p:cNvPr id="2" name="Заголовок 1">
+            <a:extLst>
+              <a:ext uri="{FF2B5EF4-FFF2-40B4-BE49-F238E27FC236}">
+                <a16:creationId xmlns:a16="http://schemas.microsoft.com/office/drawing/2014/main" id="{786C4923-C308-4DA9-AE4A-8888B01EBB72}"/>
+              </a:ext>
+            </a:extLst>
+          </p:cNvPr>
+          <p:cNvSpPr>
+            <a:spLocks noGrp="1"/>
+          </p:cNvSpPr>
+          <p:nvPr>
+            <p:ph type="ctrTitle"/>
+          </p:nvPr>
+        </p:nvSpPr>
+        <p:spPr/>
+        <p:txBody>
+          <a:bodyPr/>
+          <a:lstStyle/>
+          <a:p>
+            <a:endParaRPr lang="ru-RU" dirty="0"/>
+          </a:p>
+        </p:txBody>
+      </p:sp>
+      <p:sp>
+        <p:nvSpPr>
+          <p:cNvPr id="3" name="Подзаголовок 2">
+            <a:extLst>
+              <a:ext uri="{FF2B5EF4-FFF2-40B4-BE49-F238E27FC236}">
+                <a16:creationId xmlns:a16="http://schemas.microsoft.com/office/drawing/2014/main" id="{DB057B8E-A7C9-431D-B081-B11349C80C79}"/>
+              </a:ext>
+            </a:extLst>
+          </p:cNvPr>
+          <p:cNvSpPr>
+            <a:spLocks noGrp="1"/>
+          </p:cNvSpPr>
+          <p:nvPr>
+            <p:ph type="subTitle" idx="1"/>
+          </p:nvPr>
+        </p:nvSpPr>
+        <p:spPr>
+          <a:xfrm>
+            <a:off x="1524000" y="3602038"/>
+            <a:ext cx="9144000" cy="1655762"/>
+          </a:xfrm>
+        </p:spPr>
+        <p:txBody>
+          <a:bodyPr/>
+          <a:lstStyle/>
+          <a:p>
+            <a:endParaRPr lang="ru-RU"/>
+          </a:p>
+        </p:txBody>
+      </p:sp>
+      <p:pic>
+        <p:nvPicPr>
+          <p:cNvPr id="8194" name="Picture 2" descr="https://cdn.discordapp.com/attachments/1177615439904378960/1180195485630337165/image.png"/>
+          <p:cNvPicPr>
+            <a:picLocks noChangeAspect="1" noChangeArrowheads="1"/>
+          </p:cNvPicPr>
+          <p:nvPr/>
+        </p:nvPicPr>
+        <p:blipFill>
+          <a:blip r:embed="rId2">
+            <a:extLst>
+              <a:ext uri="{28A0092B-C50C-407E-A947-70E740481C1C}">
+                <a14:useLocalDpi xmlns:a14="http://schemas.microsoft.com/office/drawing/2010/main" val="0"/>
+              </a:ext>
+            </a:extLst>
+          </a:blip>
+          <a:srcRect/>
+          <a:stretch>
+            <a:fillRect/>
+          </a:stretch>
+        </p:blipFill>
+        <p:spPr bwMode="auto">
+          <a:xfrm>
+            <a:off x="568419" y="0"/>
+            <a:ext cx="11364963" cy="6858000"/>
+          </a:xfrm>
+          <a:prstGeom prst="rect">
+            <a:avLst/>
+          </a:prstGeom>
+          <a:noFill/>
+          <a:extLst>
+            <a:ext uri="{909E8E84-426E-40DD-AFC4-6F175D3DCCD1}">
+              <a14:hiddenFill xmlns:a14="http://schemas.microsoft.com/office/drawing/2010/main">
+                <a:solidFill>
+                  <a:srgbClr val="FFFFFF"/>
+                </a:solidFill>
+              </a14:hiddenFill>
+            </a:ext>
+          </a:extLst>
+        </p:spPr>
+      </p:pic>
+    </p:spTree>
+    <p:extLst>
+      <p:ext uri="{BB962C8B-B14F-4D97-AF65-F5344CB8AC3E}">
+        <p14:creationId xmlns:p14="http://schemas.microsoft.com/office/powerpoint/2010/main" val="3488200049"/>
+      </p:ext>
+    </p:extLst>
+  </p:cSld>
+  <p:clrMapOvr>
+    <a:masterClrMapping/>
+  </p:clrMapOvr>
+  <p:timing>
+    <p:tnLst>
+      <p:par>
+        <p:cTn id="1" dur="indefinite" restart="never" nodeType="tmRoot"/>
+      </p:par>
+    </p:tnLst>
+  </p:timing>
+</p:sld>
+</file>
+
+<file path=ppt/slides/slide12.xml><?xml version="1.0" encoding="utf-8"?>
+<p:sld xmlns:a="http://schemas.openxmlformats.org/drawingml/2006/main" xmlns:r="http://schemas.openxmlformats.org/officeDocument/2006/relationships" xmlns:p="http://schemas.openxmlformats.org/presentationml/2006/main">
+  <p:cSld>
+    <p:spTree>
+      <p:nvGrpSpPr>
+        <p:cNvPr id="1" name=""/>
+        <p:cNvGrpSpPr/>
+        <p:nvPr/>
+      </p:nvGrpSpPr>
+      <p:grpSpPr>
+        <a:xfrm>
+          <a:off x="0" y="0"/>
+          <a:ext cx="0" cy="0"/>
+          <a:chOff x="0" y="0"/>
+          <a:chExt cx="0" cy="0"/>
+        </a:xfrm>
+      </p:grpSpPr>
+      <p:sp>
+        <p:nvSpPr>
+          <p:cNvPr id="2" name="Заголовок 1"/>
+          <p:cNvSpPr>
+            <a:spLocks noGrp="1"/>
+          </p:cNvSpPr>
+          <p:nvPr>
+            <p:ph type="title"/>
+          </p:nvPr>
+        </p:nvSpPr>
+        <p:spPr/>
+        <p:txBody>
+          <a:bodyPr/>
+          <a:lstStyle/>
+          <a:p>
+            <a:endParaRPr lang="ru-RU"/>
+          </a:p>
+        </p:txBody>
+      </p:sp>
+      <p:sp>
+        <p:nvSpPr>
+          <p:cNvPr id="3" name="Объект 2"/>
+          <p:cNvSpPr>
+            <a:spLocks noGrp="1"/>
+          </p:cNvSpPr>
+          <p:nvPr>
+            <p:ph idx="1"/>
+          </p:nvPr>
+        </p:nvSpPr>
+        <p:spPr/>
+        <p:txBody>
+          <a:bodyPr/>
+          <a:lstStyle/>
+          <a:p>
+            <a:endParaRPr lang="ru-RU"/>
+          </a:p>
+        </p:txBody>
+      </p:sp>
+      <p:pic>
+        <p:nvPicPr>
+          <p:cNvPr id="9218" name="Picture 2" descr="https://cdn.discordapp.com/attachments/1177615439904378960/1180193436972888094/image.png"/>
+          <p:cNvPicPr>
+            <a:picLocks noChangeAspect="1" noChangeArrowheads="1"/>
+          </p:cNvPicPr>
+          <p:nvPr/>
+        </p:nvPicPr>
+        <p:blipFill>
+          <a:blip r:embed="rId2">
+            <a:extLst>
+              <a:ext uri="{28A0092B-C50C-407E-A947-70E740481C1C}">
+                <a14:useLocalDpi xmlns:a14="http://schemas.microsoft.com/office/drawing/2010/main" val="0"/>
+              </a:ext>
+            </a:extLst>
+          </a:blip>
+          <a:srcRect/>
+          <a:stretch>
+            <a:fillRect/>
+          </a:stretch>
+        </p:blipFill>
+        <p:spPr bwMode="auto">
+          <a:xfrm>
+            <a:off x="739775" y="0"/>
+            <a:ext cx="10614025" cy="6900794"/>
+          </a:xfrm>
+          <a:prstGeom prst="rect">
+            <a:avLst/>
+          </a:prstGeom>
+          <a:noFill/>
+          <a:extLst>
+            <a:ext uri="{909E8E84-426E-40DD-AFC4-6F175D3DCCD1}">
+              <a14:hiddenFill xmlns:a14="http://schemas.microsoft.com/office/drawing/2010/main">
+                <a:solidFill>
+                  <a:srgbClr val="FFFFFF"/>
+                </a:solidFill>
+              </a14:hiddenFill>
+            </a:ext>
+          </a:extLst>
+        </p:spPr>
+      </p:pic>
+    </p:spTree>
+    <p:extLst>
+      <p:ext uri="{BB962C8B-B14F-4D97-AF65-F5344CB8AC3E}">
+        <p14:creationId xmlns:p14="http://schemas.microsoft.com/office/powerpoint/2010/main" val="1102989863"/>
+      </p:ext>
+    </p:extLst>
+  </p:cSld>
+  <p:clrMapOvr>
+    <a:masterClrMapping/>
+  </p:clrMapOvr>
+  <p:timing>
+    <p:tnLst>
+      <p:par>
+        <p:cTn id="1" dur="indefinite" restart="never" nodeType="tmRoot"/>
+      </p:par>
+    </p:tnLst>
+  </p:timing>
+</p:sld>
+</file>
+
+<file path=ppt/slides/slide13.xml><?xml version="1.0" encoding="utf-8"?>
+<p:sld xmlns:a="http://schemas.openxmlformats.org/drawingml/2006/main" xmlns:r="http://schemas.openxmlformats.org/officeDocument/2006/relationships" xmlns:p="http://schemas.openxmlformats.org/presentationml/2006/main">
+  <p:cSld>
+    <p:spTree>
+      <p:nvGrpSpPr>
+        <p:cNvPr id="1" name=""/>
+        <p:cNvGrpSpPr/>
+        <p:nvPr/>
+      </p:nvGrpSpPr>
+      <p:grpSpPr>
+        <a:xfrm>
+          <a:off x="0" y="0"/>
+          <a:ext cx="0" cy="0"/>
+          <a:chOff x="0" y="0"/>
+          <a:chExt cx="0" cy="0"/>
+        </a:xfrm>
+      </p:grpSpPr>
+      <p:pic>
+        <p:nvPicPr>
+          <p:cNvPr id="1028" name="Picture 4" descr="https://cdn.discordapp.com/attachments/1172499672955355157/1179888279043199067/red-business-border-modern-background-design-vector_53876-157563.png">
+            <a:extLst>
+              <a:ext uri="{FF2B5EF4-FFF2-40B4-BE49-F238E27FC236}">
+                <a16:creationId xmlns:a16="http://schemas.microsoft.com/office/drawing/2014/main" id="{D4C27342-9A26-43F2-9FC7-B6813D7F4497}"/>
+              </a:ext>
+            </a:extLst>
+          </p:cNvPr>
+          <p:cNvPicPr>
+            <a:picLocks noChangeAspect="1" noChangeArrowheads="1"/>
+          </p:cNvPicPr>
+          <p:nvPr/>
+        </p:nvPicPr>
+        <p:blipFill>
+          <a:blip r:embed="rId2">
+            <a:extLst>
+              <a:ext uri="{BEBA8EAE-BF5A-486C-A8C5-ECC9F3942E4B}">
+                <a14:imgProps xmlns:a14="http://schemas.microsoft.com/office/drawing/2010/main">
+                  <a14:imgLayer r:embed="rId3">
+                    <a14:imgEffect>
+                      <a14:backgroundRemoval t="10000" b="96250" l="389" r="90000">
+                        <a14:foregroundMark x1="1611" y1="66917" x2="8611" y2="77833"/>
+                        <a14:foregroundMark x1="8611" y1="77833" x2="11111" y2="80167"/>
+                        <a14:foregroundMark x1="1722" y1="66167" x2="4167" y2="75750"/>
+                        <a14:foregroundMark x1="20111" y1="89750" x2="23833" y2="95167"/>
+                        <a14:foregroundMark x1="23833" y1="95167" x2="25278" y2="96333"/>
+                        <a14:foregroundMark x1="3389" y1="84833" x2="10111" y2="94500"/>
+                        <a14:foregroundMark x1="10111" y1="94500" x2="10389" y2="94667"/>
+                        <a14:foregroundMark x1="3111" y1="88833" x2="6111" y2="93667"/>
+                        <a14:foregroundMark x1="389" y1="83500" x2="1944" y2="88417"/>
+                        <a14:foregroundMark x1="5389" y1="90667" x2="8556" y2="95833"/>
+                        <a14:foregroundMark x1="8556" y1="95833" x2="9000" y2="96000"/>
+                        <a14:backgroundMark x1="2389" y1="60583" x2="3778" y2="63917"/>
+                        <a14:backgroundMark x1="11278" y1="62750" x2="13500" y2="68917"/>
+                        <a14:backgroundMark x1="13500" y1="68917" x2="14167" y2="69833"/>
+                        <a14:backgroundMark x1="2444" y1="96333" x2="4056" y2="98750"/>
+                      </a14:backgroundRemoval>
+                    </a14:imgEffect>
+                  </a14:imgLayer>
+                </a14:imgProps>
+              </a:ext>
+              <a:ext uri="{28A0092B-C50C-407E-A947-70E740481C1C}">
+                <a14:useLocalDpi xmlns:a14="http://schemas.microsoft.com/office/drawing/2010/main" val="0"/>
+              </a:ext>
+            </a:extLst>
+          </a:blip>
+          <a:srcRect/>
+          <a:stretch>
+            <a:fillRect/>
+          </a:stretch>
+        </p:blipFill>
+        <p:spPr bwMode="auto">
+          <a:xfrm>
+            <a:off x="0" y="1122363"/>
+            <a:ext cx="8603456" cy="5735637"/>
+          </a:xfrm>
+          <a:prstGeom prst="rect">
+            <a:avLst/>
+          </a:prstGeom>
+          <a:noFill/>
+          <a:extLst>
+            <a:ext uri="{909E8E84-426E-40DD-AFC4-6F175D3DCCD1}">
+              <a14:hiddenFill xmlns:a14="http://schemas.microsoft.com/office/drawing/2010/main">
+                <a:solidFill>
+                  <a:srgbClr val="FFFFFF"/>
+                </a:solidFill>
+              </a14:hiddenFill>
+            </a:ext>
+          </a:extLst>
+        </p:spPr>
+      </p:pic>
+      <p:pic>
+        <p:nvPicPr>
+          <p:cNvPr id="1034" name="Picture 10" descr="https://cdn.discordapp.com/attachments/1172499672955355157/1179888279043199067/red-business-border-modern-background-design-vector_53876-157563.png">
+            <a:extLst>
+              <a:ext uri="{FF2B5EF4-FFF2-40B4-BE49-F238E27FC236}">
+                <a16:creationId xmlns:a16="http://schemas.microsoft.com/office/drawing/2014/main" id="{159144C8-BAB4-4FAC-9BA8-B448ACD3C7BF}"/>
+              </a:ext>
+            </a:extLst>
+          </p:cNvPr>
+          <p:cNvPicPr>
+            <a:picLocks noChangeAspect="1" noChangeArrowheads="1"/>
+          </p:cNvPicPr>
+          <p:nvPr/>
+        </p:nvPicPr>
+        <p:blipFill>
+          <a:blip r:embed="rId4">
+            <a:extLst>
+              <a:ext uri="{BEBA8EAE-BF5A-486C-A8C5-ECC9F3942E4B}">
+                <a14:imgProps xmlns:a14="http://schemas.microsoft.com/office/drawing/2010/main">
+                  <a14:imgLayer r:embed="rId3">
+                    <a14:imgEffect>
+                      <a14:backgroundRemoval t="250" b="90000" l="10000" r="98944">
+                        <a14:foregroundMark x1="65889" y1="5000" x2="71889" y2="16083"/>
+                        <a14:foregroundMark x1="71889" y1="16083" x2="72778" y2="17167"/>
+                        <a14:foregroundMark x1="82611" y1="26167" x2="88389" y2="33750"/>
+                        <a14:foregroundMark x1="86778" y1="33417" x2="95278" y2="46083"/>
+                        <a14:foregroundMark x1="62667" y1="333" x2="63278" y2="667"/>
+                        <a14:foregroundMark x1="66722" y1="500" x2="79444" y2="15500"/>
+                        <a14:foregroundMark x1="74389" y1="3583" x2="88889" y2="22583"/>
+                        <a14:foregroundMark x1="72000" y1="2667" x2="98278" y2="36667"/>
+                        <a14:foregroundMark x1="79667" y1="3417" x2="94889" y2="29083"/>
+                        <a14:foregroundMark x1="94500" y1="17417" x2="97833" y2="41167"/>
+                        <a14:foregroundMark x1="97833" y1="41167" x2="97833" y2="41333"/>
+                        <a14:foregroundMark x1="97444" y1="42500" x2="98944" y2="49667"/>
+                        <a14:foregroundMark x1="96444" y1="41833" x2="91056" y2="32667"/>
+                        <a14:foregroundMark x1="95889" y1="42500" x2="89500" y2="32333"/>
+                        <a14:foregroundMark x1="97278" y1="3500" x2="98500" y2="1583"/>
+                        <a14:foregroundMark x1="95833" y1="5333" x2="96889" y2="4500"/>
+                        <a14:backgroundMark x1="91111" y1="68000" x2="91667" y2="66583"/>
+                      </a14:backgroundRemoval>
+                    </a14:imgEffect>
+                  </a14:imgLayer>
+                </a14:imgProps>
+              </a:ext>
+              <a:ext uri="{28A0092B-C50C-407E-A947-70E740481C1C}">
+                <a14:useLocalDpi xmlns:a14="http://schemas.microsoft.com/office/drawing/2010/main" val="0"/>
+              </a:ext>
+            </a:extLst>
+          </a:blip>
+          <a:srcRect/>
+          <a:stretch>
+            <a:fillRect/>
+          </a:stretch>
+        </p:blipFill>
+        <p:spPr bwMode="auto">
+          <a:xfrm>
+            <a:off x="4619625" y="0"/>
+            <a:ext cx="7572375" cy="5048250"/>
+          </a:xfrm>
+          <a:prstGeom prst="rect">
+            <a:avLst/>
+          </a:prstGeom>
+          <a:noFill/>
+          <a:extLst>
+            <a:ext uri="{909E8E84-426E-40DD-AFC4-6F175D3DCCD1}">
+              <a14:hiddenFill xmlns:a14="http://schemas.microsoft.com/office/drawing/2010/main">
+                <a:solidFill>
+                  <a:srgbClr val="FFFFFF"/>
+                </a:solidFill>
+              </a14:hiddenFill>
+            </a:ext>
+          </a:extLst>
+        </p:spPr>
+      </p:pic>
+      <p:sp>
+        <p:nvSpPr>
+          <p:cNvPr id="2" name="Заголовок 1">
+            <a:extLst>
+              <a:ext uri="{FF2B5EF4-FFF2-40B4-BE49-F238E27FC236}">
+                <a16:creationId xmlns:a16="http://schemas.microsoft.com/office/drawing/2014/main" id="{786C4923-C308-4DA9-AE4A-8888B01EBB72}"/>
+              </a:ext>
+            </a:extLst>
+          </p:cNvPr>
+          <p:cNvSpPr>
+            <a:spLocks noGrp="1"/>
+          </p:cNvSpPr>
+          <p:nvPr>
+            <p:ph type="ctrTitle"/>
+          </p:nvPr>
+        </p:nvSpPr>
+        <p:spPr/>
+        <p:txBody>
+          <a:bodyPr/>
+          <a:lstStyle/>
+          <a:p>
+            <a:endParaRPr lang="ru-RU" dirty="0"/>
+          </a:p>
+        </p:txBody>
+      </p:sp>
+      <p:sp>
+        <p:nvSpPr>
+          <p:cNvPr id="3" name="Подзаголовок 2">
+            <a:extLst>
+              <a:ext uri="{FF2B5EF4-FFF2-40B4-BE49-F238E27FC236}">
+                <a16:creationId xmlns:a16="http://schemas.microsoft.com/office/drawing/2014/main" id="{DB057B8E-A7C9-431D-B081-B11349C80C79}"/>
+              </a:ext>
+            </a:extLst>
+          </p:cNvPr>
+          <p:cNvSpPr>
+            <a:spLocks noGrp="1"/>
+          </p:cNvSpPr>
+          <p:nvPr>
+            <p:ph type="subTitle" idx="1"/>
+          </p:nvPr>
+        </p:nvSpPr>
+        <p:spPr>
+          <a:xfrm>
+            <a:off x="1524000" y="3602038"/>
+            <a:ext cx="9144000" cy="1655762"/>
+          </a:xfrm>
+        </p:spPr>
+        <p:txBody>
+          <a:bodyPr/>
+          <a:lstStyle/>
+          <a:p>
+            <a:endParaRPr lang="ru-RU"/>
+          </a:p>
+        </p:txBody>
+      </p:sp>
+      <p:sp>
+        <p:nvSpPr>
+          <p:cNvPr id="6" name="Заголовок 1">
+            <a:extLst>
+              <a:ext uri="{FF2B5EF4-FFF2-40B4-BE49-F238E27FC236}">
+                <a16:creationId xmlns:a16="http://schemas.microsoft.com/office/drawing/2014/main" id="{786C4923-C308-4DA9-AE4A-8888B01EBB72}"/>
+              </a:ext>
+            </a:extLst>
+          </p:cNvPr>
+          <p:cNvSpPr txBox="1">
+            <a:spLocks/>
+          </p:cNvSpPr>
+          <p:nvPr/>
+        </p:nvSpPr>
+        <p:spPr>
+          <a:xfrm>
+            <a:off x="0" y="0"/>
+            <a:ext cx="12192000" cy="6858000"/>
+          </a:xfrm>
+          <a:prstGeom prst="rect">
+            <a:avLst/>
+          </a:prstGeom>
+        </p:spPr>
+        <p:txBody>
+          <a:bodyPr vert="horz" lIns="91440" tIns="45720" rIns="91440" bIns="45720" rtlCol="0" anchor="ctr">
+            <a:normAutofit/>
+          </a:bodyPr>
+          <a:lstStyle>
+            <a:lvl1pPr algn="ctr" defTabSz="914400" rtl="0" eaLnBrk="1" latinLnBrk="0" hangingPunct="1">
+              <a:lnSpc>
+                <a:spcPct val="90000"/>
+              </a:lnSpc>
+              <a:spcBef>
+                <a:spcPct val="0"/>
+              </a:spcBef>
+              <a:buNone/>
+              <a:defRPr sz="6000" kern="1200">
+                <a:solidFill>
+                  <a:schemeClr val="tx1"/>
+                </a:solidFill>
+                <a:latin typeface="+mj-lt"/>
+                <a:ea typeface="+mj-ea"/>
+                <a:cs typeface="+mj-cs"/>
+              </a:defRPr>
+            </a:lvl1pPr>
+          </a:lstStyle>
+          <a:p>
+            <a:r>
+              <a:rPr lang="ru-RU" sz="6600" dirty="0" smtClean="0">
+                <a:solidFill>
+                  <a:srgbClr val="FF0000"/>
+                </a:solidFill>
+                <a:latin typeface="Century Gothic" panose="020B0502020202020204" pitchFamily="34" charset="0"/>
+              </a:rPr>
+              <a:t>НЕИНТЕРПРЕТИРУЕМАЯ МОДЕЛЬ</a:t>
+            </a:r>
+            <a:endParaRPr lang="ru-RU" sz="7200" dirty="0">
+              <a:solidFill>
+                <a:srgbClr val="FF0000"/>
+              </a:solidFill>
+              <a:latin typeface="Century Gothic" panose="020B0502020202020204" pitchFamily="34" charset="0"/>
+            </a:endParaRPr>
+          </a:p>
+        </p:txBody>
+      </p:sp>
+    </p:spTree>
+    <p:extLst>
+      <p:ext uri="{BB962C8B-B14F-4D97-AF65-F5344CB8AC3E}">
+        <p14:creationId xmlns:p14="http://schemas.microsoft.com/office/powerpoint/2010/main" val="1602038733"/>
+      </p:ext>
+    </p:extLst>
+  </p:cSld>
+  <p:clrMapOvr>
+    <a:masterClrMapping/>
+  </p:clrMapOvr>
+  <p:timing>
+    <p:tnLst>
+      <p:par>
+        <p:cTn id="1" dur="indefinite" restart="never" nodeType="tmRoot"/>
+      </p:par>
+    </p:tnLst>
+  </p:timing>
+</p:sld>
+</file>
+
+<file path=ppt/slides/slide14.xml><?xml version="1.0" encoding="utf-8"?>
+<p:sld xmlns:a="http://schemas.openxmlformats.org/drawingml/2006/main" xmlns:r="http://schemas.openxmlformats.org/officeDocument/2006/relationships" xmlns:p="http://schemas.openxmlformats.org/presentationml/2006/main">
+  <p:cSld>
+    <p:spTree>
+      <p:nvGrpSpPr>
+        <p:cNvPr id="1" name=""/>
+        <p:cNvGrpSpPr/>
+        <p:nvPr/>
+      </p:nvGrpSpPr>
+      <p:grpSpPr>
+        <a:xfrm>
+          <a:off x="0" y="0"/>
+          <a:ext cx="0" cy="0"/>
+          <a:chOff x="0" y="0"/>
+          <a:chExt cx="0" cy="0"/>
+        </a:xfrm>
+      </p:grpSpPr>
+      <p:pic>
+        <p:nvPicPr>
+          <p:cNvPr id="1028" name="Picture 4" descr="https://cdn.discordapp.com/attachments/1172499672955355157/1179888279043199067/red-business-border-modern-background-design-vector_53876-157563.png">
+            <a:extLst>
+              <a:ext uri="{FF2B5EF4-FFF2-40B4-BE49-F238E27FC236}">
+                <a16:creationId xmlns:a16="http://schemas.microsoft.com/office/drawing/2014/main" id="{D4C27342-9A26-43F2-9FC7-B6813D7F4497}"/>
+              </a:ext>
+            </a:extLst>
+          </p:cNvPr>
+          <p:cNvPicPr>
+            <a:picLocks noChangeAspect="1" noChangeArrowheads="1"/>
+          </p:cNvPicPr>
+          <p:nvPr/>
+        </p:nvPicPr>
+        <p:blipFill>
+          <a:blip r:embed="rId2">
+            <a:extLst>
+              <a:ext uri="{BEBA8EAE-BF5A-486C-A8C5-ECC9F3942E4B}">
+                <a14:imgProps xmlns:a14="http://schemas.microsoft.com/office/drawing/2010/main">
+                  <a14:imgLayer r:embed="rId3">
+                    <a14:imgEffect>
+                      <a14:backgroundRemoval t="10000" b="96250" l="389" r="90000">
+                        <a14:foregroundMark x1="1611" y1="66917" x2="8611" y2="77833"/>
+                        <a14:foregroundMark x1="8611" y1="77833" x2="11111" y2="80167"/>
+                        <a14:foregroundMark x1="1722" y1="66167" x2="4167" y2="75750"/>
+                        <a14:foregroundMark x1="20111" y1="89750" x2="23833" y2="95167"/>
+                        <a14:foregroundMark x1="23833" y1="95167" x2="25278" y2="96333"/>
+                        <a14:foregroundMark x1="3389" y1="84833" x2="10111" y2="94500"/>
+                        <a14:foregroundMark x1="10111" y1="94500" x2="10389" y2="94667"/>
+                        <a14:foregroundMark x1="3111" y1="88833" x2="6111" y2="93667"/>
+                        <a14:foregroundMark x1="389" y1="83500" x2="1944" y2="88417"/>
+                        <a14:foregroundMark x1="5389" y1="90667" x2="8556" y2="95833"/>
+                        <a14:foregroundMark x1="8556" y1="95833" x2="9000" y2="96000"/>
+                        <a14:backgroundMark x1="2389" y1="60583" x2="3778" y2="63917"/>
+                        <a14:backgroundMark x1="11278" y1="62750" x2="13500" y2="68917"/>
+                        <a14:backgroundMark x1="13500" y1="68917" x2="14167" y2="69833"/>
+                        <a14:backgroundMark x1="2444" y1="96333" x2="4056" y2="98750"/>
+                      </a14:backgroundRemoval>
+                    </a14:imgEffect>
+                  </a14:imgLayer>
+                </a14:imgProps>
+              </a:ext>
+              <a:ext uri="{28A0092B-C50C-407E-A947-70E740481C1C}">
+                <a14:useLocalDpi xmlns:a14="http://schemas.microsoft.com/office/drawing/2010/main" val="0"/>
+              </a:ext>
+            </a:extLst>
+          </a:blip>
+          <a:srcRect/>
+          <a:stretch>
+            <a:fillRect/>
+          </a:stretch>
+        </p:blipFill>
+        <p:spPr bwMode="auto">
+          <a:xfrm>
+            <a:off x="0" y="1122363"/>
+            <a:ext cx="8603456" cy="5735637"/>
+          </a:xfrm>
+          <a:prstGeom prst="rect">
+            <a:avLst/>
+          </a:prstGeom>
+          <a:noFill/>
+          <a:extLst>
+            <a:ext uri="{909E8E84-426E-40DD-AFC4-6F175D3DCCD1}">
+              <a14:hiddenFill xmlns:a14="http://schemas.microsoft.com/office/drawing/2010/main">
+                <a:solidFill>
+                  <a:srgbClr val="FFFFFF"/>
+                </a:solidFill>
+              </a14:hiddenFill>
+            </a:ext>
+          </a:extLst>
+        </p:spPr>
+      </p:pic>
+      <p:pic>
+        <p:nvPicPr>
+          <p:cNvPr id="1034" name="Picture 10" descr="https://cdn.discordapp.com/attachments/1172499672955355157/1179888279043199067/red-business-border-modern-background-design-vector_53876-157563.png">
+            <a:extLst>
+              <a:ext uri="{FF2B5EF4-FFF2-40B4-BE49-F238E27FC236}">
+                <a16:creationId xmlns:a16="http://schemas.microsoft.com/office/drawing/2014/main" id="{159144C8-BAB4-4FAC-9BA8-B448ACD3C7BF}"/>
+              </a:ext>
+            </a:extLst>
+          </p:cNvPr>
+          <p:cNvPicPr>
+            <a:picLocks noChangeAspect="1" noChangeArrowheads="1"/>
+          </p:cNvPicPr>
+          <p:nvPr/>
+        </p:nvPicPr>
+        <p:blipFill>
+          <a:blip r:embed="rId4">
+            <a:extLst>
+              <a:ext uri="{BEBA8EAE-BF5A-486C-A8C5-ECC9F3942E4B}">
+                <a14:imgProps xmlns:a14="http://schemas.microsoft.com/office/drawing/2010/main">
+                  <a14:imgLayer r:embed="rId3">
+                    <a14:imgEffect>
+                      <a14:backgroundRemoval t="250" b="90000" l="10000" r="98944">
+                        <a14:foregroundMark x1="65889" y1="5000" x2="71889" y2="16083"/>
+                        <a14:foregroundMark x1="71889" y1="16083" x2="72778" y2="17167"/>
+                        <a14:foregroundMark x1="82611" y1="26167" x2="88389" y2="33750"/>
+                        <a14:foregroundMark x1="86778" y1="33417" x2="95278" y2="46083"/>
+                        <a14:foregroundMark x1="62667" y1="333" x2="63278" y2="667"/>
+                        <a14:foregroundMark x1="66722" y1="500" x2="79444" y2="15500"/>
+                        <a14:foregroundMark x1="74389" y1="3583" x2="88889" y2="22583"/>
+                        <a14:foregroundMark x1="72000" y1="2667" x2="98278" y2="36667"/>
+                        <a14:foregroundMark x1="79667" y1="3417" x2="94889" y2="29083"/>
+                        <a14:foregroundMark x1="94500" y1="17417" x2="97833" y2="41167"/>
+                        <a14:foregroundMark x1="97833" y1="41167" x2="97833" y2="41333"/>
+                        <a14:foregroundMark x1="97444" y1="42500" x2="98944" y2="49667"/>
+                        <a14:foregroundMark x1="96444" y1="41833" x2="91056" y2="32667"/>
+                        <a14:foregroundMark x1="95889" y1="42500" x2="89500" y2="32333"/>
+                        <a14:foregroundMark x1="97278" y1="3500" x2="98500" y2="1583"/>
+                        <a14:foregroundMark x1="95833" y1="5333" x2="96889" y2="4500"/>
+                        <a14:backgroundMark x1="91111" y1="68000" x2="91667" y2="66583"/>
+                      </a14:backgroundRemoval>
+                    </a14:imgEffect>
+                  </a14:imgLayer>
+                </a14:imgProps>
+              </a:ext>
+              <a:ext uri="{28A0092B-C50C-407E-A947-70E740481C1C}">
+                <a14:useLocalDpi xmlns:a14="http://schemas.microsoft.com/office/drawing/2010/main" val="0"/>
+              </a:ext>
+            </a:extLst>
+          </a:blip>
+          <a:srcRect/>
+          <a:stretch>
+            <a:fillRect/>
+          </a:stretch>
+        </p:blipFill>
+        <p:spPr bwMode="auto">
+          <a:xfrm>
+            <a:off x="4619625" y="0"/>
+            <a:ext cx="7572375" cy="5048250"/>
+          </a:xfrm>
+          <a:prstGeom prst="rect">
+            <a:avLst/>
+          </a:prstGeom>
+          <a:noFill/>
+          <a:extLst>
+            <a:ext uri="{909E8E84-426E-40DD-AFC4-6F175D3DCCD1}">
+              <a14:hiddenFill xmlns:a14="http://schemas.microsoft.com/office/drawing/2010/main">
+                <a:solidFill>
+                  <a:srgbClr val="FFFFFF"/>
+                </a:solidFill>
+              </a14:hiddenFill>
+            </a:ext>
+          </a:extLst>
+        </p:spPr>
+      </p:pic>
+      <p:pic>
+        <p:nvPicPr>
+          <p:cNvPr id="6" name="Google Shape;227;p31"/>
+          <p:cNvPicPr preferRelativeResize="0"/>
+          <p:nvPr/>
+        </p:nvPicPr>
+        <p:blipFill>
+          <a:blip r:embed="rId5">
+            <a:alphaModFix/>
+          </a:blip>
+          <a:stretch>
+            <a:fillRect/>
+          </a:stretch>
+        </p:blipFill>
+        <p:spPr>
+          <a:xfrm>
+            <a:off x="436820" y="1863011"/>
+            <a:ext cx="6565123" cy="2759935"/>
+          </a:xfrm>
+          <a:prstGeom prst="rect">
+            <a:avLst/>
+          </a:prstGeom>
+          <a:noFill/>
+          <a:ln>
+            <a:noFill/>
+          </a:ln>
+        </p:spPr>
+      </p:pic>
+      <p:pic>
+        <p:nvPicPr>
+          <p:cNvPr id="7" name="Google Shape;225;p31"/>
+          <p:cNvPicPr preferRelativeResize="0"/>
+          <p:nvPr/>
+        </p:nvPicPr>
+        <p:blipFill rotWithShape="1">
+          <a:blip r:embed="rId6">
+            <a:alphaModFix/>
+          </a:blip>
+          <a:srcRect t="14281" r="7081"/>
+          <a:stretch/>
+        </p:blipFill>
+        <p:spPr>
+          <a:xfrm>
+            <a:off x="6629488" y="2225964"/>
+            <a:ext cx="4093930" cy="2440640"/>
+          </a:xfrm>
+          <a:prstGeom prst="rect">
+            <a:avLst/>
+          </a:prstGeom>
+          <a:noFill/>
+          <a:ln w="19050" cap="flat" cmpd="sng">
+            <a:solidFill>
+              <a:schemeClr val="bg1"/>
+            </a:solidFill>
+            <a:prstDash val="solid"/>
+            <a:round/>
+            <a:headEnd type="none" w="sm" len="sm"/>
+            <a:tailEnd type="none" w="sm" len="sm"/>
+          </a:ln>
+        </p:spPr>
+      </p:pic>
+    </p:spTree>
+    <p:extLst>
+      <p:ext uri="{BB962C8B-B14F-4D97-AF65-F5344CB8AC3E}">
+        <p14:creationId xmlns:p14="http://schemas.microsoft.com/office/powerpoint/2010/main" val="2843520094"/>
+      </p:ext>
+    </p:extLst>
+  </p:cSld>
+  <p:clrMapOvr>
+    <a:masterClrMapping/>
+  </p:clrMapOvr>
+  <p:timing>
+    <p:tnLst>
+      <p:par>
+        <p:cTn id="1" dur="indefinite" restart="never" nodeType="tmRoot"/>
+      </p:par>
+    </p:tnLst>
+  </p:timing>
+</p:sld>
+</file>
+
+<file path=ppt/slides/slide15.xml><?xml version="1.0" encoding="utf-8"?>
+<p:sld xmlns:a="http://schemas.openxmlformats.org/drawingml/2006/main" xmlns:r="http://schemas.openxmlformats.org/officeDocument/2006/relationships" xmlns:p="http://schemas.openxmlformats.org/presentationml/2006/main">
+  <p:cSld>
+    <p:spTree>
+      <p:nvGrpSpPr>
+        <p:cNvPr id="1" name=""/>
+        <p:cNvGrpSpPr/>
+        <p:nvPr/>
+      </p:nvGrpSpPr>
+      <p:grpSpPr>
+        <a:xfrm>
+          <a:off x="0" y="0"/>
+          <a:ext cx="0" cy="0"/>
+          <a:chOff x="0" y="0"/>
+          <a:chExt cx="0" cy="0"/>
+        </a:xfrm>
+      </p:grpSpPr>
+      <p:pic>
+        <p:nvPicPr>
+          <p:cNvPr id="1028" name="Picture 4" descr="https://cdn.discordapp.com/attachments/1172499672955355157/1179888279043199067/red-business-border-modern-background-design-vector_53876-157563.png">
+            <a:extLst>
+              <a:ext uri="{FF2B5EF4-FFF2-40B4-BE49-F238E27FC236}">
+                <a16:creationId xmlns:a16="http://schemas.microsoft.com/office/drawing/2014/main" id="{D4C27342-9A26-43F2-9FC7-B6813D7F4497}"/>
+              </a:ext>
+            </a:extLst>
+          </p:cNvPr>
+          <p:cNvPicPr>
+            <a:picLocks noChangeAspect="1" noChangeArrowheads="1"/>
+          </p:cNvPicPr>
+          <p:nvPr/>
+        </p:nvPicPr>
+        <p:blipFill>
+          <a:blip r:embed="rId2">
+            <a:extLst>
+              <a:ext uri="{BEBA8EAE-BF5A-486C-A8C5-ECC9F3942E4B}">
+                <a14:imgProps xmlns:a14="http://schemas.microsoft.com/office/drawing/2010/main">
+                  <a14:imgLayer r:embed="rId3">
+                    <a14:imgEffect>
+                      <a14:backgroundRemoval t="10000" b="96250" l="389" r="90000">
+                        <a14:foregroundMark x1="1611" y1="66917" x2="8611" y2="77833"/>
+                        <a14:foregroundMark x1="8611" y1="77833" x2="11111" y2="80167"/>
+                        <a14:foregroundMark x1="1722" y1="66167" x2="4167" y2="75750"/>
+                        <a14:foregroundMark x1="20111" y1="89750" x2="23833" y2="95167"/>
+                        <a14:foregroundMark x1="23833" y1="95167" x2="25278" y2="96333"/>
+                        <a14:foregroundMark x1="3389" y1="84833" x2="10111" y2="94500"/>
+                        <a14:foregroundMark x1="10111" y1="94500" x2="10389" y2="94667"/>
+                        <a14:foregroundMark x1="3111" y1="88833" x2="6111" y2="93667"/>
+                        <a14:foregroundMark x1="389" y1="83500" x2="1944" y2="88417"/>
+                        <a14:foregroundMark x1="5389" y1="90667" x2="8556" y2="95833"/>
+                        <a14:foregroundMark x1="8556" y1="95833" x2="9000" y2="96000"/>
+                        <a14:backgroundMark x1="2389" y1="60583" x2="3778" y2="63917"/>
+                        <a14:backgroundMark x1="11278" y1="62750" x2="13500" y2="68917"/>
+                        <a14:backgroundMark x1="13500" y1="68917" x2="14167" y2="69833"/>
+                        <a14:backgroundMark x1="2444" y1="96333" x2="4056" y2="98750"/>
+                      </a14:backgroundRemoval>
+                    </a14:imgEffect>
+                  </a14:imgLayer>
+                </a14:imgProps>
+              </a:ext>
+              <a:ext uri="{28A0092B-C50C-407E-A947-70E740481C1C}">
+                <a14:useLocalDpi xmlns:a14="http://schemas.microsoft.com/office/drawing/2010/main" val="0"/>
+              </a:ext>
+            </a:extLst>
+          </a:blip>
+          <a:srcRect/>
+          <a:stretch>
+            <a:fillRect/>
+          </a:stretch>
+        </p:blipFill>
+        <p:spPr bwMode="auto">
+          <a:xfrm>
+            <a:off x="0" y="1122363"/>
+            <a:ext cx="8603456" cy="5735637"/>
+          </a:xfrm>
+          <a:prstGeom prst="rect">
+            <a:avLst/>
+          </a:prstGeom>
+          <a:noFill/>
+          <a:extLst>
+            <a:ext uri="{909E8E84-426E-40DD-AFC4-6F175D3DCCD1}">
+              <a14:hiddenFill xmlns:a14="http://schemas.microsoft.com/office/drawing/2010/main">
+                <a:solidFill>
+                  <a:srgbClr val="FFFFFF"/>
+                </a:solidFill>
+              </a14:hiddenFill>
+            </a:ext>
+          </a:extLst>
+        </p:spPr>
+      </p:pic>
+      <p:pic>
+        <p:nvPicPr>
+          <p:cNvPr id="1034" name="Picture 10" descr="https://cdn.discordapp.com/attachments/1172499672955355157/1179888279043199067/red-business-border-modern-background-design-vector_53876-157563.png">
+            <a:extLst>
+              <a:ext uri="{FF2B5EF4-FFF2-40B4-BE49-F238E27FC236}">
+                <a16:creationId xmlns:a16="http://schemas.microsoft.com/office/drawing/2014/main" id="{159144C8-BAB4-4FAC-9BA8-B448ACD3C7BF}"/>
+              </a:ext>
+            </a:extLst>
+          </p:cNvPr>
+          <p:cNvPicPr>
+            <a:picLocks noChangeAspect="1" noChangeArrowheads="1"/>
+          </p:cNvPicPr>
+          <p:nvPr/>
+        </p:nvPicPr>
+        <p:blipFill>
+          <a:blip r:embed="rId4">
+            <a:extLst>
+              <a:ext uri="{BEBA8EAE-BF5A-486C-A8C5-ECC9F3942E4B}">
+                <a14:imgProps xmlns:a14="http://schemas.microsoft.com/office/drawing/2010/main">
+                  <a14:imgLayer r:embed="rId3">
+                    <a14:imgEffect>
+                      <a14:backgroundRemoval t="250" b="90000" l="10000" r="98944">
+                        <a14:foregroundMark x1="65889" y1="5000" x2="71889" y2="16083"/>
+                        <a14:foregroundMark x1="71889" y1="16083" x2="72778" y2="17167"/>
+                        <a14:foregroundMark x1="82611" y1="26167" x2="88389" y2="33750"/>
+                        <a14:foregroundMark x1="86778" y1="33417" x2="95278" y2="46083"/>
+                        <a14:foregroundMark x1="62667" y1="333" x2="63278" y2="667"/>
+                        <a14:foregroundMark x1="66722" y1="500" x2="79444" y2="15500"/>
+                        <a14:foregroundMark x1="74389" y1="3583" x2="88889" y2="22583"/>
+                        <a14:foregroundMark x1="72000" y1="2667" x2="98278" y2="36667"/>
+                        <a14:foregroundMark x1="79667" y1="3417" x2="94889" y2="29083"/>
+                        <a14:foregroundMark x1="94500" y1="17417" x2="97833" y2="41167"/>
+                        <a14:foregroundMark x1="97833" y1="41167" x2="97833" y2="41333"/>
+                        <a14:foregroundMark x1="97444" y1="42500" x2="98944" y2="49667"/>
+                        <a14:foregroundMark x1="96444" y1="41833" x2="91056" y2="32667"/>
+                        <a14:foregroundMark x1="95889" y1="42500" x2="89500" y2="32333"/>
+                        <a14:foregroundMark x1="97278" y1="3500" x2="98500" y2="1583"/>
+                        <a14:foregroundMark x1="95833" y1="5333" x2="96889" y2="4500"/>
+                        <a14:backgroundMark x1="91111" y1="68000" x2="91667" y2="66583"/>
+                      </a14:backgroundRemoval>
+                    </a14:imgEffect>
+                  </a14:imgLayer>
+                </a14:imgProps>
+              </a:ext>
+              <a:ext uri="{28A0092B-C50C-407E-A947-70E740481C1C}">
+                <a14:useLocalDpi xmlns:a14="http://schemas.microsoft.com/office/drawing/2010/main" val="0"/>
+              </a:ext>
+            </a:extLst>
+          </a:blip>
+          <a:srcRect/>
+          <a:stretch>
+            <a:fillRect/>
+          </a:stretch>
+        </p:blipFill>
+        <p:spPr bwMode="auto">
+          <a:xfrm>
+            <a:off x="4619625" y="0"/>
+            <a:ext cx="7572375" cy="5048250"/>
+          </a:xfrm>
+          <a:prstGeom prst="rect">
+            <a:avLst/>
+          </a:prstGeom>
+          <a:noFill/>
+          <a:extLst>
+            <a:ext uri="{909E8E84-426E-40DD-AFC4-6F175D3DCCD1}">
+              <a14:hiddenFill xmlns:a14="http://schemas.microsoft.com/office/drawing/2010/main">
+                <a:solidFill>
+                  <a:srgbClr val="FFFFFF"/>
+                </a:solidFill>
+              </a14:hiddenFill>
+            </a:ext>
+          </a:extLst>
+        </p:spPr>
+      </p:pic>
+      <p:sp>
+        <p:nvSpPr>
+          <p:cNvPr id="2" name="Заголовок 1">
+            <a:extLst>
+              <a:ext uri="{FF2B5EF4-FFF2-40B4-BE49-F238E27FC236}">
+                <a16:creationId xmlns:a16="http://schemas.microsoft.com/office/drawing/2014/main" id="{786C4923-C308-4DA9-AE4A-8888B01EBB72}"/>
+              </a:ext>
+            </a:extLst>
+          </p:cNvPr>
+          <p:cNvSpPr>
+            <a:spLocks noGrp="1"/>
+          </p:cNvSpPr>
+          <p:nvPr>
+            <p:ph type="ctrTitle"/>
+          </p:nvPr>
+        </p:nvSpPr>
+        <p:spPr/>
+        <p:txBody>
+          <a:bodyPr/>
+          <a:lstStyle/>
+          <a:p>
+            <a:endParaRPr lang="ru-RU" dirty="0"/>
+          </a:p>
+        </p:txBody>
+      </p:sp>
+      <p:sp>
+        <p:nvSpPr>
+          <p:cNvPr id="3" name="Подзаголовок 2">
+            <a:extLst>
+              <a:ext uri="{FF2B5EF4-FFF2-40B4-BE49-F238E27FC236}">
+                <a16:creationId xmlns:a16="http://schemas.microsoft.com/office/drawing/2014/main" id="{DB057B8E-A7C9-431D-B081-B11349C80C79}"/>
+              </a:ext>
+            </a:extLst>
+          </p:cNvPr>
+          <p:cNvSpPr>
+            <a:spLocks noGrp="1"/>
+          </p:cNvSpPr>
+          <p:nvPr>
+            <p:ph type="subTitle" idx="1"/>
+          </p:nvPr>
+        </p:nvSpPr>
+        <p:spPr>
+          <a:xfrm>
+            <a:off x="1524000" y="3602038"/>
+            <a:ext cx="9144000" cy="1655762"/>
+          </a:xfrm>
+        </p:spPr>
+        <p:txBody>
+          <a:bodyPr/>
+          <a:lstStyle/>
+          <a:p>
+            <a:endParaRPr lang="ru-RU"/>
+          </a:p>
+        </p:txBody>
+      </p:sp>
+      <p:sp>
+        <p:nvSpPr>
+          <p:cNvPr id="6" name="Заголовок 1">
+            <a:extLst>
+              <a:ext uri="{FF2B5EF4-FFF2-40B4-BE49-F238E27FC236}">
+                <a16:creationId xmlns:a16="http://schemas.microsoft.com/office/drawing/2014/main" id="{786C4923-C308-4DA9-AE4A-8888B01EBB72}"/>
+              </a:ext>
+            </a:extLst>
+          </p:cNvPr>
+          <p:cNvSpPr txBox="1">
+            <a:spLocks/>
+          </p:cNvSpPr>
+          <p:nvPr/>
+        </p:nvSpPr>
+        <p:spPr>
+          <a:xfrm>
+            <a:off x="0" y="0"/>
+            <a:ext cx="12192000" cy="6858000"/>
+          </a:xfrm>
+          <a:prstGeom prst="rect">
+            <a:avLst/>
+          </a:prstGeom>
+        </p:spPr>
+        <p:txBody>
+          <a:bodyPr vert="horz" lIns="91440" tIns="45720" rIns="91440" bIns="45720" rtlCol="0" anchor="ctr">
+            <a:normAutofit/>
+          </a:bodyPr>
+          <a:lstStyle>
+            <a:lvl1pPr algn="ctr" defTabSz="914400" rtl="0" eaLnBrk="1" latinLnBrk="0" hangingPunct="1">
+              <a:lnSpc>
+                <a:spcPct val="90000"/>
+              </a:lnSpc>
+              <a:spcBef>
+                <a:spcPct val="0"/>
+              </a:spcBef>
+              <a:buNone/>
+              <a:defRPr sz="6000" kern="1200">
+                <a:solidFill>
+                  <a:schemeClr val="tx1"/>
+                </a:solidFill>
+                <a:latin typeface="+mj-lt"/>
+                <a:ea typeface="+mj-ea"/>
+                <a:cs typeface="+mj-cs"/>
+              </a:defRPr>
+            </a:lvl1pPr>
+          </a:lstStyle>
+          <a:p>
+            <a:r>
+              <a:rPr lang="ru-RU" sz="6600" dirty="0" smtClean="0">
+                <a:solidFill>
+                  <a:srgbClr val="FF0000"/>
+                </a:solidFill>
+                <a:latin typeface="Century Gothic" panose="020B0502020202020204" pitchFamily="34" charset="0"/>
+              </a:rPr>
+              <a:t>МЕТРИКИ</a:t>
+            </a:r>
+            <a:endParaRPr lang="ru-RU" sz="7200" dirty="0">
+              <a:solidFill>
+                <a:srgbClr val="FF0000"/>
+              </a:solidFill>
+              <a:latin typeface="Century Gothic" panose="020B0502020202020204" pitchFamily="34" charset="0"/>
+            </a:endParaRPr>
+          </a:p>
+        </p:txBody>
+      </p:sp>
+    </p:spTree>
+    <p:extLst>
+      <p:ext uri="{BB962C8B-B14F-4D97-AF65-F5344CB8AC3E}">
+        <p14:creationId xmlns:p14="http://schemas.microsoft.com/office/powerpoint/2010/main" val="3234961744"/>
+      </p:ext>
+    </p:extLst>
+  </p:cSld>
+  <p:clrMapOvr>
+    <a:masterClrMapping/>
+  </p:clrMapOvr>
+  <p:timing>
+    <p:tnLst>
+      <p:par>
+        <p:cTn id="1" dur="indefinite" restart="never" nodeType="tmRoot"/>
+      </p:par>
+    </p:tnLst>
+  </p:timing>
+</p:sld>
+</file>
+
+<file path=ppt/slides/slide16.xml><?xml version="1.0" encoding="utf-8"?>
+<p:sld xmlns:a="http://schemas.openxmlformats.org/drawingml/2006/main" xmlns:r="http://schemas.openxmlformats.org/officeDocument/2006/relationships" xmlns:p="http://schemas.openxmlformats.org/presentationml/2006/main">
+  <p:cSld>
+    <p:spTree>
+      <p:nvGrpSpPr>
+        <p:cNvPr id="1" name=""/>
+        <p:cNvGrpSpPr/>
+        <p:nvPr/>
+      </p:nvGrpSpPr>
+      <p:grpSpPr>
+        <a:xfrm>
+          <a:off x="0" y="0"/>
+          <a:ext cx="0" cy="0"/>
+          <a:chOff x="0" y="0"/>
+          <a:chExt cx="0" cy="0"/>
+        </a:xfrm>
+      </p:grpSpPr>
+      <p:pic>
+        <p:nvPicPr>
+          <p:cNvPr id="1028" name="Picture 4" descr="https://cdn.discordapp.com/attachments/1172499672955355157/1179888279043199067/red-business-border-modern-background-design-vector_53876-157563.png">
+            <a:extLst>
+              <a:ext uri="{FF2B5EF4-FFF2-40B4-BE49-F238E27FC236}">
+                <a16:creationId xmlns:a16="http://schemas.microsoft.com/office/drawing/2014/main" id="{D4C27342-9A26-43F2-9FC7-B6813D7F4497}"/>
+              </a:ext>
+            </a:extLst>
+          </p:cNvPr>
+          <p:cNvPicPr>
+            <a:picLocks noChangeAspect="1" noChangeArrowheads="1"/>
+          </p:cNvPicPr>
+          <p:nvPr/>
+        </p:nvPicPr>
+        <p:blipFill>
+          <a:blip r:embed="rId2">
+            <a:extLst>
+              <a:ext uri="{BEBA8EAE-BF5A-486C-A8C5-ECC9F3942E4B}">
+                <a14:imgProps xmlns:a14="http://schemas.microsoft.com/office/drawing/2010/main">
+                  <a14:imgLayer r:embed="rId3">
+                    <a14:imgEffect>
+                      <a14:backgroundRemoval t="10000" b="96250" l="389" r="90000">
+                        <a14:foregroundMark x1="1611" y1="66917" x2="8611" y2="77833"/>
+                        <a14:foregroundMark x1="8611" y1="77833" x2="11111" y2="80167"/>
+                        <a14:foregroundMark x1="1722" y1="66167" x2="4167" y2="75750"/>
+                        <a14:foregroundMark x1="20111" y1="89750" x2="23833" y2="95167"/>
+                        <a14:foregroundMark x1="23833" y1="95167" x2="25278" y2="96333"/>
+                        <a14:foregroundMark x1="3389" y1="84833" x2="10111" y2="94500"/>
+                        <a14:foregroundMark x1="10111" y1="94500" x2="10389" y2="94667"/>
+                        <a14:foregroundMark x1="3111" y1="88833" x2="6111" y2="93667"/>
+                        <a14:foregroundMark x1="389" y1="83500" x2="1944" y2="88417"/>
+                        <a14:foregroundMark x1="5389" y1="90667" x2="8556" y2="95833"/>
+                        <a14:foregroundMark x1="8556" y1="95833" x2="9000" y2="96000"/>
+                        <a14:backgroundMark x1="2389" y1="60583" x2="3778" y2="63917"/>
+                        <a14:backgroundMark x1="11278" y1="62750" x2="13500" y2="68917"/>
+                        <a14:backgroundMark x1="13500" y1="68917" x2="14167" y2="69833"/>
+                        <a14:backgroundMark x1="2444" y1="96333" x2="4056" y2="98750"/>
+                      </a14:backgroundRemoval>
+                    </a14:imgEffect>
+                  </a14:imgLayer>
+                </a14:imgProps>
+              </a:ext>
+              <a:ext uri="{28A0092B-C50C-407E-A947-70E740481C1C}">
+                <a14:useLocalDpi xmlns:a14="http://schemas.microsoft.com/office/drawing/2010/main" val="0"/>
+              </a:ext>
+            </a:extLst>
+          </a:blip>
+          <a:srcRect/>
+          <a:stretch>
+            <a:fillRect/>
+          </a:stretch>
+        </p:blipFill>
+        <p:spPr bwMode="auto">
+          <a:xfrm>
+            <a:off x="0" y="1122363"/>
+            <a:ext cx="8603456" cy="5735637"/>
+          </a:xfrm>
+          <a:prstGeom prst="rect">
+            <a:avLst/>
+          </a:prstGeom>
+          <a:noFill/>
+          <a:extLst>
+            <a:ext uri="{909E8E84-426E-40DD-AFC4-6F175D3DCCD1}">
+              <a14:hiddenFill xmlns:a14="http://schemas.microsoft.com/office/drawing/2010/main">
+                <a:solidFill>
+                  <a:srgbClr val="FFFFFF"/>
+                </a:solidFill>
+              </a14:hiddenFill>
+            </a:ext>
+          </a:extLst>
+        </p:spPr>
+      </p:pic>
+      <p:pic>
+        <p:nvPicPr>
+          <p:cNvPr id="1034" name="Picture 10" descr="https://cdn.discordapp.com/attachments/1172499672955355157/1179888279043199067/red-business-border-modern-background-design-vector_53876-157563.png">
+            <a:extLst>
+              <a:ext uri="{FF2B5EF4-FFF2-40B4-BE49-F238E27FC236}">
+                <a16:creationId xmlns:a16="http://schemas.microsoft.com/office/drawing/2014/main" id="{159144C8-BAB4-4FAC-9BA8-B448ACD3C7BF}"/>
+              </a:ext>
+            </a:extLst>
+          </p:cNvPr>
+          <p:cNvPicPr>
+            <a:picLocks noChangeAspect="1" noChangeArrowheads="1"/>
+          </p:cNvPicPr>
+          <p:nvPr/>
+        </p:nvPicPr>
+        <p:blipFill>
+          <a:blip r:embed="rId4">
+            <a:extLst>
+              <a:ext uri="{BEBA8EAE-BF5A-486C-A8C5-ECC9F3942E4B}">
+                <a14:imgProps xmlns:a14="http://schemas.microsoft.com/office/drawing/2010/main">
+                  <a14:imgLayer r:embed="rId3">
+                    <a14:imgEffect>
+                      <a14:backgroundRemoval t="250" b="90000" l="10000" r="98944">
+                        <a14:foregroundMark x1="65889" y1="5000" x2="71889" y2="16083"/>
+                        <a14:foregroundMark x1="71889" y1="16083" x2="72778" y2="17167"/>
+                        <a14:foregroundMark x1="82611" y1="26167" x2="88389" y2="33750"/>
+                        <a14:foregroundMark x1="86778" y1="33417" x2="95278" y2="46083"/>
+                        <a14:foregroundMark x1="62667" y1="333" x2="63278" y2="667"/>
+                        <a14:foregroundMark x1="66722" y1="500" x2="79444" y2="15500"/>
+                        <a14:foregroundMark x1="74389" y1="3583" x2="88889" y2="22583"/>
+                        <a14:foregroundMark x1="72000" y1="2667" x2="98278" y2="36667"/>
+                        <a14:foregroundMark x1="79667" y1="3417" x2="94889" y2="29083"/>
+                        <a14:foregroundMark x1="94500" y1="17417" x2="97833" y2="41167"/>
+                        <a14:foregroundMark x1="97833" y1="41167" x2="97833" y2="41333"/>
+                        <a14:foregroundMark x1="97444" y1="42500" x2="98944" y2="49667"/>
+                        <a14:foregroundMark x1="96444" y1="41833" x2="91056" y2="32667"/>
+                        <a14:foregroundMark x1="95889" y1="42500" x2="89500" y2="32333"/>
+                        <a14:foregroundMark x1="97278" y1="3500" x2="98500" y2="1583"/>
+                        <a14:foregroundMark x1="95833" y1="5333" x2="96889" y2="4500"/>
+                        <a14:backgroundMark x1="91111" y1="68000" x2="91667" y2="66583"/>
+                      </a14:backgroundRemoval>
+                    </a14:imgEffect>
+                  </a14:imgLayer>
+                </a14:imgProps>
+              </a:ext>
+              <a:ext uri="{28A0092B-C50C-407E-A947-70E740481C1C}">
+                <a14:useLocalDpi xmlns:a14="http://schemas.microsoft.com/office/drawing/2010/main" val="0"/>
+              </a:ext>
+            </a:extLst>
+          </a:blip>
+          <a:srcRect/>
+          <a:stretch>
+            <a:fillRect/>
+          </a:stretch>
+        </p:blipFill>
+        <p:spPr bwMode="auto">
+          <a:xfrm>
+            <a:off x="4619625" y="0"/>
+            <a:ext cx="7572375" cy="5048250"/>
+          </a:xfrm>
+          <a:prstGeom prst="rect">
+            <a:avLst/>
+          </a:prstGeom>
+          <a:noFill/>
+          <a:extLst>
+            <a:ext uri="{909E8E84-426E-40DD-AFC4-6F175D3DCCD1}">
+              <a14:hiddenFill xmlns:a14="http://schemas.microsoft.com/office/drawing/2010/main">
+                <a:solidFill>
+                  <a:srgbClr val="FFFFFF"/>
+                </a:solidFill>
+              </a14:hiddenFill>
+            </a:ext>
+          </a:extLst>
+        </p:spPr>
+      </p:pic>
+      <p:sp>
+        <p:nvSpPr>
+          <p:cNvPr id="2" name="Заголовок 1">
+            <a:extLst>
+              <a:ext uri="{FF2B5EF4-FFF2-40B4-BE49-F238E27FC236}">
+                <a16:creationId xmlns:a16="http://schemas.microsoft.com/office/drawing/2014/main" id="{786C4923-C308-4DA9-AE4A-8888B01EBB72}"/>
+              </a:ext>
+            </a:extLst>
+          </p:cNvPr>
+          <p:cNvSpPr>
+            <a:spLocks noGrp="1"/>
+          </p:cNvSpPr>
+          <p:nvPr>
+            <p:ph type="ctrTitle"/>
+          </p:nvPr>
+        </p:nvSpPr>
+        <p:spPr/>
+        <p:txBody>
+          <a:bodyPr/>
+          <a:lstStyle/>
+          <a:p>
+            <a:endParaRPr lang="ru-RU" dirty="0"/>
+          </a:p>
+        </p:txBody>
+      </p:sp>
+      <p:sp>
+        <p:nvSpPr>
+          <p:cNvPr id="3" name="Подзаголовок 2">
+            <a:extLst>
+              <a:ext uri="{FF2B5EF4-FFF2-40B4-BE49-F238E27FC236}">
+                <a16:creationId xmlns:a16="http://schemas.microsoft.com/office/drawing/2014/main" id="{DB057B8E-A7C9-431D-B081-B11349C80C79}"/>
+              </a:ext>
+            </a:extLst>
+          </p:cNvPr>
+          <p:cNvSpPr>
+            <a:spLocks noGrp="1"/>
+          </p:cNvSpPr>
+          <p:nvPr>
+            <p:ph type="subTitle" idx="1"/>
+          </p:nvPr>
+        </p:nvSpPr>
+        <p:spPr>
+          <a:xfrm>
+            <a:off x="1524000" y="3602038"/>
+            <a:ext cx="9144000" cy="1655762"/>
+          </a:xfrm>
+        </p:spPr>
+        <p:txBody>
+          <a:bodyPr/>
+          <a:lstStyle/>
+          <a:p>
+            <a:endParaRPr lang="ru-RU"/>
+          </a:p>
+        </p:txBody>
+      </p:sp>
+      <p:sp>
+        <p:nvSpPr>
+          <p:cNvPr id="6" name="Заголовок 1">
+            <a:extLst>
+              <a:ext uri="{FF2B5EF4-FFF2-40B4-BE49-F238E27FC236}">
+                <a16:creationId xmlns:a16="http://schemas.microsoft.com/office/drawing/2014/main" id="{786C4923-C308-4DA9-AE4A-8888B01EBB72}"/>
+              </a:ext>
+            </a:extLst>
+          </p:cNvPr>
+          <p:cNvSpPr txBox="1">
+            <a:spLocks/>
+          </p:cNvSpPr>
+          <p:nvPr/>
+        </p:nvSpPr>
+        <p:spPr>
+          <a:xfrm>
+            <a:off x="0" y="0"/>
+            <a:ext cx="12192000" cy="6858000"/>
+          </a:xfrm>
+          <a:prstGeom prst="rect">
+            <a:avLst/>
+          </a:prstGeom>
+        </p:spPr>
+        <p:txBody>
+          <a:bodyPr vert="horz" lIns="91440" tIns="45720" rIns="91440" bIns="45720" rtlCol="0" anchor="ctr">
+            <a:normAutofit/>
+          </a:bodyPr>
+          <a:lstStyle>
+            <a:lvl1pPr algn="ctr" defTabSz="914400" rtl="0" eaLnBrk="1" latinLnBrk="0" hangingPunct="1">
+              <a:lnSpc>
+                <a:spcPct val="90000"/>
+              </a:lnSpc>
+              <a:spcBef>
+                <a:spcPct val="0"/>
+              </a:spcBef>
+              <a:buNone/>
+              <a:defRPr sz="6000" kern="1200">
+                <a:solidFill>
+                  <a:schemeClr val="tx1"/>
+                </a:solidFill>
+                <a:latin typeface="+mj-lt"/>
+                <a:ea typeface="+mj-ea"/>
+                <a:cs typeface="+mj-cs"/>
+              </a:defRPr>
+            </a:lvl1pPr>
+          </a:lstStyle>
+          <a:p>
+            <a:r>
+              <a:rPr lang="ru-RU" sz="6600" dirty="0" smtClean="0">
+                <a:solidFill>
+                  <a:srgbClr val="FF0000"/>
+                </a:solidFill>
+                <a:latin typeface="Century Gothic" panose="020B0502020202020204" pitchFamily="34" charset="0"/>
+              </a:rPr>
+              <a:t>ИНТЕРПРЕТИРУЕМАЯ МОДЕЛЬ</a:t>
+            </a:r>
+            <a:endParaRPr lang="ru-RU" sz="7200" dirty="0">
+              <a:solidFill>
+                <a:srgbClr val="FF0000"/>
+              </a:solidFill>
+              <a:latin typeface="Century Gothic" panose="020B0502020202020204" pitchFamily="34" charset="0"/>
+            </a:endParaRPr>
+          </a:p>
+        </p:txBody>
+      </p:sp>
+    </p:spTree>
+    <p:extLst>
+      <p:ext uri="{BB962C8B-B14F-4D97-AF65-F5344CB8AC3E}">
+        <p14:creationId xmlns:p14="http://schemas.microsoft.com/office/powerpoint/2010/main" val="2370817813"/>
+      </p:ext>
+    </p:extLst>
+  </p:cSld>
+  <p:clrMapOvr>
+    <a:masterClrMapping/>
+  </p:clrMapOvr>
+  <p:timing>
+    <p:tnLst>
+      <p:par>
+        <p:cTn id="1" dur="indefinite" restart="never" nodeType="tmRoot"/>
+      </p:par>
+    </p:tnLst>
+  </p:timing>
+</p:sld>
+</file>
+
+<file path=ppt/slides/slide17.xml><?xml version="1.0" encoding="utf-8"?>
+<p:sld xmlns:a="http://schemas.openxmlformats.org/drawingml/2006/main" xmlns:r="http://schemas.openxmlformats.org/officeDocument/2006/relationships" xmlns:p="http://schemas.openxmlformats.org/presentationml/2006/main">
+  <p:cSld>
+    <p:spTree>
+      <p:nvGrpSpPr>
+        <p:cNvPr id="1" name=""/>
+        <p:cNvGrpSpPr/>
+        <p:nvPr/>
+      </p:nvGrpSpPr>
+      <p:grpSpPr>
+        <a:xfrm>
+          <a:off x="0" y="0"/>
+          <a:ext cx="0" cy="0"/>
+          <a:chOff x="0" y="0"/>
+          <a:chExt cx="0" cy="0"/>
+        </a:xfrm>
+      </p:grpSpPr>
+      <p:sp>
+        <p:nvSpPr>
+          <p:cNvPr id="2" name="Заголовок 1">
+            <a:extLst>
+              <a:ext uri="{FF2B5EF4-FFF2-40B4-BE49-F238E27FC236}">
+                <a16:creationId xmlns:a16="http://schemas.microsoft.com/office/drawing/2014/main" id="{786C4923-C308-4DA9-AE4A-8888B01EBB72}"/>
+              </a:ext>
+            </a:extLst>
+          </p:cNvPr>
+          <p:cNvSpPr>
+            <a:spLocks noGrp="1"/>
+          </p:cNvSpPr>
+          <p:nvPr>
+            <p:ph type="ctrTitle"/>
+          </p:nvPr>
+        </p:nvSpPr>
+        <p:spPr/>
+        <p:txBody>
+          <a:bodyPr/>
+          <a:lstStyle/>
+          <a:p>
+            <a:endParaRPr lang="ru-RU" dirty="0"/>
+          </a:p>
+        </p:txBody>
+      </p:sp>
+      <p:sp>
+        <p:nvSpPr>
+          <p:cNvPr id="3" name="Подзаголовок 2">
+            <a:extLst>
+              <a:ext uri="{FF2B5EF4-FFF2-40B4-BE49-F238E27FC236}">
+                <a16:creationId xmlns:a16="http://schemas.microsoft.com/office/drawing/2014/main" id="{DB057B8E-A7C9-431D-B081-B11349C80C79}"/>
+              </a:ext>
+            </a:extLst>
+          </p:cNvPr>
+          <p:cNvSpPr>
+            <a:spLocks noGrp="1"/>
+          </p:cNvSpPr>
+          <p:nvPr>
+            <p:ph type="subTitle" idx="1"/>
+          </p:nvPr>
+        </p:nvSpPr>
+        <p:spPr>
+          <a:xfrm>
+            <a:off x="1524000" y="3602038"/>
+            <a:ext cx="9144000" cy="1655762"/>
+          </a:xfrm>
+        </p:spPr>
+        <p:txBody>
+          <a:bodyPr/>
+          <a:lstStyle/>
+          <a:p>
+            <a:endParaRPr lang="ru-RU"/>
+          </a:p>
+        </p:txBody>
+      </p:sp>
+      <p:pic>
+        <p:nvPicPr>
+          <p:cNvPr id="4" name="Рисунок 3"/>
+          <p:cNvPicPr>
+            <a:picLocks noChangeAspect="1"/>
+          </p:cNvPicPr>
+          <p:nvPr/>
+        </p:nvPicPr>
+        <p:blipFill rotWithShape="1">
+          <a:blip r:embed="rId2"/>
+          <a:srcRect l="2205" r="1506"/>
+          <a:stretch/>
+        </p:blipFill>
+        <p:spPr>
+          <a:xfrm>
+            <a:off x="-9236" y="437573"/>
+            <a:ext cx="12201236" cy="5904057"/>
+          </a:xfrm>
+          <a:prstGeom prst="rect">
+            <a:avLst/>
+          </a:prstGeom>
+        </p:spPr>
+      </p:pic>
+    </p:spTree>
+    <p:extLst>
+      <p:ext uri="{BB962C8B-B14F-4D97-AF65-F5344CB8AC3E}">
+        <p14:creationId xmlns:p14="http://schemas.microsoft.com/office/powerpoint/2010/main" val="1600255611"/>
+      </p:ext>
+    </p:extLst>
+  </p:cSld>
+  <p:clrMapOvr>
+    <a:masterClrMapping/>
+  </p:clrMapOvr>
+  <p:timing>
+    <p:tnLst>
+      <p:par>
+        <p:cTn id="1" dur="indefinite" restart="never" nodeType="tmRoot"/>
+      </p:par>
+    </p:tnLst>
+  </p:timing>
+</p:sld>
+</file>
+
+<file path=ppt/slides/slide18.xml><?xml version="1.0" encoding="utf-8"?>
+<p:sld xmlns:a="http://schemas.openxmlformats.org/drawingml/2006/main" xmlns:r="http://schemas.openxmlformats.org/officeDocument/2006/relationships" xmlns:p="http://schemas.openxmlformats.org/presentationml/2006/main">
+  <p:cSld>
+    <p:spTree>
+      <p:nvGrpSpPr>
+        <p:cNvPr id="1" name=""/>
+        <p:cNvGrpSpPr/>
+        <p:nvPr/>
+      </p:nvGrpSpPr>
+      <p:grpSpPr>
+        <a:xfrm>
+          <a:off x="0" y="0"/>
+          <a:ext cx="0" cy="0"/>
+          <a:chOff x="0" y="0"/>
+          <a:chExt cx="0" cy="0"/>
+        </a:xfrm>
+      </p:grpSpPr>
+      <p:pic>
+        <p:nvPicPr>
+          <p:cNvPr id="1028" name="Picture 4" descr="https://cdn.discordapp.com/attachments/1172499672955355157/1179888279043199067/red-business-border-modern-background-design-vector_53876-157563.png">
+            <a:extLst>
+              <a:ext uri="{FF2B5EF4-FFF2-40B4-BE49-F238E27FC236}">
+                <a16:creationId xmlns:a16="http://schemas.microsoft.com/office/drawing/2014/main" id="{D4C27342-9A26-43F2-9FC7-B6813D7F4497}"/>
+              </a:ext>
+            </a:extLst>
+          </p:cNvPr>
+          <p:cNvPicPr>
+            <a:picLocks noChangeAspect="1" noChangeArrowheads="1"/>
+          </p:cNvPicPr>
+          <p:nvPr/>
+        </p:nvPicPr>
+        <p:blipFill>
+          <a:blip r:embed="rId2">
+            <a:extLst>
+              <a:ext uri="{BEBA8EAE-BF5A-486C-A8C5-ECC9F3942E4B}">
+                <a14:imgProps xmlns:a14="http://schemas.microsoft.com/office/drawing/2010/main">
+                  <a14:imgLayer r:embed="rId3">
+                    <a14:imgEffect>
+                      <a14:backgroundRemoval t="10000" b="96250" l="389" r="90000">
+                        <a14:foregroundMark x1="1611" y1="66917" x2="8611" y2="77833"/>
+                        <a14:foregroundMark x1="8611" y1="77833" x2="11111" y2="80167"/>
+                        <a14:foregroundMark x1="1722" y1="66167" x2="4167" y2="75750"/>
+                        <a14:foregroundMark x1="20111" y1="89750" x2="23833" y2="95167"/>
+                        <a14:foregroundMark x1="23833" y1="95167" x2="25278" y2="96333"/>
+                        <a14:foregroundMark x1="3389" y1="84833" x2="10111" y2="94500"/>
+                        <a14:foregroundMark x1="10111" y1="94500" x2="10389" y2="94667"/>
+                        <a14:foregroundMark x1="3111" y1="88833" x2="6111" y2="93667"/>
+                        <a14:foregroundMark x1="389" y1="83500" x2="1944" y2="88417"/>
+                        <a14:foregroundMark x1="5389" y1="90667" x2="8556" y2="95833"/>
+                        <a14:foregroundMark x1="8556" y1="95833" x2="9000" y2="96000"/>
+                        <a14:backgroundMark x1="2389" y1="60583" x2="3778" y2="63917"/>
+                        <a14:backgroundMark x1="11278" y1="62750" x2="13500" y2="68917"/>
+                        <a14:backgroundMark x1="13500" y1="68917" x2="14167" y2="69833"/>
+                        <a14:backgroundMark x1="2444" y1="96333" x2="4056" y2="98750"/>
+                      </a14:backgroundRemoval>
+                    </a14:imgEffect>
+                  </a14:imgLayer>
+                </a14:imgProps>
+              </a:ext>
+              <a:ext uri="{28A0092B-C50C-407E-A947-70E740481C1C}">
+                <a14:useLocalDpi xmlns:a14="http://schemas.microsoft.com/office/drawing/2010/main" val="0"/>
+              </a:ext>
+            </a:extLst>
+          </a:blip>
+          <a:srcRect/>
+          <a:stretch>
+            <a:fillRect/>
+          </a:stretch>
+        </p:blipFill>
+        <p:spPr bwMode="auto">
+          <a:xfrm>
+            <a:off x="0" y="1122363"/>
+            <a:ext cx="8603456" cy="5735637"/>
+          </a:xfrm>
+          <a:prstGeom prst="rect">
+            <a:avLst/>
+          </a:prstGeom>
+          <a:noFill/>
+          <a:extLst>
+            <a:ext uri="{909E8E84-426E-40DD-AFC4-6F175D3DCCD1}">
+              <a14:hiddenFill xmlns:a14="http://schemas.microsoft.com/office/drawing/2010/main">
+                <a:solidFill>
+                  <a:srgbClr val="FFFFFF"/>
+                </a:solidFill>
+              </a14:hiddenFill>
+            </a:ext>
+          </a:extLst>
+        </p:spPr>
+      </p:pic>
+      <p:pic>
+        <p:nvPicPr>
+          <p:cNvPr id="1034" name="Picture 10" descr="https://cdn.discordapp.com/attachments/1172499672955355157/1179888279043199067/red-business-border-modern-background-design-vector_53876-157563.png">
+            <a:extLst>
+              <a:ext uri="{FF2B5EF4-FFF2-40B4-BE49-F238E27FC236}">
+                <a16:creationId xmlns:a16="http://schemas.microsoft.com/office/drawing/2014/main" id="{159144C8-BAB4-4FAC-9BA8-B448ACD3C7BF}"/>
+              </a:ext>
+            </a:extLst>
+          </p:cNvPr>
+          <p:cNvPicPr>
+            <a:picLocks noChangeAspect="1" noChangeArrowheads="1"/>
+          </p:cNvPicPr>
+          <p:nvPr/>
+        </p:nvPicPr>
+        <p:blipFill>
+          <a:blip r:embed="rId4">
+            <a:extLst>
+              <a:ext uri="{BEBA8EAE-BF5A-486C-A8C5-ECC9F3942E4B}">
+                <a14:imgProps xmlns:a14="http://schemas.microsoft.com/office/drawing/2010/main">
+                  <a14:imgLayer r:embed="rId3">
+                    <a14:imgEffect>
+                      <a14:backgroundRemoval t="250" b="90000" l="10000" r="98944">
+                        <a14:foregroundMark x1="65889" y1="5000" x2="71889" y2="16083"/>
+                        <a14:foregroundMark x1="71889" y1="16083" x2="72778" y2="17167"/>
+                        <a14:foregroundMark x1="82611" y1="26167" x2="88389" y2="33750"/>
+                        <a14:foregroundMark x1="86778" y1="33417" x2="95278" y2="46083"/>
+                        <a14:foregroundMark x1="62667" y1="333" x2="63278" y2="667"/>
+                        <a14:foregroundMark x1="66722" y1="500" x2="79444" y2="15500"/>
+                        <a14:foregroundMark x1="74389" y1="3583" x2="88889" y2="22583"/>
+                        <a14:foregroundMark x1="72000" y1="2667" x2="98278" y2="36667"/>
+                        <a14:foregroundMark x1="79667" y1="3417" x2="94889" y2="29083"/>
+                        <a14:foregroundMark x1="94500" y1="17417" x2="97833" y2="41167"/>
+                        <a14:foregroundMark x1="97833" y1="41167" x2="97833" y2="41333"/>
+                        <a14:foregroundMark x1="97444" y1="42500" x2="98944" y2="49667"/>
+                        <a14:foregroundMark x1="96444" y1="41833" x2="91056" y2="32667"/>
+                        <a14:foregroundMark x1="95889" y1="42500" x2="89500" y2="32333"/>
+                        <a14:foregroundMark x1="97278" y1="3500" x2="98500" y2="1583"/>
+                        <a14:foregroundMark x1="95833" y1="5333" x2="96889" y2="4500"/>
+                        <a14:backgroundMark x1="91111" y1="68000" x2="91667" y2="66583"/>
+                      </a14:backgroundRemoval>
+                    </a14:imgEffect>
+                  </a14:imgLayer>
+                </a14:imgProps>
+              </a:ext>
+              <a:ext uri="{28A0092B-C50C-407E-A947-70E740481C1C}">
+                <a14:useLocalDpi xmlns:a14="http://schemas.microsoft.com/office/drawing/2010/main" val="0"/>
+              </a:ext>
+            </a:extLst>
+          </a:blip>
+          <a:srcRect/>
+          <a:stretch>
+            <a:fillRect/>
+          </a:stretch>
+        </p:blipFill>
+        <p:spPr bwMode="auto">
+          <a:xfrm>
+            <a:off x="4619625" y="0"/>
+            <a:ext cx="7572375" cy="5048250"/>
+          </a:xfrm>
+          <a:prstGeom prst="rect">
+            <a:avLst/>
+          </a:prstGeom>
+          <a:noFill/>
+          <a:extLst>
+            <a:ext uri="{909E8E84-426E-40DD-AFC4-6F175D3DCCD1}">
+              <a14:hiddenFill xmlns:a14="http://schemas.microsoft.com/office/drawing/2010/main">
+                <a:solidFill>
+                  <a:srgbClr val="FFFFFF"/>
+                </a:solidFill>
+              </a14:hiddenFill>
+            </a:ext>
+          </a:extLst>
+        </p:spPr>
+      </p:pic>
+      <p:sp>
+        <p:nvSpPr>
+          <p:cNvPr id="2" name="Заголовок 1">
+            <a:extLst>
+              <a:ext uri="{FF2B5EF4-FFF2-40B4-BE49-F238E27FC236}">
+                <a16:creationId xmlns:a16="http://schemas.microsoft.com/office/drawing/2014/main" id="{786C4923-C308-4DA9-AE4A-8888B01EBB72}"/>
+              </a:ext>
+            </a:extLst>
+          </p:cNvPr>
+          <p:cNvSpPr>
+            <a:spLocks noGrp="1"/>
+          </p:cNvSpPr>
+          <p:nvPr>
+            <p:ph type="ctrTitle"/>
+          </p:nvPr>
+        </p:nvSpPr>
+        <p:spPr/>
+        <p:txBody>
+          <a:bodyPr/>
+          <a:lstStyle/>
+          <a:p>
+            <a:endParaRPr lang="ru-RU" dirty="0"/>
+          </a:p>
+        </p:txBody>
+      </p:sp>
+      <p:sp>
+        <p:nvSpPr>
+          <p:cNvPr id="3" name="Подзаголовок 2">
+            <a:extLst>
+              <a:ext uri="{FF2B5EF4-FFF2-40B4-BE49-F238E27FC236}">
+                <a16:creationId xmlns:a16="http://schemas.microsoft.com/office/drawing/2014/main" id="{DB057B8E-A7C9-431D-B081-B11349C80C79}"/>
+              </a:ext>
+            </a:extLst>
+          </p:cNvPr>
+          <p:cNvSpPr>
+            <a:spLocks noGrp="1"/>
+          </p:cNvSpPr>
+          <p:nvPr>
+            <p:ph type="subTitle" idx="1"/>
+          </p:nvPr>
+        </p:nvSpPr>
+        <p:spPr>
+          <a:xfrm>
+            <a:off x="1524000" y="3602038"/>
+            <a:ext cx="9144000" cy="1655762"/>
+          </a:xfrm>
+        </p:spPr>
+        <p:txBody>
+          <a:bodyPr/>
+          <a:lstStyle/>
+          <a:p>
+            <a:endParaRPr lang="ru-RU"/>
+          </a:p>
+        </p:txBody>
+      </p:sp>
+      <p:sp>
+        <p:nvSpPr>
+          <p:cNvPr id="6" name="Заголовок 1">
+            <a:extLst>
+              <a:ext uri="{FF2B5EF4-FFF2-40B4-BE49-F238E27FC236}">
+                <a16:creationId xmlns:a16="http://schemas.microsoft.com/office/drawing/2014/main" id="{786C4923-C308-4DA9-AE4A-8888B01EBB72}"/>
+              </a:ext>
+            </a:extLst>
+          </p:cNvPr>
+          <p:cNvSpPr txBox="1">
+            <a:spLocks/>
+          </p:cNvSpPr>
+          <p:nvPr/>
+        </p:nvSpPr>
+        <p:spPr>
+          <a:xfrm>
+            <a:off x="0" y="0"/>
+            <a:ext cx="12192000" cy="6858000"/>
+          </a:xfrm>
+          <a:prstGeom prst="rect">
+            <a:avLst/>
+          </a:prstGeom>
+        </p:spPr>
+        <p:txBody>
+          <a:bodyPr vert="horz" lIns="91440" tIns="45720" rIns="91440" bIns="45720" rtlCol="0" anchor="ctr">
+            <a:normAutofit/>
+          </a:bodyPr>
+          <a:lstStyle>
+            <a:lvl1pPr algn="ctr" defTabSz="914400" rtl="0" eaLnBrk="1" latinLnBrk="0" hangingPunct="1">
+              <a:lnSpc>
+                <a:spcPct val="90000"/>
+              </a:lnSpc>
+              <a:spcBef>
+                <a:spcPct val="0"/>
+              </a:spcBef>
+              <a:buNone/>
+              <a:defRPr sz="6000" kern="1200">
+                <a:solidFill>
+                  <a:schemeClr val="tx1"/>
+                </a:solidFill>
+                <a:latin typeface="+mj-lt"/>
+                <a:ea typeface="+mj-ea"/>
+                <a:cs typeface="+mj-cs"/>
+              </a:defRPr>
+            </a:lvl1pPr>
+          </a:lstStyle>
+          <a:p>
+            <a:r>
+              <a:rPr lang="ru-RU" sz="6600" dirty="0" smtClean="0">
+                <a:solidFill>
+                  <a:srgbClr val="FF0000"/>
+                </a:solidFill>
+                <a:latin typeface="Century Gothic" panose="020B0502020202020204" pitchFamily="34" charset="0"/>
+              </a:rPr>
+              <a:t>ВАЖНОСТЬ </a:t>
+            </a:r>
+            <a:br>
+              <a:rPr lang="ru-RU" sz="6600" dirty="0" smtClean="0">
+                <a:solidFill>
+                  <a:srgbClr val="FF0000"/>
+                </a:solidFill>
+                <a:latin typeface="Century Gothic" panose="020B0502020202020204" pitchFamily="34" charset="0"/>
+              </a:rPr>
+            </a:br>
+            <a:r>
+              <a:rPr lang="ru-RU" sz="6600" dirty="0" smtClean="0">
+                <a:solidFill>
+                  <a:srgbClr val="FF0000"/>
+                </a:solidFill>
+                <a:latin typeface="Century Gothic" panose="020B0502020202020204" pitchFamily="34" charset="0"/>
+              </a:rPr>
+              <a:t>ПРИЗНАКОВ</a:t>
+            </a:r>
+            <a:endParaRPr lang="ru-RU" sz="7200" dirty="0">
+              <a:solidFill>
+                <a:srgbClr val="FF0000"/>
+              </a:solidFill>
+              <a:latin typeface="Century Gothic" panose="020B0502020202020204" pitchFamily="34" charset="0"/>
+            </a:endParaRPr>
+          </a:p>
+        </p:txBody>
+      </p:sp>
+    </p:spTree>
+    <p:extLst>
+      <p:ext uri="{BB962C8B-B14F-4D97-AF65-F5344CB8AC3E}">
+        <p14:creationId xmlns:p14="http://schemas.microsoft.com/office/powerpoint/2010/main" val="3794903933"/>
+      </p:ext>
+    </p:extLst>
+  </p:cSld>
+  <p:clrMapOvr>
+    <a:masterClrMapping/>
+  </p:clrMapOvr>
+  <p:timing>
+    <p:tnLst>
+      <p:par>
+        <p:cTn id="1" dur="indefinite" restart="never" nodeType="tmRoot"/>
+      </p:par>
+    </p:tnLst>
+  </p:timing>
+</p:sld>
+</file>
+
+<file path=ppt/slides/slide19.xml><?xml version="1.0" encoding="utf-8"?>
+<p:sld xmlns:a="http://schemas.openxmlformats.org/drawingml/2006/main" xmlns:r="http://schemas.openxmlformats.org/officeDocument/2006/relationships" xmlns:p="http://schemas.openxmlformats.org/presentationml/2006/main">
+  <p:cSld>
+    <p:spTree>
+      <p:nvGrpSpPr>
+        <p:cNvPr id="1" name=""/>
+        <p:cNvGrpSpPr/>
+        <p:nvPr/>
+      </p:nvGrpSpPr>
+      <p:grpSpPr>
+        <a:xfrm>
+          <a:off x="0" y="0"/>
+          <a:ext cx="0" cy="0"/>
+          <a:chOff x="0" y="0"/>
+          <a:chExt cx="0" cy="0"/>
+        </a:xfrm>
+      </p:grpSpPr>
+      <p:sp>
+        <p:nvSpPr>
+          <p:cNvPr id="2" name="Заголовок 1"/>
+          <p:cNvSpPr>
+            <a:spLocks noGrp="1"/>
+          </p:cNvSpPr>
+          <p:nvPr>
+            <p:ph type="title"/>
+          </p:nvPr>
+        </p:nvSpPr>
+        <p:spPr/>
+        <p:txBody>
+          <a:bodyPr/>
+          <a:lstStyle/>
+          <a:p>
+            <a:endParaRPr lang="ru-RU"/>
+          </a:p>
+        </p:txBody>
+      </p:sp>
+      <p:sp>
+        <p:nvSpPr>
+          <p:cNvPr id="3" name="Объект 2"/>
+          <p:cNvSpPr>
+            <a:spLocks noGrp="1"/>
+          </p:cNvSpPr>
+          <p:nvPr>
+            <p:ph idx="1"/>
+          </p:nvPr>
+        </p:nvSpPr>
+        <p:spPr/>
+        <p:txBody>
+          <a:bodyPr/>
+          <a:lstStyle/>
+          <a:p>
+            <a:endParaRPr lang="ru-RU"/>
+          </a:p>
+        </p:txBody>
+      </p:sp>
+      <p:sp>
+        <p:nvSpPr>
+          <p:cNvPr id="4" name="AutoShape 2" descr="blob:https://web.telegram.org/436fa957-ad59-40a0-a8d9-8b07456ebfa9"/>
+          <p:cNvSpPr>
+            <a:spLocks noChangeAspect="1" noChangeArrowheads="1"/>
+          </p:cNvSpPr>
+          <p:nvPr/>
+        </p:nvSpPr>
+        <p:spPr bwMode="auto">
+          <a:xfrm>
+            <a:off x="155575" y="-144463"/>
+            <a:ext cx="304800" cy="304801"/>
+          </a:xfrm>
+          <a:prstGeom prst="rect">
+            <a:avLst/>
+          </a:prstGeom>
+          <a:noFill/>
+          <a:extLst>
+            <a:ext uri="{909E8E84-426E-40DD-AFC4-6F175D3DCCD1}">
+              <a14:hiddenFill xmlns:a14="http://schemas.microsoft.com/office/drawing/2010/main">
+                <a:solidFill>
+                  <a:srgbClr val="FFFFFF"/>
+                </a:solidFill>
+              </a14:hiddenFill>
+            </a:ext>
+          </a:extLst>
+        </p:spPr>
+        <p:txBody>
+          <a:bodyPr vert="horz" wrap="square" lIns="91440" tIns="45720" rIns="91440" bIns="45720" numCol="1" anchor="t" anchorCtr="0" compatLnSpc="1">
+            <a:prstTxWarp prst="textNoShape">
+              <a:avLst/>
+            </a:prstTxWarp>
+          </a:bodyPr>
+          <a:lstStyle/>
+          <a:p>
+            <a:endParaRPr lang="ru-RU"/>
+          </a:p>
+        </p:txBody>
+      </p:sp>
+      <p:sp>
+        <p:nvSpPr>
+          <p:cNvPr id="5" name="AutoShape 4" descr="blob:https://web.telegram.org/436fa957-ad59-40a0-a8d9-8b07456ebfa9"/>
+          <p:cNvSpPr>
+            <a:spLocks noChangeAspect="1" noChangeArrowheads="1"/>
+          </p:cNvSpPr>
+          <p:nvPr/>
+        </p:nvSpPr>
+        <p:spPr bwMode="auto">
+          <a:xfrm>
+            <a:off x="307975" y="7937"/>
+            <a:ext cx="304800" cy="304801"/>
+          </a:xfrm>
+          <a:prstGeom prst="rect">
+            <a:avLst/>
+          </a:prstGeom>
+          <a:noFill/>
+          <a:extLst>
+            <a:ext uri="{909E8E84-426E-40DD-AFC4-6F175D3DCCD1}">
+              <a14:hiddenFill xmlns:a14="http://schemas.microsoft.com/office/drawing/2010/main">
+                <a:solidFill>
+                  <a:srgbClr val="FFFFFF"/>
+                </a:solidFill>
+              </a14:hiddenFill>
+            </a:ext>
+          </a:extLst>
+        </p:spPr>
+        <p:txBody>
+          <a:bodyPr vert="horz" wrap="square" lIns="91440" tIns="45720" rIns="91440" bIns="45720" numCol="1" anchor="t" anchorCtr="0" compatLnSpc="1">
+            <a:prstTxWarp prst="textNoShape">
+              <a:avLst/>
+            </a:prstTxWarp>
+          </a:bodyPr>
+          <a:lstStyle/>
+          <a:p>
+            <a:endParaRPr lang="ru-RU"/>
+          </a:p>
+        </p:txBody>
+      </p:sp>
+      <p:sp>
+        <p:nvSpPr>
+          <p:cNvPr id="6" name="AutoShape 6" descr="blob:https://web.telegram.org/436fa957-ad59-40a0-a8d9-8b07456ebfa9"/>
+          <p:cNvSpPr>
+            <a:spLocks noChangeAspect="1" noChangeArrowheads="1"/>
+          </p:cNvSpPr>
+          <p:nvPr/>
+        </p:nvSpPr>
+        <p:spPr bwMode="auto">
+          <a:xfrm>
+            <a:off x="460375" y="160337"/>
+            <a:ext cx="304800" cy="304801"/>
+          </a:xfrm>
+          <a:prstGeom prst="rect">
+            <a:avLst/>
+          </a:prstGeom>
+          <a:noFill/>
+          <a:extLst>
+            <a:ext uri="{909E8E84-426E-40DD-AFC4-6F175D3DCCD1}">
+              <a14:hiddenFill xmlns:a14="http://schemas.microsoft.com/office/drawing/2010/main">
+                <a:solidFill>
+                  <a:srgbClr val="FFFFFF"/>
+                </a:solidFill>
+              </a14:hiddenFill>
+            </a:ext>
+          </a:extLst>
+        </p:spPr>
+        <p:txBody>
+          <a:bodyPr vert="horz" wrap="square" lIns="91440" tIns="45720" rIns="91440" bIns="45720" numCol="1" anchor="t" anchorCtr="0" compatLnSpc="1">
+            <a:prstTxWarp prst="textNoShape">
+              <a:avLst/>
+            </a:prstTxWarp>
+          </a:bodyPr>
+          <a:lstStyle/>
+          <a:p>
+            <a:endParaRPr lang="ru-RU"/>
+          </a:p>
+        </p:txBody>
+      </p:sp>
+      <p:pic>
+        <p:nvPicPr>
+          <p:cNvPr id="7" name="Рисунок 6"/>
+          <p:cNvPicPr>
+            <a:picLocks noChangeAspect="1"/>
+          </p:cNvPicPr>
+          <p:nvPr/>
+        </p:nvPicPr>
+        <p:blipFill rotWithShape="1">
+          <a:blip r:embed="rId2"/>
+          <a:srcRect l="382" r="1902" b="2001"/>
+          <a:stretch/>
+        </p:blipFill>
+        <p:spPr>
+          <a:xfrm>
+            <a:off x="191471" y="801265"/>
+            <a:ext cx="11809058" cy="5375698"/>
+          </a:xfrm>
+          <a:prstGeom prst="rect">
+            <a:avLst/>
+          </a:prstGeom>
+        </p:spPr>
+      </p:pic>
+    </p:spTree>
+    <p:extLst>
+      <p:ext uri="{BB962C8B-B14F-4D97-AF65-F5344CB8AC3E}">
+        <p14:creationId xmlns:p14="http://schemas.microsoft.com/office/powerpoint/2010/main" val="2031575447"/>
+      </p:ext>
+    </p:extLst>
+  </p:cSld>
+  <p:clrMapOvr>
+    <a:masterClrMapping/>
+  </p:clrMapOvr>
+  <p:timing>
+    <p:tnLst>
+      <p:par>
+        <p:cTn id="1" dur="indefinite" restart="never" nodeType="tmRoot"/>
+      </p:par>
+    </p:tnLst>
+  </p:timing>
+</p:sld>
+</file>
+
+<file path=ppt/slides/slide2.xml><?xml version="1.0" encoding="utf-8"?>
+<p:sld xmlns:a="http://schemas.openxmlformats.org/drawingml/2006/main" xmlns:r="http://schemas.openxmlformats.org/officeDocument/2006/relationships" xmlns:p="http://schemas.openxmlformats.org/presentationml/2006/main">
+  <p:cSld>
+    <p:spTree>
+      <p:nvGrpSpPr>
+        <p:cNvPr id="1" name=""/>
+        <p:cNvGrpSpPr/>
+        <p:nvPr/>
+      </p:nvGrpSpPr>
+      <p:grpSpPr>
+        <a:xfrm>
+          <a:off x="0" y="0"/>
+          <a:ext cx="0" cy="0"/>
+          <a:chOff x="0" y="0"/>
+          <a:chExt cx="0" cy="0"/>
+        </a:xfrm>
+      </p:grpSpPr>
+      <p:pic>
+        <p:nvPicPr>
+          <p:cNvPr id="1028" name="Picture 4" descr="https://cdn.discordapp.com/attachments/1172499672955355157/1179888279043199067/red-business-border-modern-background-design-vector_53876-157563.png">
+            <a:extLst>
+              <a:ext uri="{FF2B5EF4-FFF2-40B4-BE49-F238E27FC236}">
+                <a16:creationId xmlns:a16="http://schemas.microsoft.com/office/drawing/2014/main" id="{D4C27342-9A26-43F2-9FC7-B6813D7F4497}"/>
+              </a:ext>
+            </a:extLst>
+          </p:cNvPr>
+          <p:cNvPicPr>
+            <a:picLocks noChangeAspect="1" noChangeArrowheads="1"/>
+          </p:cNvPicPr>
+          <p:nvPr/>
+        </p:nvPicPr>
+        <p:blipFill>
+          <a:blip r:embed="rId2">
+            <a:extLst>
+              <a:ext uri="{BEBA8EAE-BF5A-486C-A8C5-ECC9F3942E4B}">
+                <a14:imgProps xmlns:a14="http://schemas.microsoft.com/office/drawing/2010/main">
+                  <a14:imgLayer r:embed="rId3">
+                    <a14:imgEffect>
+                      <a14:backgroundRemoval t="10000" b="96250" l="389" r="90000">
+                        <a14:foregroundMark x1="1611" y1="66917" x2="8611" y2="77833"/>
+                        <a14:foregroundMark x1="8611" y1="77833" x2="11111" y2="80167"/>
+                        <a14:foregroundMark x1="1722" y1="66167" x2="4167" y2="75750"/>
+                        <a14:foregroundMark x1="20111" y1="89750" x2="23833" y2="95167"/>
+                        <a14:foregroundMark x1="23833" y1="95167" x2="25278" y2="96333"/>
+                        <a14:foregroundMark x1="3389" y1="84833" x2="10111" y2="94500"/>
+                        <a14:foregroundMark x1="10111" y1="94500" x2="10389" y2="94667"/>
+                        <a14:foregroundMark x1="3111" y1="88833" x2="6111" y2="93667"/>
+                        <a14:foregroundMark x1="389" y1="83500" x2="1944" y2="88417"/>
+                        <a14:foregroundMark x1="5389" y1="90667" x2="8556" y2="95833"/>
+                        <a14:foregroundMark x1="8556" y1="95833" x2="9000" y2="96000"/>
+                        <a14:backgroundMark x1="2389" y1="60583" x2="3778" y2="63917"/>
+                        <a14:backgroundMark x1="11278" y1="62750" x2="13500" y2="68917"/>
+                        <a14:backgroundMark x1="13500" y1="68917" x2="14167" y2="69833"/>
+                        <a14:backgroundMark x1="2444" y1="96333" x2="4056" y2="98750"/>
+                      </a14:backgroundRemoval>
+                    </a14:imgEffect>
+                  </a14:imgLayer>
+                </a14:imgProps>
+              </a:ext>
+              <a:ext uri="{28A0092B-C50C-407E-A947-70E740481C1C}">
+                <a14:useLocalDpi xmlns:a14="http://schemas.microsoft.com/office/drawing/2010/main" val="0"/>
+              </a:ext>
+            </a:extLst>
+          </a:blip>
+          <a:srcRect/>
+          <a:stretch>
+            <a:fillRect/>
+          </a:stretch>
+        </p:blipFill>
+        <p:spPr bwMode="auto">
+          <a:xfrm>
+            <a:off x="0" y="1122363"/>
+            <a:ext cx="8603456" cy="5735637"/>
+          </a:xfrm>
+          <a:prstGeom prst="rect">
+            <a:avLst/>
+          </a:prstGeom>
+          <a:noFill/>
+          <a:extLst>
+            <a:ext uri="{909E8E84-426E-40DD-AFC4-6F175D3DCCD1}">
+              <a14:hiddenFill xmlns:a14="http://schemas.microsoft.com/office/drawing/2010/main">
+                <a:solidFill>
+                  <a:srgbClr val="FFFFFF"/>
+                </a:solidFill>
+              </a14:hiddenFill>
+            </a:ext>
+          </a:extLst>
+        </p:spPr>
+      </p:pic>
+      <p:pic>
+        <p:nvPicPr>
+          <p:cNvPr id="1034" name="Picture 10" descr="https://cdn.discordapp.com/attachments/1172499672955355157/1179888279043199067/red-business-border-modern-background-design-vector_53876-157563.png">
+            <a:extLst>
+              <a:ext uri="{FF2B5EF4-FFF2-40B4-BE49-F238E27FC236}">
+                <a16:creationId xmlns:a16="http://schemas.microsoft.com/office/drawing/2014/main" id="{159144C8-BAB4-4FAC-9BA8-B448ACD3C7BF}"/>
+              </a:ext>
+            </a:extLst>
+          </p:cNvPr>
+          <p:cNvPicPr>
+            <a:picLocks noChangeAspect="1" noChangeArrowheads="1"/>
+          </p:cNvPicPr>
+          <p:nvPr/>
+        </p:nvPicPr>
+        <p:blipFill>
+          <a:blip r:embed="rId4">
+            <a:extLst>
+              <a:ext uri="{BEBA8EAE-BF5A-486C-A8C5-ECC9F3942E4B}">
+                <a14:imgProps xmlns:a14="http://schemas.microsoft.com/office/drawing/2010/main">
+                  <a14:imgLayer r:embed="rId3">
+                    <a14:imgEffect>
+                      <a14:backgroundRemoval t="250" b="90000" l="10000" r="98944">
+                        <a14:foregroundMark x1="65889" y1="5000" x2="71889" y2="16083"/>
+                        <a14:foregroundMark x1="71889" y1="16083" x2="72778" y2="17167"/>
+                        <a14:foregroundMark x1="82611" y1="26167" x2="88389" y2="33750"/>
+                        <a14:foregroundMark x1="86778" y1="33417" x2="95278" y2="46083"/>
+                        <a14:foregroundMark x1="62667" y1="333" x2="63278" y2="667"/>
+                        <a14:foregroundMark x1="66722" y1="500" x2="79444" y2="15500"/>
+                        <a14:foregroundMark x1="74389" y1="3583" x2="88889" y2="22583"/>
+                        <a14:foregroundMark x1="72000" y1="2667" x2="98278" y2="36667"/>
+                        <a14:foregroundMark x1="79667" y1="3417" x2="94889" y2="29083"/>
+                        <a14:foregroundMark x1="94500" y1="17417" x2="97833" y2="41167"/>
+                        <a14:foregroundMark x1="97833" y1="41167" x2="97833" y2="41333"/>
+                        <a14:foregroundMark x1="97444" y1="42500" x2="98944" y2="49667"/>
+                        <a14:foregroundMark x1="96444" y1="41833" x2="91056" y2="32667"/>
+                        <a14:foregroundMark x1="95889" y1="42500" x2="89500" y2="32333"/>
+                        <a14:foregroundMark x1="97278" y1="3500" x2="98500" y2="1583"/>
+                        <a14:foregroundMark x1="95833" y1="5333" x2="96889" y2="4500"/>
+                        <a14:backgroundMark x1="91111" y1="68000" x2="91667" y2="66583"/>
+                      </a14:backgroundRemoval>
+                    </a14:imgEffect>
+                  </a14:imgLayer>
+                </a14:imgProps>
+              </a:ext>
+              <a:ext uri="{28A0092B-C50C-407E-A947-70E740481C1C}">
+                <a14:useLocalDpi xmlns:a14="http://schemas.microsoft.com/office/drawing/2010/main" val="0"/>
+              </a:ext>
+            </a:extLst>
+          </a:blip>
+          <a:srcRect/>
+          <a:stretch>
+            <a:fillRect/>
+          </a:stretch>
+        </p:blipFill>
+        <p:spPr bwMode="auto">
+          <a:xfrm>
+            <a:off x="4619625" y="0"/>
+            <a:ext cx="7572375" cy="5048250"/>
+          </a:xfrm>
+          <a:prstGeom prst="rect">
+            <a:avLst/>
+          </a:prstGeom>
+          <a:noFill/>
+          <a:extLst>
+            <a:ext uri="{909E8E84-426E-40DD-AFC4-6F175D3DCCD1}">
+              <a14:hiddenFill xmlns:a14="http://schemas.microsoft.com/office/drawing/2010/main">
+                <a:solidFill>
+                  <a:srgbClr val="FFFFFF"/>
+                </a:solidFill>
+              </a14:hiddenFill>
+            </a:ext>
+          </a:extLst>
+        </p:spPr>
+      </p:pic>
+      <p:sp>
+        <p:nvSpPr>
+          <p:cNvPr id="2" name="Заголовок 1">
+            <a:extLst>
+              <a:ext uri="{FF2B5EF4-FFF2-40B4-BE49-F238E27FC236}">
+                <a16:creationId xmlns:a16="http://schemas.microsoft.com/office/drawing/2014/main" id="{786C4923-C308-4DA9-AE4A-8888B01EBB72}"/>
+              </a:ext>
+            </a:extLst>
+          </p:cNvPr>
+          <p:cNvSpPr>
+            <a:spLocks noGrp="1"/>
+          </p:cNvSpPr>
+          <p:nvPr>
+            <p:ph type="ctrTitle"/>
+          </p:nvPr>
+        </p:nvSpPr>
+        <p:spPr>
+          <a:xfrm>
+            <a:off x="0" y="0"/>
+            <a:ext cx="12192000" cy="6858000"/>
+          </a:xfrm>
+        </p:spPr>
+        <p:txBody>
+          <a:bodyPr anchor="ctr">
+            <a:normAutofit/>
+          </a:bodyPr>
+          <a:lstStyle/>
+          <a:p>
+            <a:r>
+              <a:rPr lang="ru-RU" sz="6600" dirty="0" smtClean="0">
+                <a:solidFill>
+                  <a:srgbClr val="FF0000"/>
+                </a:solidFill>
+                <a:latin typeface="Century Gothic" panose="020B0502020202020204" pitchFamily="34" charset="0"/>
+              </a:rPr>
+              <a:t>ПРЕДОБРАБОТКА</a:t>
+            </a:r>
+            <a:r>
+              <a:rPr lang="ru-RU" sz="7200" dirty="0" smtClean="0">
+                <a:solidFill>
+                  <a:srgbClr val="FF0000"/>
+                </a:solidFill>
+                <a:latin typeface="Century Gothic" panose="020B0502020202020204" pitchFamily="34" charset="0"/>
+              </a:rPr>
+              <a:t/>
+            </a:r>
+            <a:br>
+              <a:rPr lang="ru-RU" sz="7200" dirty="0" smtClean="0">
+                <a:solidFill>
+                  <a:srgbClr val="FF0000"/>
+                </a:solidFill>
+                <a:latin typeface="Century Gothic" panose="020B0502020202020204" pitchFamily="34" charset="0"/>
+              </a:rPr>
+            </a:br>
+            <a:r>
+              <a:rPr lang="ru-RU" sz="7200" dirty="0" smtClean="0">
+                <a:solidFill>
+                  <a:srgbClr val="FF0000"/>
+                </a:solidFill>
+                <a:latin typeface="Century Gothic" panose="020B0502020202020204" pitchFamily="34" charset="0"/>
+              </a:rPr>
+              <a:t>ДАННЫХ</a:t>
+            </a:r>
+            <a:endParaRPr lang="ru-RU" sz="7200" dirty="0">
+              <a:solidFill>
+                <a:srgbClr val="FF0000"/>
+              </a:solidFill>
+              <a:latin typeface="Century Gothic" panose="020B0502020202020204" pitchFamily="34" charset="0"/>
+            </a:endParaRPr>
+          </a:p>
+        </p:txBody>
+      </p:sp>
+    </p:spTree>
+    <p:extLst>
+      <p:ext uri="{BB962C8B-B14F-4D97-AF65-F5344CB8AC3E}">
+        <p14:creationId xmlns:p14="http://schemas.microsoft.com/office/powerpoint/2010/main" val="3091978593"/>
+      </p:ext>
+    </p:extLst>
+  </p:cSld>
+  <p:clrMapOvr>
+    <a:masterClrMapping/>
+  </p:clrMapOvr>
+  <p:timing>
+    <p:tnLst>
+      <p:par>
+        <p:cTn id="1" dur="indefinite" restart="never" nodeType="tmRoot"/>
+      </p:par>
+    </p:tnLst>
+  </p:timing>
+</p:sld>
+</file>
+
+<file path=ppt/slides/slide3.xml><?xml version="1.0" encoding="utf-8"?>
+<p:sld xmlns:a="http://schemas.openxmlformats.org/drawingml/2006/main" xmlns:r="http://schemas.openxmlformats.org/officeDocument/2006/relationships" xmlns:p="http://schemas.openxmlformats.org/presentationml/2006/main">
+  <p:cSld>
+    <p:spTree>
+      <p:nvGrpSpPr>
+        <p:cNvPr id="1" name=""/>
+        <p:cNvGrpSpPr/>
+        <p:nvPr/>
+      </p:nvGrpSpPr>
+      <p:grpSpPr>
+        <a:xfrm>
+          <a:off x="0" y="0"/>
+          <a:ext cx="0" cy="0"/>
+          <a:chOff x="0" y="0"/>
+          <a:chExt cx="0" cy="0"/>
+        </a:xfrm>
+      </p:grpSpPr>
+      <p:pic>
+        <p:nvPicPr>
+          <p:cNvPr id="1028" name="Picture 4" descr="https://cdn.discordapp.com/attachments/1172499672955355157/1179888279043199067/red-business-border-modern-background-design-vector_53876-157563.png">
+            <a:extLst>
+              <a:ext uri="{FF2B5EF4-FFF2-40B4-BE49-F238E27FC236}">
+                <a16:creationId xmlns:a16="http://schemas.microsoft.com/office/drawing/2014/main" id="{D4C27342-9A26-43F2-9FC7-B6813D7F4497}"/>
+              </a:ext>
+            </a:extLst>
+          </p:cNvPr>
+          <p:cNvPicPr>
+            <a:picLocks noChangeAspect="1" noChangeArrowheads="1"/>
+          </p:cNvPicPr>
+          <p:nvPr/>
+        </p:nvPicPr>
+        <p:blipFill>
+          <a:blip r:embed="rId2">
+            <a:extLst>
+              <a:ext uri="{BEBA8EAE-BF5A-486C-A8C5-ECC9F3942E4B}">
+                <a14:imgProps xmlns:a14="http://schemas.microsoft.com/office/drawing/2010/main">
+                  <a14:imgLayer r:embed="rId3">
+                    <a14:imgEffect>
+                      <a14:backgroundRemoval t="10000" b="96250" l="389" r="90000">
+                        <a14:foregroundMark x1="1611" y1="66917" x2="8611" y2="77833"/>
+                        <a14:foregroundMark x1="8611" y1="77833" x2="11111" y2="80167"/>
+                        <a14:foregroundMark x1="1722" y1="66167" x2="4167" y2="75750"/>
+                        <a14:foregroundMark x1="20111" y1="89750" x2="23833" y2="95167"/>
+                        <a14:foregroundMark x1="23833" y1="95167" x2="25278" y2="96333"/>
+                        <a14:foregroundMark x1="3389" y1="84833" x2="10111" y2="94500"/>
+                        <a14:foregroundMark x1="10111" y1="94500" x2="10389" y2="94667"/>
+                        <a14:foregroundMark x1="3111" y1="88833" x2="6111" y2="93667"/>
+                        <a14:foregroundMark x1="389" y1="83500" x2="1944" y2="88417"/>
+                        <a14:foregroundMark x1="5389" y1="90667" x2="8556" y2="95833"/>
+                        <a14:foregroundMark x1="8556" y1="95833" x2="9000" y2="96000"/>
+                        <a14:backgroundMark x1="2389" y1="60583" x2="3778" y2="63917"/>
+                        <a14:backgroundMark x1="11278" y1="62750" x2="13500" y2="68917"/>
+                        <a14:backgroundMark x1="13500" y1="68917" x2="14167" y2="69833"/>
+                        <a14:backgroundMark x1="2444" y1="96333" x2="4056" y2="98750"/>
+                      </a14:backgroundRemoval>
+                    </a14:imgEffect>
+                  </a14:imgLayer>
+                </a14:imgProps>
+              </a:ext>
+              <a:ext uri="{28A0092B-C50C-407E-A947-70E740481C1C}">
+                <a14:useLocalDpi xmlns:a14="http://schemas.microsoft.com/office/drawing/2010/main" val="0"/>
+              </a:ext>
+            </a:extLst>
+          </a:blip>
+          <a:srcRect/>
+          <a:stretch>
+            <a:fillRect/>
+          </a:stretch>
+        </p:blipFill>
+        <p:spPr bwMode="auto">
+          <a:xfrm>
+            <a:off x="0" y="1122363"/>
+            <a:ext cx="8603456" cy="5735637"/>
+          </a:xfrm>
+          <a:prstGeom prst="rect">
+            <a:avLst/>
+          </a:prstGeom>
+          <a:noFill/>
+          <a:extLst>
+            <a:ext uri="{909E8E84-426E-40DD-AFC4-6F175D3DCCD1}">
+              <a14:hiddenFill xmlns:a14="http://schemas.microsoft.com/office/drawing/2010/main">
+                <a:solidFill>
+                  <a:srgbClr val="FFFFFF"/>
+                </a:solidFill>
+              </a14:hiddenFill>
+            </a:ext>
+          </a:extLst>
+        </p:spPr>
+      </p:pic>
+      <p:pic>
+        <p:nvPicPr>
+          <p:cNvPr id="1034" name="Picture 10" descr="https://cdn.discordapp.com/attachments/1172499672955355157/1179888279043199067/red-business-border-modern-background-design-vector_53876-157563.png">
+            <a:extLst>
+              <a:ext uri="{FF2B5EF4-FFF2-40B4-BE49-F238E27FC236}">
+                <a16:creationId xmlns:a16="http://schemas.microsoft.com/office/drawing/2014/main" id="{159144C8-BAB4-4FAC-9BA8-B448ACD3C7BF}"/>
+              </a:ext>
+            </a:extLst>
+          </p:cNvPr>
+          <p:cNvPicPr>
+            <a:picLocks noChangeAspect="1" noChangeArrowheads="1"/>
+          </p:cNvPicPr>
+          <p:nvPr/>
+        </p:nvPicPr>
+        <p:blipFill>
+          <a:blip r:embed="rId4">
+            <a:extLst>
+              <a:ext uri="{BEBA8EAE-BF5A-486C-A8C5-ECC9F3942E4B}">
+                <a14:imgProps xmlns:a14="http://schemas.microsoft.com/office/drawing/2010/main">
+                  <a14:imgLayer r:embed="rId3">
+                    <a14:imgEffect>
+                      <a14:backgroundRemoval t="250" b="90000" l="10000" r="98944">
+                        <a14:foregroundMark x1="65889" y1="5000" x2="71889" y2="16083"/>
+                        <a14:foregroundMark x1="71889" y1="16083" x2="72778" y2="17167"/>
+                        <a14:foregroundMark x1="82611" y1="26167" x2="88389" y2="33750"/>
+                        <a14:foregroundMark x1="86778" y1="33417" x2="95278" y2="46083"/>
+                        <a14:foregroundMark x1="62667" y1="333" x2="63278" y2="667"/>
+                        <a14:foregroundMark x1="66722" y1="500" x2="79444" y2="15500"/>
+                        <a14:foregroundMark x1="74389" y1="3583" x2="88889" y2="22583"/>
+                        <a14:foregroundMark x1="72000" y1="2667" x2="98278" y2="36667"/>
+                        <a14:foregroundMark x1="79667" y1="3417" x2="94889" y2="29083"/>
+                        <a14:foregroundMark x1="94500" y1="17417" x2="97833" y2="41167"/>
+                        <a14:foregroundMark x1="97833" y1="41167" x2="97833" y2="41333"/>
+                        <a14:foregroundMark x1="97444" y1="42500" x2="98944" y2="49667"/>
+                        <a14:foregroundMark x1="96444" y1="41833" x2="91056" y2="32667"/>
+                        <a14:foregroundMark x1="95889" y1="42500" x2="89500" y2="32333"/>
+                        <a14:foregroundMark x1="97278" y1="3500" x2="98500" y2="1583"/>
+                        <a14:foregroundMark x1="95833" y1="5333" x2="96889" y2="4500"/>
+                        <a14:backgroundMark x1="91111" y1="68000" x2="91667" y2="66583"/>
+                      </a14:backgroundRemoval>
+                    </a14:imgEffect>
+                  </a14:imgLayer>
+                </a14:imgProps>
+              </a:ext>
+              <a:ext uri="{28A0092B-C50C-407E-A947-70E740481C1C}">
+                <a14:useLocalDpi xmlns:a14="http://schemas.microsoft.com/office/drawing/2010/main" val="0"/>
+              </a:ext>
+            </a:extLst>
+          </a:blip>
+          <a:srcRect/>
+          <a:stretch>
+            <a:fillRect/>
+          </a:stretch>
+        </p:blipFill>
+        <p:spPr bwMode="auto">
+          <a:xfrm>
+            <a:off x="4619625" y="0"/>
+            <a:ext cx="7572375" cy="5048250"/>
+          </a:xfrm>
+          <a:prstGeom prst="rect">
+            <a:avLst/>
+          </a:prstGeom>
+          <a:noFill/>
+          <a:extLst>
+            <a:ext uri="{909E8E84-426E-40DD-AFC4-6F175D3DCCD1}">
+              <a14:hiddenFill xmlns:a14="http://schemas.microsoft.com/office/drawing/2010/main">
+                <a:solidFill>
+                  <a:srgbClr val="FFFFFF"/>
+                </a:solidFill>
+              </a14:hiddenFill>
+            </a:ext>
+          </a:extLst>
+        </p:spPr>
+      </p:pic>
+      <p:pic>
+        <p:nvPicPr>
+          <p:cNvPr id="1026" name="Picture 2" descr="https://cdn.discordapp.com/attachments/1172499672955355157/1180163405030633582/2023-12-01_220731.png"/>
+          <p:cNvPicPr>
+            <a:picLocks noChangeAspect="1" noChangeArrowheads="1"/>
+          </p:cNvPicPr>
+          <p:nvPr/>
+        </p:nvPicPr>
+        <p:blipFill>
+          <a:blip r:embed="rId5">
+            <a:extLst>
+              <a:ext uri="{28A0092B-C50C-407E-A947-70E740481C1C}">
+                <a14:useLocalDpi xmlns:a14="http://schemas.microsoft.com/office/drawing/2010/main" val="0"/>
+              </a:ext>
+            </a:extLst>
+          </a:blip>
+          <a:srcRect/>
+          <a:stretch>
+            <a:fillRect/>
+          </a:stretch>
+        </p:blipFill>
+        <p:spPr bwMode="auto">
+          <a:xfrm>
+            <a:off x="1189854" y="1982617"/>
+            <a:ext cx="2631422" cy="2416125"/>
+          </a:xfrm>
+          <a:prstGeom prst="rect">
+            <a:avLst/>
+          </a:prstGeom>
+          <a:noFill/>
+          <a:ln>
+            <a:solidFill>
+              <a:schemeClr val="tx1"/>
+            </a:solidFill>
+          </a:ln>
+          <a:extLst>
+            <a:ext uri="{909E8E84-426E-40DD-AFC4-6F175D3DCCD1}">
+              <a14:hiddenFill xmlns:a14="http://schemas.microsoft.com/office/drawing/2010/main">
+                <a:solidFill>
+                  <a:srgbClr val="FFFFFF"/>
+                </a:solidFill>
+              </a14:hiddenFill>
+            </a:ext>
+          </a:extLst>
+        </p:spPr>
+      </p:pic>
+      <p:pic>
+        <p:nvPicPr>
+          <p:cNvPr id="4" name="Picture 4" descr="https://cdn.discordapp.com/attachments/1172499672955355157/1180165198951219240/2023-12-01_221450.png"/>
+          <p:cNvPicPr>
+            <a:picLocks noChangeAspect="1" noChangeArrowheads="1"/>
+          </p:cNvPicPr>
+          <p:nvPr/>
+        </p:nvPicPr>
+        <p:blipFill>
+          <a:blip r:embed="rId6">
+            <a:extLst>
+              <a:ext uri="{28A0092B-C50C-407E-A947-70E740481C1C}">
+                <a14:useLocalDpi xmlns:a14="http://schemas.microsoft.com/office/drawing/2010/main" val="0"/>
+              </a:ext>
+            </a:extLst>
+          </a:blip>
+          <a:srcRect/>
+          <a:stretch>
+            <a:fillRect/>
+          </a:stretch>
+        </p:blipFill>
+        <p:spPr bwMode="auto">
+          <a:xfrm>
+            <a:off x="8006393" y="1982617"/>
+            <a:ext cx="3014174" cy="2416125"/>
+          </a:xfrm>
+          <a:prstGeom prst="rect">
+            <a:avLst/>
+          </a:prstGeom>
+          <a:noFill/>
+          <a:ln>
+            <a:solidFill>
+              <a:schemeClr val="tx1"/>
+            </a:solidFill>
+          </a:ln>
+          <a:extLst>
+            <a:ext uri="{909E8E84-426E-40DD-AFC4-6F175D3DCCD1}">
+              <a14:hiddenFill xmlns:a14="http://schemas.microsoft.com/office/drawing/2010/main">
+                <a:solidFill>
+                  <a:srgbClr val="FFFFFF"/>
+                </a:solidFill>
+              </a14:hiddenFill>
+            </a:ext>
+          </a:extLst>
+        </p:spPr>
+      </p:pic>
+      <p:pic>
+        <p:nvPicPr>
+          <p:cNvPr id="1030" name="Picture 6" descr="https://cdn.discordapp.com/attachments/1172499672955355157/1180166044543881286/2023-12-01_221817.png"/>
+          <p:cNvPicPr>
+            <a:picLocks noChangeAspect="1" noChangeArrowheads="1"/>
+          </p:cNvPicPr>
+          <p:nvPr/>
+        </p:nvPicPr>
+        <p:blipFill>
+          <a:blip r:embed="rId7">
+            <a:extLst>
+              <a:ext uri="{28A0092B-C50C-407E-A947-70E740481C1C}">
+                <a14:useLocalDpi xmlns:a14="http://schemas.microsoft.com/office/drawing/2010/main" val="0"/>
+              </a:ext>
+            </a:extLst>
+          </a:blip>
+          <a:srcRect/>
+          <a:stretch>
+            <a:fillRect/>
+          </a:stretch>
+        </p:blipFill>
+        <p:spPr bwMode="auto">
+          <a:xfrm>
+            <a:off x="4526103" y="1982617"/>
+            <a:ext cx="2810593" cy="2416125"/>
+          </a:xfrm>
+          <a:prstGeom prst="rect">
+            <a:avLst/>
+          </a:prstGeom>
+          <a:noFill/>
+          <a:ln>
+            <a:solidFill>
+              <a:schemeClr val="tx1"/>
+            </a:solidFill>
+          </a:ln>
+          <a:extLst>
+            <a:ext uri="{909E8E84-426E-40DD-AFC4-6F175D3DCCD1}">
+              <a14:hiddenFill xmlns:a14="http://schemas.microsoft.com/office/drawing/2010/main">
+                <a:solidFill>
+                  <a:srgbClr val="FFFFFF"/>
+                </a:solidFill>
+              </a14:hiddenFill>
+            </a:ext>
+          </a:extLst>
+        </p:spPr>
+      </p:pic>
+      <p:sp>
+        <p:nvSpPr>
+          <p:cNvPr id="5" name="TextBox 4"/>
+          <p:cNvSpPr txBox="1"/>
+          <p:nvPr/>
+        </p:nvSpPr>
+        <p:spPr>
+          <a:xfrm>
+            <a:off x="1211781" y="4401919"/>
+            <a:ext cx="2587567" cy="584775"/>
+          </a:xfrm>
+          <a:prstGeom prst="rect">
+            <a:avLst/>
+          </a:prstGeom>
+          <a:noFill/>
+        </p:spPr>
+        <p:txBody>
+          <a:bodyPr wrap="none" rtlCol="0">
+            <a:spAutoFit/>
+          </a:bodyPr>
+          <a:lstStyle/>
+          <a:p>
+            <a:pPr algn="ctr"/>
+            <a:r>
+              <a:rPr lang="ru-RU" sz="1600" dirty="0">
+                <a:latin typeface="Century Gothic" panose="020B0502020202020204" pitchFamily="34" charset="0"/>
+              </a:rPr>
+              <a:t>Кол-во месяцев со дня </a:t>
+            </a:r>
+            <a:endParaRPr lang="en-US" sz="1600" dirty="0" smtClean="0">
+              <a:latin typeface="Century Gothic" panose="020B0502020202020204" pitchFamily="34" charset="0"/>
+            </a:endParaRPr>
+          </a:p>
+          <a:p>
+            <a:pPr algn="ctr"/>
+            <a:r>
+              <a:rPr lang="ru-RU" sz="1600" dirty="0" smtClean="0">
+                <a:latin typeface="Century Gothic" panose="020B0502020202020204" pitchFamily="34" charset="0"/>
+              </a:rPr>
+              <a:t>открытия </a:t>
+            </a:r>
+            <a:r>
+              <a:rPr lang="ru-RU" sz="1600" dirty="0">
+                <a:latin typeface="Century Gothic" panose="020B0502020202020204" pitchFamily="34" charset="0"/>
+              </a:rPr>
+              <a:t>счета в </a:t>
+            </a:r>
+            <a:r>
+              <a:rPr lang="ru-RU" sz="1600" dirty="0" smtClean="0">
+                <a:latin typeface="Century Gothic" panose="020B0502020202020204" pitchFamily="34" charset="0"/>
+              </a:rPr>
+              <a:t>банке</a:t>
+            </a:r>
+            <a:endParaRPr lang="en-US" sz="1600" dirty="0" smtClean="0">
+              <a:latin typeface="Century Gothic" panose="020B0502020202020204" pitchFamily="34" charset="0"/>
+            </a:endParaRPr>
+          </a:p>
+        </p:txBody>
+      </p:sp>
+      <p:sp>
+        <p:nvSpPr>
+          <p:cNvPr id="12" name="TextBox 11"/>
+          <p:cNvSpPr txBox="1"/>
+          <p:nvPr/>
+        </p:nvSpPr>
+        <p:spPr>
+          <a:xfrm>
+            <a:off x="4172744" y="4449674"/>
+            <a:ext cx="3517309" cy="830997"/>
+          </a:xfrm>
+          <a:prstGeom prst="rect">
+            <a:avLst/>
+          </a:prstGeom>
+          <a:noFill/>
+        </p:spPr>
+        <p:txBody>
+          <a:bodyPr wrap="none" rtlCol="0">
+            <a:spAutoFit/>
+          </a:bodyPr>
+          <a:lstStyle/>
+          <a:p>
+            <a:pPr algn="ctr"/>
+            <a:r>
+              <a:rPr lang="ru-RU" sz="1600" dirty="0" smtClean="0">
+                <a:latin typeface="Century Gothic" panose="020B0502020202020204" pitchFamily="34" charset="0"/>
+              </a:rPr>
+              <a:t>Количество </a:t>
+            </a:r>
+            <a:r>
+              <a:rPr lang="ru-RU" sz="1600" dirty="0">
+                <a:latin typeface="Century Gothic" panose="020B0502020202020204" pitchFamily="34" charset="0"/>
+              </a:rPr>
+              <a:t>дней, прошедших </a:t>
+            </a:r>
+            <a:endParaRPr lang="en-US" sz="1600" dirty="0" smtClean="0">
+              <a:latin typeface="Century Gothic" panose="020B0502020202020204" pitchFamily="34" charset="0"/>
+            </a:endParaRPr>
+          </a:p>
+          <a:p>
+            <a:pPr algn="ctr"/>
+            <a:r>
+              <a:rPr lang="ru-RU" sz="1600" dirty="0" smtClean="0">
+                <a:latin typeface="Century Gothic" panose="020B0502020202020204" pitchFamily="34" charset="0"/>
+              </a:rPr>
+              <a:t>с </a:t>
+            </a:r>
+            <a:r>
+              <a:rPr lang="ru-RU" sz="1600" dirty="0">
+                <a:latin typeface="Century Gothic" panose="020B0502020202020204" pitchFamily="34" charset="0"/>
+              </a:rPr>
+              <a:t>последней даты </a:t>
+            </a:r>
+            <a:r>
+              <a:rPr lang="ru-RU" sz="1600" dirty="0" smtClean="0">
+                <a:latin typeface="Century Gothic" panose="020B0502020202020204" pitchFamily="34" charset="0"/>
+              </a:rPr>
+              <a:t>регистрации </a:t>
+            </a:r>
+            <a:endParaRPr lang="en-US" sz="1600" dirty="0" smtClean="0">
+              <a:latin typeface="Century Gothic" panose="020B0502020202020204" pitchFamily="34" charset="0"/>
+            </a:endParaRPr>
+          </a:p>
+          <a:p>
+            <a:pPr algn="ctr"/>
+            <a:r>
+              <a:rPr lang="ru-RU" sz="1600" dirty="0" smtClean="0">
+                <a:latin typeface="Century Gothic" panose="020B0502020202020204" pitchFamily="34" charset="0"/>
+              </a:rPr>
+              <a:t>ОГРН</a:t>
+            </a:r>
+            <a:endParaRPr lang="ru-RU" sz="1600" dirty="0">
+              <a:latin typeface="Century Gothic" panose="020B0502020202020204" pitchFamily="34" charset="0"/>
+            </a:endParaRPr>
+          </a:p>
+        </p:txBody>
+      </p:sp>
+      <p:sp>
+        <p:nvSpPr>
+          <p:cNvPr id="13" name="TextBox 12"/>
+          <p:cNvSpPr txBox="1"/>
+          <p:nvPr/>
+        </p:nvSpPr>
+        <p:spPr>
+          <a:xfrm>
+            <a:off x="7597732" y="4449674"/>
+            <a:ext cx="3831497" cy="830997"/>
+          </a:xfrm>
+          <a:prstGeom prst="rect">
+            <a:avLst/>
+          </a:prstGeom>
+          <a:noFill/>
+        </p:spPr>
+        <p:txBody>
+          <a:bodyPr wrap="none" rtlCol="0">
+            <a:spAutoFit/>
+          </a:bodyPr>
+          <a:lstStyle/>
+          <a:p>
+            <a:pPr algn="ctr"/>
+            <a:r>
+              <a:rPr lang="ru-RU" sz="1600" dirty="0">
+                <a:latin typeface="Century Gothic" panose="020B0502020202020204" pitchFamily="34" charset="0"/>
+              </a:rPr>
+              <a:t>Количество полных месяцев, </a:t>
+            </a:r>
+            <a:endParaRPr lang="en-US" sz="1600" dirty="0" smtClean="0">
+              <a:latin typeface="Century Gothic" panose="020B0502020202020204" pitchFamily="34" charset="0"/>
+            </a:endParaRPr>
+          </a:p>
+          <a:p>
+            <a:pPr algn="ctr"/>
+            <a:r>
+              <a:rPr lang="ru-RU" sz="1600" dirty="0" smtClean="0">
+                <a:latin typeface="Century Gothic" panose="020B0502020202020204" pitchFamily="34" charset="0"/>
+              </a:rPr>
+              <a:t>прошедших </a:t>
+            </a:r>
+            <a:r>
+              <a:rPr lang="ru-RU" sz="1600" dirty="0">
+                <a:latin typeface="Century Gothic" panose="020B0502020202020204" pitchFamily="34" charset="0"/>
+              </a:rPr>
+              <a:t>с момента получения </a:t>
+            </a:r>
+            <a:endParaRPr lang="en-US" sz="1600" dirty="0" smtClean="0">
+              <a:latin typeface="Century Gothic" panose="020B0502020202020204" pitchFamily="34" charset="0"/>
+            </a:endParaRPr>
+          </a:p>
+          <a:p>
+            <a:pPr algn="ctr"/>
+            <a:r>
+              <a:rPr lang="ru-RU" sz="1600" dirty="0" smtClean="0">
+                <a:latin typeface="Century Gothic" panose="020B0502020202020204" pitchFamily="34" charset="0"/>
+              </a:rPr>
+              <a:t>ОГРН</a:t>
+            </a:r>
+            <a:endParaRPr lang="ru-RU" sz="1600" dirty="0">
+              <a:latin typeface="Century Gothic" panose="020B0502020202020204" pitchFamily="34" charset="0"/>
+            </a:endParaRPr>
+          </a:p>
+        </p:txBody>
+      </p:sp>
+    </p:spTree>
+    <p:extLst>
+      <p:ext uri="{BB962C8B-B14F-4D97-AF65-F5344CB8AC3E}">
+        <p14:creationId xmlns:p14="http://schemas.microsoft.com/office/powerpoint/2010/main" val="1360103389"/>
+      </p:ext>
+    </p:extLst>
+  </p:cSld>
+  <p:clrMapOvr>
+    <a:masterClrMapping/>
+  </p:clrMapOvr>
+  <p:timing>
+    <p:tnLst>
+      <p:par>
+        <p:cTn id="1" dur="indefinite" restart="never" nodeType="tmRoot"/>
+      </p:par>
+    </p:tnLst>
+  </p:timing>
+</p:sld>
+</file>
+
+<file path=ppt/slides/slide4.xml><?xml version="1.0" encoding="utf-8"?>
+<p:sld xmlns:a="http://schemas.openxmlformats.org/drawingml/2006/main" xmlns:r="http://schemas.openxmlformats.org/officeDocument/2006/relationships" xmlns:p="http://schemas.openxmlformats.org/presentationml/2006/main">
+  <p:cSld>
+    <p:spTree>
+      <p:nvGrpSpPr>
+        <p:cNvPr id="1" name=""/>
+        <p:cNvGrpSpPr/>
+        <p:nvPr/>
+      </p:nvGrpSpPr>
+      <p:grpSpPr>
+        <a:xfrm>
+          <a:off x="0" y="0"/>
+          <a:ext cx="0" cy="0"/>
+          <a:chOff x="0" y="0"/>
+          <a:chExt cx="0" cy="0"/>
+        </a:xfrm>
+      </p:grpSpPr>
+      <p:pic>
+        <p:nvPicPr>
+          <p:cNvPr id="1028" name="Picture 4" descr="https://cdn.discordapp.com/attachments/1172499672955355157/1179888279043199067/red-business-border-modern-background-design-vector_53876-157563.png">
+            <a:extLst>
+              <a:ext uri="{FF2B5EF4-FFF2-40B4-BE49-F238E27FC236}">
+                <a16:creationId xmlns:a16="http://schemas.microsoft.com/office/drawing/2014/main" id="{D4C27342-9A26-43F2-9FC7-B6813D7F4497}"/>
+              </a:ext>
+            </a:extLst>
+          </p:cNvPr>
+          <p:cNvPicPr>
+            <a:picLocks noChangeAspect="1" noChangeArrowheads="1"/>
+          </p:cNvPicPr>
+          <p:nvPr/>
+        </p:nvPicPr>
+        <p:blipFill>
+          <a:blip r:embed="rId2">
+            <a:extLst>
+              <a:ext uri="{BEBA8EAE-BF5A-486C-A8C5-ECC9F3942E4B}">
+                <a14:imgProps xmlns:a14="http://schemas.microsoft.com/office/drawing/2010/main">
+                  <a14:imgLayer r:embed="rId3">
+                    <a14:imgEffect>
+                      <a14:backgroundRemoval t="10000" b="96250" l="389" r="90000">
+                        <a14:foregroundMark x1="1611" y1="66917" x2="8611" y2="77833"/>
+                        <a14:foregroundMark x1="8611" y1="77833" x2="11111" y2="80167"/>
+                        <a14:foregroundMark x1="1722" y1="66167" x2="4167" y2="75750"/>
+                        <a14:foregroundMark x1="20111" y1="89750" x2="23833" y2="95167"/>
+                        <a14:foregroundMark x1="23833" y1="95167" x2="25278" y2="96333"/>
+                        <a14:foregroundMark x1="3389" y1="84833" x2="10111" y2="94500"/>
+                        <a14:foregroundMark x1="10111" y1="94500" x2="10389" y2="94667"/>
+                        <a14:foregroundMark x1="3111" y1="88833" x2="6111" y2="93667"/>
+                        <a14:foregroundMark x1="389" y1="83500" x2="1944" y2="88417"/>
+                        <a14:foregroundMark x1="5389" y1="90667" x2="8556" y2="95833"/>
+                        <a14:foregroundMark x1="8556" y1="95833" x2="9000" y2="96000"/>
+                        <a14:backgroundMark x1="2389" y1="60583" x2="3778" y2="63917"/>
+                        <a14:backgroundMark x1="11278" y1="62750" x2="13500" y2="68917"/>
+                        <a14:backgroundMark x1="13500" y1="68917" x2="14167" y2="69833"/>
+                        <a14:backgroundMark x1="2444" y1="96333" x2="4056" y2="98750"/>
+                      </a14:backgroundRemoval>
+                    </a14:imgEffect>
+                  </a14:imgLayer>
+                </a14:imgProps>
+              </a:ext>
+              <a:ext uri="{28A0092B-C50C-407E-A947-70E740481C1C}">
+                <a14:useLocalDpi xmlns:a14="http://schemas.microsoft.com/office/drawing/2010/main" val="0"/>
+              </a:ext>
+            </a:extLst>
+          </a:blip>
+          <a:srcRect/>
+          <a:stretch>
+            <a:fillRect/>
+          </a:stretch>
+        </p:blipFill>
+        <p:spPr bwMode="auto">
+          <a:xfrm>
+            <a:off x="0" y="1122363"/>
+            <a:ext cx="8603456" cy="5735637"/>
+          </a:xfrm>
+          <a:prstGeom prst="rect">
+            <a:avLst/>
+          </a:prstGeom>
+          <a:noFill/>
+          <a:extLst>
+            <a:ext uri="{909E8E84-426E-40DD-AFC4-6F175D3DCCD1}">
+              <a14:hiddenFill xmlns:a14="http://schemas.microsoft.com/office/drawing/2010/main">
+                <a:solidFill>
+                  <a:srgbClr val="FFFFFF"/>
+                </a:solidFill>
+              </a14:hiddenFill>
+            </a:ext>
+          </a:extLst>
+        </p:spPr>
+      </p:pic>
+      <p:pic>
+        <p:nvPicPr>
+          <p:cNvPr id="1034" name="Picture 10" descr="https://cdn.discordapp.com/attachments/1172499672955355157/1179888279043199067/red-business-border-modern-background-design-vector_53876-157563.png">
+            <a:extLst>
+              <a:ext uri="{FF2B5EF4-FFF2-40B4-BE49-F238E27FC236}">
+                <a16:creationId xmlns:a16="http://schemas.microsoft.com/office/drawing/2014/main" id="{159144C8-BAB4-4FAC-9BA8-B448ACD3C7BF}"/>
+              </a:ext>
+            </a:extLst>
+          </p:cNvPr>
+          <p:cNvPicPr>
+            <a:picLocks noChangeAspect="1" noChangeArrowheads="1"/>
+          </p:cNvPicPr>
+          <p:nvPr/>
+        </p:nvPicPr>
+        <p:blipFill>
+          <a:blip r:embed="rId4">
+            <a:extLst>
+              <a:ext uri="{BEBA8EAE-BF5A-486C-A8C5-ECC9F3942E4B}">
+                <a14:imgProps xmlns:a14="http://schemas.microsoft.com/office/drawing/2010/main">
+                  <a14:imgLayer r:embed="rId3">
+                    <a14:imgEffect>
+                      <a14:backgroundRemoval t="250" b="90000" l="10000" r="98944">
+                        <a14:foregroundMark x1="65889" y1="5000" x2="71889" y2="16083"/>
+                        <a14:foregroundMark x1="71889" y1="16083" x2="72778" y2="17167"/>
+                        <a14:foregroundMark x1="82611" y1="26167" x2="88389" y2="33750"/>
+                        <a14:foregroundMark x1="86778" y1="33417" x2="95278" y2="46083"/>
+                        <a14:foregroundMark x1="62667" y1="333" x2="63278" y2="667"/>
+                        <a14:foregroundMark x1="66722" y1="500" x2="79444" y2="15500"/>
+                        <a14:foregroundMark x1="74389" y1="3583" x2="88889" y2="22583"/>
+                        <a14:foregroundMark x1="72000" y1="2667" x2="98278" y2="36667"/>
+                        <a14:foregroundMark x1="79667" y1="3417" x2="94889" y2="29083"/>
+                        <a14:foregroundMark x1="94500" y1="17417" x2="97833" y2="41167"/>
+                        <a14:foregroundMark x1="97833" y1="41167" x2="97833" y2="41333"/>
+                        <a14:foregroundMark x1="97444" y1="42500" x2="98944" y2="49667"/>
+                        <a14:foregroundMark x1="96444" y1="41833" x2="91056" y2="32667"/>
+                        <a14:foregroundMark x1="95889" y1="42500" x2="89500" y2="32333"/>
+                        <a14:foregroundMark x1="97278" y1="3500" x2="98500" y2="1583"/>
+                        <a14:foregroundMark x1="95833" y1="5333" x2="96889" y2="4500"/>
+                        <a14:backgroundMark x1="91111" y1="68000" x2="91667" y2="66583"/>
+                      </a14:backgroundRemoval>
+                    </a14:imgEffect>
+                  </a14:imgLayer>
+                </a14:imgProps>
+              </a:ext>
+              <a:ext uri="{28A0092B-C50C-407E-A947-70E740481C1C}">
+                <a14:useLocalDpi xmlns:a14="http://schemas.microsoft.com/office/drawing/2010/main" val="0"/>
+              </a:ext>
+            </a:extLst>
+          </a:blip>
+          <a:srcRect/>
+          <a:stretch>
+            <a:fillRect/>
+          </a:stretch>
+        </p:blipFill>
+        <p:spPr bwMode="auto">
+          <a:xfrm>
+            <a:off x="4619625" y="0"/>
+            <a:ext cx="7572375" cy="5048250"/>
+          </a:xfrm>
+          <a:prstGeom prst="rect">
+            <a:avLst/>
+          </a:prstGeom>
+          <a:noFill/>
+          <a:extLst>
+            <a:ext uri="{909E8E84-426E-40DD-AFC4-6F175D3DCCD1}">
+              <a14:hiddenFill xmlns:a14="http://schemas.microsoft.com/office/drawing/2010/main">
+                <a:solidFill>
+                  <a:srgbClr val="FFFFFF"/>
+                </a:solidFill>
+              </a14:hiddenFill>
+            </a:ext>
+          </a:extLst>
+        </p:spPr>
+      </p:pic>
+      <p:pic>
+        <p:nvPicPr>
+          <p:cNvPr id="2050" name="Picture 2" descr="https://cdn.discordapp.com/attachments/1172499672955355157/1180167192512307200/image.png"/>
+          <p:cNvPicPr>
+            <a:picLocks noChangeAspect="1" noChangeArrowheads="1"/>
+          </p:cNvPicPr>
+          <p:nvPr/>
+        </p:nvPicPr>
+        <p:blipFill>
+          <a:blip r:embed="rId5">
+            <a:extLst>
+              <a:ext uri="{28A0092B-C50C-407E-A947-70E740481C1C}">
+                <a14:useLocalDpi xmlns:a14="http://schemas.microsoft.com/office/drawing/2010/main" val="0"/>
+              </a:ext>
+            </a:extLst>
+          </a:blip>
+          <a:srcRect/>
+          <a:stretch>
+            <a:fillRect/>
+          </a:stretch>
+        </p:blipFill>
+        <p:spPr bwMode="auto">
+          <a:xfrm>
+            <a:off x="1447375" y="1868860"/>
+            <a:ext cx="3854298" cy="3318049"/>
+          </a:xfrm>
+          <a:prstGeom prst="rect">
+            <a:avLst/>
+          </a:prstGeom>
+          <a:noFill/>
+          <a:ln>
+            <a:solidFill>
+              <a:schemeClr val="tx1"/>
+            </a:solidFill>
+          </a:ln>
+          <a:extLst>
+            <a:ext uri="{909E8E84-426E-40DD-AFC4-6F175D3DCCD1}">
+              <a14:hiddenFill xmlns:a14="http://schemas.microsoft.com/office/drawing/2010/main">
+                <a:solidFill>
+                  <a:srgbClr val="FFFFFF"/>
+                </a:solidFill>
+              </a14:hiddenFill>
+            </a:ext>
+          </a:extLst>
+        </p:spPr>
+      </p:pic>
+      <p:pic>
+        <p:nvPicPr>
+          <p:cNvPr id="2052" name="Picture 4" descr="https://cdn.discordapp.com/attachments/1177615439904378960/1180171878577483776/image.png"/>
+          <p:cNvPicPr>
+            <a:picLocks noChangeAspect="1" noChangeArrowheads="1"/>
+          </p:cNvPicPr>
+          <p:nvPr/>
+        </p:nvPicPr>
+        <p:blipFill>
+          <a:blip r:embed="rId6">
+            <a:extLst>
+              <a:ext uri="{28A0092B-C50C-407E-A947-70E740481C1C}">
+                <a14:useLocalDpi xmlns:a14="http://schemas.microsoft.com/office/drawing/2010/main" val="0"/>
+              </a:ext>
+            </a:extLst>
+          </a:blip>
+          <a:srcRect/>
+          <a:stretch>
+            <a:fillRect/>
+          </a:stretch>
+        </p:blipFill>
+        <p:spPr bwMode="auto">
+          <a:xfrm>
+            <a:off x="6225307" y="1868859"/>
+            <a:ext cx="4718077" cy="3336355"/>
+          </a:xfrm>
+          <a:prstGeom prst="rect">
+            <a:avLst/>
+          </a:prstGeom>
+          <a:noFill/>
+          <a:ln>
+            <a:solidFill>
+              <a:schemeClr val="tx1"/>
+            </a:solidFill>
+          </a:ln>
+          <a:extLst>
+            <a:ext uri="{909E8E84-426E-40DD-AFC4-6F175D3DCCD1}">
+              <a14:hiddenFill xmlns:a14="http://schemas.microsoft.com/office/drawing/2010/main">
+                <a:solidFill>
+                  <a:srgbClr val="FFFFFF"/>
+                </a:solidFill>
+              </a14:hiddenFill>
+            </a:ext>
+          </a:extLst>
+        </p:spPr>
+      </p:pic>
+      <p:sp>
+        <p:nvSpPr>
+          <p:cNvPr id="4" name="TextBox 3"/>
+          <p:cNvSpPr txBox="1"/>
+          <p:nvPr/>
+        </p:nvSpPr>
+        <p:spPr>
+          <a:xfrm>
+            <a:off x="1447376" y="5259327"/>
+            <a:ext cx="3854298" cy="646331"/>
+          </a:xfrm>
+          <a:prstGeom prst="rect">
+            <a:avLst/>
+          </a:prstGeom>
+          <a:noFill/>
+        </p:spPr>
+        <p:txBody>
+          <a:bodyPr wrap="square" rtlCol="0">
+            <a:spAutoFit/>
+          </a:bodyPr>
+          <a:lstStyle/>
+          <a:p>
+            <a:pPr algn="ctr"/>
+            <a:r>
+              <a:rPr lang="ru-RU" dirty="0" smtClean="0">
+                <a:latin typeface="Century Gothic" panose="020B0502020202020204" pitchFamily="34" charset="0"/>
+              </a:rPr>
+              <a:t>Признаки с большим </a:t>
+            </a:r>
+          </a:p>
+          <a:p>
+            <a:pPr algn="ctr"/>
+            <a:r>
+              <a:rPr lang="ru-RU" dirty="0" smtClean="0">
+                <a:latin typeface="Century Gothic" panose="020B0502020202020204" pitchFamily="34" charset="0"/>
+              </a:rPr>
+              <a:t>количеством пропусков</a:t>
+            </a:r>
+            <a:endParaRPr lang="ru-RU" dirty="0">
+              <a:latin typeface="Century Gothic" panose="020B0502020202020204" pitchFamily="34" charset="0"/>
+            </a:endParaRPr>
+          </a:p>
+        </p:txBody>
+      </p:sp>
+      <p:sp>
+        <p:nvSpPr>
+          <p:cNvPr id="9" name="TextBox 8"/>
+          <p:cNvSpPr txBox="1"/>
+          <p:nvPr/>
+        </p:nvSpPr>
+        <p:spPr>
+          <a:xfrm>
+            <a:off x="6225307" y="5259327"/>
+            <a:ext cx="4718077" cy="369332"/>
+          </a:xfrm>
+          <a:prstGeom prst="rect">
+            <a:avLst/>
+          </a:prstGeom>
+          <a:noFill/>
+        </p:spPr>
+        <p:txBody>
+          <a:bodyPr wrap="square" rtlCol="0">
+            <a:spAutoFit/>
+          </a:bodyPr>
+          <a:lstStyle/>
+          <a:p>
+            <a:pPr algn="ctr"/>
+            <a:r>
+              <a:rPr lang="ru-RU" dirty="0" smtClean="0">
+                <a:latin typeface="Century Gothic" panose="020B0502020202020204" pitchFamily="34" charset="0"/>
+              </a:rPr>
+              <a:t>Новые признаки</a:t>
+            </a:r>
+            <a:endParaRPr lang="ru-RU" dirty="0">
+              <a:latin typeface="Century Gothic" panose="020B0502020202020204" pitchFamily="34" charset="0"/>
+            </a:endParaRPr>
+          </a:p>
+        </p:txBody>
+      </p:sp>
+    </p:spTree>
+    <p:extLst>
+      <p:ext uri="{BB962C8B-B14F-4D97-AF65-F5344CB8AC3E}">
+        <p14:creationId xmlns:p14="http://schemas.microsoft.com/office/powerpoint/2010/main" val="3983862719"/>
+      </p:ext>
+    </p:extLst>
+  </p:cSld>
+  <p:clrMapOvr>
+    <a:masterClrMapping/>
+  </p:clrMapOvr>
+  <p:timing>
+    <p:tnLst>
+      <p:par>
+        <p:cTn id="1" dur="indefinite" restart="never" nodeType="tmRoot"/>
+      </p:par>
+    </p:tnLst>
+  </p:timing>
+</p:sld>
+</file>
+
+<file path=ppt/slides/slide5.xml><?xml version="1.0" encoding="utf-8"?>
+<p:sld xmlns:a="http://schemas.openxmlformats.org/drawingml/2006/main" xmlns:r="http://schemas.openxmlformats.org/officeDocument/2006/relationships" xmlns:p="http://schemas.openxmlformats.org/presentationml/2006/main">
+  <p:cSld>
+    <p:spTree>
+      <p:nvGrpSpPr>
+        <p:cNvPr id="1" name=""/>
+        <p:cNvGrpSpPr/>
+        <p:nvPr/>
+      </p:nvGrpSpPr>
+      <p:grpSpPr>
+        <a:xfrm>
+          <a:off x="0" y="0"/>
+          <a:ext cx="0" cy="0"/>
+          <a:chOff x="0" y="0"/>
+          <a:chExt cx="0" cy="0"/>
+        </a:xfrm>
+      </p:grpSpPr>
+      <p:pic>
+        <p:nvPicPr>
+          <p:cNvPr id="1028" name="Picture 4" descr="https://cdn.discordapp.com/attachments/1172499672955355157/1179888279043199067/red-business-border-modern-background-design-vector_53876-157563.png">
+            <a:extLst>
+              <a:ext uri="{FF2B5EF4-FFF2-40B4-BE49-F238E27FC236}">
+                <a16:creationId xmlns:a16="http://schemas.microsoft.com/office/drawing/2014/main" id="{D4C27342-9A26-43F2-9FC7-B6813D7F4497}"/>
+              </a:ext>
+            </a:extLst>
+          </p:cNvPr>
+          <p:cNvPicPr>
+            <a:picLocks noChangeAspect="1" noChangeArrowheads="1"/>
+          </p:cNvPicPr>
+          <p:nvPr/>
+        </p:nvPicPr>
+        <p:blipFill>
+          <a:blip r:embed="rId2">
+            <a:extLst>
+              <a:ext uri="{BEBA8EAE-BF5A-486C-A8C5-ECC9F3942E4B}">
+                <a14:imgProps xmlns:a14="http://schemas.microsoft.com/office/drawing/2010/main">
+                  <a14:imgLayer r:embed="rId3">
+                    <a14:imgEffect>
+                      <a14:backgroundRemoval t="10000" b="96250" l="389" r="90000">
+                        <a14:foregroundMark x1="1611" y1="66917" x2="8611" y2="77833"/>
+                        <a14:foregroundMark x1="8611" y1="77833" x2="11111" y2="80167"/>
+                        <a14:foregroundMark x1="1722" y1="66167" x2="4167" y2="75750"/>
+                        <a14:foregroundMark x1="20111" y1="89750" x2="23833" y2="95167"/>
+                        <a14:foregroundMark x1="23833" y1="95167" x2="25278" y2="96333"/>
+                        <a14:foregroundMark x1="3389" y1="84833" x2="10111" y2="94500"/>
+                        <a14:foregroundMark x1="10111" y1="94500" x2="10389" y2="94667"/>
+                        <a14:foregroundMark x1="3111" y1="88833" x2="6111" y2="93667"/>
+                        <a14:foregroundMark x1="389" y1="83500" x2="1944" y2="88417"/>
+                        <a14:foregroundMark x1="5389" y1="90667" x2="8556" y2="95833"/>
+                        <a14:foregroundMark x1="8556" y1="95833" x2="9000" y2="96000"/>
+                        <a14:backgroundMark x1="2389" y1="60583" x2="3778" y2="63917"/>
+                        <a14:backgroundMark x1="11278" y1="62750" x2="13500" y2="68917"/>
+                        <a14:backgroundMark x1="13500" y1="68917" x2="14167" y2="69833"/>
+                        <a14:backgroundMark x1="2444" y1="96333" x2="4056" y2="98750"/>
+                      </a14:backgroundRemoval>
+                    </a14:imgEffect>
+                  </a14:imgLayer>
+                </a14:imgProps>
+              </a:ext>
+              <a:ext uri="{28A0092B-C50C-407E-A947-70E740481C1C}">
+                <a14:useLocalDpi xmlns:a14="http://schemas.microsoft.com/office/drawing/2010/main" val="0"/>
+              </a:ext>
+            </a:extLst>
+          </a:blip>
+          <a:srcRect/>
+          <a:stretch>
+            <a:fillRect/>
+          </a:stretch>
+        </p:blipFill>
+        <p:spPr bwMode="auto">
+          <a:xfrm>
+            <a:off x="0" y="1122363"/>
+            <a:ext cx="8603456" cy="5735637"/>
+          </a:xfrm>
+          <a:prstGeom prst="rect">
+            <a:avLst/>
+          </a:prstGeom>
+          <a:noFill/>
+          <a:extLst>
+            <a:ext uri="{909E8E84-426E-40DD-AFC4-6F175D3DCCD1}">
+              <a14:hiddenFill xmlns:a14="http://schemas.microsoft.com/office/drawing/2010/main">
+                <a:solidFill>
+                  <a:srgbClr val="FFFFFF"/>
+                </a:solidFill>
+              </a14:hiddenFill>
+            </a:ext>
+          </a:extLst>
+        </p:spPr>
+      </p:pic>
+      <p:pic>
+        <p:nvPicPr>
+          <p:cNvPr id="1034" name="Picture 10" descr="https://cdn.discordapp.com/attachments/1172499672955355157/1179888279043199067/red-business-border-modern-background-design-vector_53876-157563.png">
+            <a:extLst>
+              <a:ext uri="{FF2B5EF4-FFF2-40B4-BE49-F238E27FC236}">
+                <a16:creationId xmlns:a16="http://schemas.microsoft.com/office/drawing/2014/main" id="{159144C8-BAB4-4FAC-9BA8-B448ACD3C7BF}"/>
+              </a:ext>
+            </a:extLst>
+          </p:cNvPr>
+          <p:cNvPicPr>
+            <a:picLocks noChangeAspect="1" noChangeArrowheads="1"/>
+          </p:cNvPicPr>
+          <p:nvPr/>
+        </p:nvPicPr>
+        <p:blipFill>
+          <a:blip r:embed="rId4">
+            <a:extLst>
+              <a:ext uri="{BEBA8EAE-BF5A-486C-A8C5-ECC9F3942E4B}">
+                <a14:imgProps xmlns:a14="http://schemas.microsoft.com/office/drawing/2010/main">
+                  <a14:imgLayer r:embed="rId3">
+                    <a14:imgEffect>
+                      <a14:backgroundRemoval t="250" b="90000" l="10000" r="98944">
+                        <a14:foregroundMark x1="65889" y1="5000" x2="71889" y2="16083"/>
+                        <a14:foregroundMark x1="71889" y1="16083" x2="72778" y2="17167"/>
+                        <a14:foregroundMark x1="82611" y1="26167" x2="88389" y2="33750"/>
+                        <a14:foregroundMark x1="86778" y1="33417" x2="95278" y2="46083"/>
+                        <a14:foregroundMark x1="62667" y1="333" x2="63278" y2="667"/>
+                        <a14:foregroundMark x1="66722" y1="500" x2="79444" y2="15500"/>
+                        <a14:foregroundMark x1="74389" y1="3583" x2="88889" y2="22583"/>
+                        <a14:foregroundMark x1="72000" y1="2667" x2="98278" y2="36667"/>
+                        <a14:foregroundMark x1="79667" y1="3417" x2="94889" y2="29083"/>
+                        <a14:foregroundMark x1="94500" y1="17417" x2="97833" y2="41167"/>
+                        <a14:foregroundMark x1="97833" y1="41167" x2="97833" y2="41333"/>
+                        <a14:foregroundMark x1="97444" y1="42500" x2="98944" y2="49667"/>
+                        <a14:foregroundMark x1="96444" y1="41833" x2="91056" y2="32667"/>
+                        <a14:foregroundMark x1="95889" y1="42500" x2="89500" y2="32333"/>
+                        <a14:foregroundMark x1="97278" y1="3500" x2="98500" y2="1583"/>
+                        <a14:foregroundMark x1="95833" y1="5333" x2="96889" y2="4500"/>
+                        <a14:backgroundMark x1="91111" y1="68000" x2="91667" y2="66583"/>
+                      </a14:backgroundRemoval>
+                    </a14:imgEffect>
+                  </a14:imgLayer>
+                </a14:imgProps>
+              </a:ext>
+              <a:ext uri="{28A0092B-C50C-407E-A947-70E740481C1C}">
+                <a14:useLocalDpi xmlns:a14="http://schemas.microsoft.com/office/drawing/2010/main" val="0"/>
+              </a:ext>
+            </a:extLst>
+          </a:blip>
+          <a:srcRect/>
+          <a:stretch>
+            <a:fillRect/>
+          </a:stretch>
+        </p:blipFill>
+        <p:spPr bwMode="auto">
+          <a:xfrm>
+            <a:off x="4619625" y="0"/>
+            <a:ext cx="7572375" cy="5048250"/>
+          </a:xfrm>
+          <a:prstGeom prst="rect">
+            <a:avLst/>
+          </a:prstGeom>
+          <a:noFill/>
+          <a:extLst>
+            <a:ext uri="{909E8E84-426E-40DD-AFC4-6F175D3DCCD1}">
+              <a14:hiddenFill xmlns:a14="http://schemas.microsoft.com/office/drawing/2010/main">
+                <a:solidFill>
+                  <a:srgbClr val="FFFFFF"/>
+                </a:solidFill>
+              </a14:hiddenFill>
+            </a:ext>
+          </a:extLst>
+        </p:spPr>
+      </p:pic>
+      <p:sp>
+        <p:nvSpPr>
+          <p:cNvPr id="2" name="Заголовок 1">
+            <a:extLst>
+              <a:ext uri="{FF2B5EF4-FFF2-40B4-BE49-F238E27FC236}">
+                <a16:creationId xmlns:a16="http://schemas.microsoft.com/office/drawing/2014/main" id="{786C4923-C308-4DA9-AE4A-8888B01EBB72}"/>
+              </a:ext>
+            </a:extLst>
+          </p:cNvPr>
+          <p:cNvSpPr>
+            <a:spLocks noGrp="1"/>
+          </p:cNvSpPr>
+          <p:nvPr>
+            <p:ph type="ctrTitle"/>
+          </p:nvPr>
+        </p:nvSpPr>
+        <p:spPr/>
+        <p:txBody>
+          <a:bodyPr/>
+          <a:lstStyle/>
+          <a:p>
+            <a:endParaRPr lang="ru-RU" dirty="0"/>
+          </a:p>
+        </p:txBody>
+      </p:sp>
+      <p:sp>
+        <p:nvSpPr>
+          <p:cNvPr id="3" name="Подзаголовок 2">
+            <a:extLst>
+              <a:ext uri="{FF2B5EF4-FFF2-40B4-BE49-F238E27FC236}">
+                <a16:creationId xmlns:a16="http://schemas.microsoft.com/office/drawing/2014/main" id="{DB057B8E-A7C9-431D-B081-B11349C80C79}"/>
+              </a:ext>
+            </a:extLst>
+          </p:cNvPr>
+          <p:cNvSpPr>
+            <a:spLocks noGrp="1"/>
+          </p:cNvSpPr>
+          <p:nvPr>
+            <p:ph type="subTitle" idx="1"/>
+          </p:nvPr>
+        </p:nvSpPr>
+        <p:spPr>
+          <a:xfrm>
+            <a:off x="1524000" y="3602038"/>
+            <a:ext cx="9144000" cy="1655762"/>
+          </a:xfrm>
+        </p:spPr>
+        <p:txBody>
+          <a:bodyPr/>
+          <a:lstStyle/>
+          <a:p>
+            <a:endParaRPr lang="ru-RU"/>
+          </a:p>
+        </p:txBody>
+      </p:sp>
+      <p:sp>
+        <p:nvSpPr>
+          <p:cNvPr id="6" name="Заголовок 1">
+            <a:extLst>
+              <a:ext uri="{FF2B5EF4-FFF2-40B4-BE49-F238E27FC236}">
+                <a16:creationId xmlns:a16="http://schemas.microsoft.com/office/drawing/2014/main" id="{786C4923-C308-4DA9-AE4A-8888B01EBB72}"/>
+              </a:ext>
+            </a:extLst>
+          </p:cNvPr>
+          <p:cNvSpPr txBox="1">
+            <a:spLocks/>
+          </p:cNvSpPr>
+          <p:nvPr/>
+        </p:nvSpPr>
+        <p:spPr>
+          <a:xfrm>
+            <a:off x="0" y="0"/>
+            <a:ext cx="12192000" cy="6858000"/>
+          </a:xfrm>
+          <a:prstGeom prst="rect">
+            <a:avLst/>
+          </a:prstGeom>
+        </p:spPr>
+        <p:txBody>
+          <a:bodyPr vert="horz" lIns="91440" tIns="45720" rIns="91440" bIns="45720" rtlCol="0" anchor="ctr">
+            <a:normAutofit/>
+          </a:bodyPr>
+          <a:lstStyle>
+            <a:lvl1pPr algn="ctr" defTabSz="914400" rtl="0" eaLnBrk="1" latinLnBrk="0" hangingPunct="1">
+              <a:lnSpc>
+                <a:spcPct val="90000"/>
+              </a:lnSpc>
+              <a:spcBef>
+                <a:spcPct val="0"/>
+              </a:spcBef>
+              <a:buNone/>
+              <a:defRPr sz="6000" kern="1200">
+                <a:solidFill>
+                  <a:schemeClr val="tx1"/>
+                </a:solidFill>
+                <a:latin typeface="+mj-lt"/>
+                <a:ea typeface="+mj-ea"/>
+                <a:cs typeface="+mj-cs"/>
+              </a:defRPr>
+            </a:lvl1pPr>
+          </a:lstStyle>
+          <a:p>
+            <a:r>
+              <a:rPr lang="ru-RU" sz="6600" dirty="0" smtClean="0">
+                <a:solidFill>
+                  <a:srgbClr val="FF0000"/>
+                </a:solidFill>
+                <a:latin typeface="Century Gothic" panose="020B0502020202020204" pitchFamily="34" charset="0"/>
+              </a:rPr>
+              <a:t>АНАЛИЗ</a:t>
+            </a:r>
+          </a:p>
+          <a:p>
+            <a:r>
+              <a:rPr lang="ru-RU" sz="6600" dirty="0" smtClean="0">
+                <a:solidFill>
+                  <a:srgbClr val="FF0000"/>
+                </a:solidFill>
+                <a:latin typeface="Century Gothic" panose="020B0502020202020204" pitchFamily="34" charset="0"/>
+              </a:rPr>
+              <a:t>ДАННЫХ</a:t>
+            </a:r>
+          </a:p>
+        </p:txBody>
+      </p:sp>
+    </p:spTree>
+    <p:extLst>
+      <p:ext uri="{BB962C8B-B14F-4D97-AF65-F5344CB8AC3E}">
+        <p14:creationId xmlns:p14="http://schemas.microsoft.com/office/powerpoint/2010/main" val="799914566"/>
+      </p:ext>
+    </p:extLst>
+  </p:cSld>
+  <p:clrMapOvr>
+    <a:masterClrMapping/>
+  </p:clrMapOvr>
+  <p:timing>
+    <p:tnLst>
+      <p:par>
+        <p:cTn id="1" dur="indefinite" restart="never" nodeType="tmRoot"/>
+      </p:par>
+    </p:tnLst>
+  </p:timing>
+</p:sld>
+</file>
+
+<file path=ppt/slides/slide6.xml><?xml version="1.0" encoding="utf-8"?>
+<p:sld xmlns:a="http://schemas.openxmlformats.org/drawingml/2006/main" xmlns:r="http://schemas.openxmlformats.org/officeDocument/2006/relationships" xmlns:p="http://schemas.openxmlformats.org/presentationml/2006/main">
+  <p:cSld>
+    <p:spTree>
+      <p:nvGrpSpPr>
+        <p:cNvPr id="1" name=""/>
+        <p:cNvGrpSpPr/>
+        <p:nvPr/>
+      </p:nvGrpSpPr>
+      <p:grpSpPr>
+        <a:xfrm>
+          <a:off x="0" y="0"/>
+          <a:ext cx="0" cy="0"/>
+          <a:chOff x="0" y="0"/>
+          <a:chExt cx="0" cy="0"/>
+        </a:xfrm>
+      </p:grpSpPr>
+      <p:sp>
+        <p:nvSpPr>
+          <p:cNvPr id="2" name="Заголовок 1">
+            <a:extLst>
+              <a:ext uri="{FF2B5EF4-FFF2-40B4-BE49-F238E27FC236}">
+                <a16:creationId xmlns:a16="http://schemas.microsoft.com/office/drawing/2014/main" id="{786C4923-C308-4DA9-AE4A-8888B01EBB72}"/>
+              </a:ext>
+            </a:extLst>
+          </p:cNvPr>
+          <p:cNvSpPr>
+            <a:spLocks noGrp="1"/>
+          </p:cNvSpPr>
+          <p:nvPr>
+            <p:ph type="ctrTitle"/>
+          </p:nvPr>
+        </p:nvSpPr>
+        <p:spPr/>
+        <p:txBody>
+          <a:bodyPr/>
+          <a:lstStyle/>
+          <a:p>
+            <a:endParaRPr lang="ru-RU" dirty="0"/>
+          </a:p>
+        </p:txBody>
+      </p:sp>
+      <p:sp>
+        <p:nvSpPr>
+          <p:cNvPr id="3" name="Подзаголовок 2">
+            <a:extLst>
+              <a:ext uri="{FF2B5EF4-FFF2-40B4-BE49-F238E27FC236}">
+                <a16:creationId xmlns:a16="http://schemas.microsoft.com/office/drawing/2014/main" id="{DB057B8E-A7C9-431D-B081-B11349C80C79}"/>
+              </a:ext>
+            </a:extLst>
+          </p:cNvPr>
+          <p:cNvSpPr>
+            <a:spLocks noGrp="1"/>
+          </p:cNvSpPr>
+          <p:nvPr>
+            <p:ph type="subTitle" idx="1"/>
+          </p:nvPr>
+        </p:nvSpPr>
+        <p:spPr>
+          <a:xfrm>
+            <a:off x="1524000" y="3602038"/>
+            <a:ext cx="9144000" cy="1655762"/>
+          </a:xfrm>
+        </p:spPr>
+        <p:txBody>
+          <a:bodyPr/>
+          <a:lstStyle/>
+          <a:p>
+            <a:endParaRPr lang="ru-RU"/>
+          </a:p>
+        </p:txBody>
+      </p:sp>
+      <p:pic>
+        <p:nvPicPr>
+          <p:cNvPr id="3074" name="Picture 2" descr="https://cdn.discordapp.com/attachments/1177615439904378960/1180188743496376461/image.png"/>
+          <p:cNvPicPr>
+            <a:picLocks noChangeAspect="1" noChangeArrowheads="1"/>
+          </p:cNvPicPr>
+          <p:nvPr/>
+        </p:nvPicPr>
+        <p:blipFill rotWithShape="1">
+          <a:blip r:embed="rId2">
+            <a:extLst>
+              <a:ext uri="{28A0092B-C50C-407E-A947-70E740481C1C}">
+                <a14:useLocalDpi xmlns:a14="http://schemas.microsoft.com/office/drawing/2010/main" val="0"/>
+              </a:ext>
+            </a:extLst>
+          </a:blip>
+          <a:srcRect l="1157" t="1946" r="1517" b="2189"/>
+          <a:stretch/>
+        </p:blipFill>
+        <p:spPr bwMode="auto">
+          <a:xfrm>
+            <a:off x="1476718" y="-16933"/>
+            <a:ext cx="9238564" cy="6874933"/>
+          </a:xfrm>
+          <a:prstGeom prst="rect">
+            <a:avLst/>
+          </a:prstGeom>
+          <a:noFill/>
+          <a:ln>
+            <a:solidFill>
+              <a:schemeClr val="bg1"/>
+            </a:solidFill>
+          </a:ln>
+          <a:extLst>
+            <a:ext uri="{909E8E84-426E-40DD-AFC4-6F175D3DCCD1}">
+              <a14:hiddenFill xmlns:a14="http://schemas.microsoft.com/office/drawing/2010/main">
+                <a:solidFill>
+                  <a:srgbClr val="FFFFFF"/>
+                </a:solidFill>
+              </a14:hiddenFill>
+            </a:ext>
+          </a:extLst>
+        </p:spPr>
+      </p:pic>
+    </p:spTree>
+    <p:extLst>
+      <p:ext uri="{BB962C8B-B14F-4D97-AF65-F5344CB8AC3E}">
+        <p14:creationId xmlns:p14="http://schemas.microsoft.com/office/powerpoint/2010/main" val="1337737600"/>
+      </p:ext>
+    </p:extLst>
+  </p:cSld>
+  <p:clrMapOvr>
+    <a:masterClrMapping/>
+  </p:clrMapOvr>
+  <p:timing>
+    <p:tnLst>
+      <p:par>
+        <p:cTn id="1" dur="indefinite" restart="never" nodeType="tmRoot"/>
+      </p:par>
+    </p:tnLst>
+  </p:timing>
+</p:sld>
+</file>
+
+<file path=ppt/slides/slide7.xml><?xml version="1.0" encoding="utf-8"?>
+<p:sld xmlns:a="http://schemas.openxmlformats.org/drawingml/2006/main" xmlns:r="http://schemas.openxmlformats.org/officeDocument/2006/relationships" xmlns:p="http://schemas.openxmlformats.org/presentationml/2006/main">
+  <p:cSld>
+    <p:spTree>
+      <p:nvGrpSpPr>
+        <p:cNvPr id="1" name=""/>
+        <p:cNvGrpSpPr/>
+        <p:nvPr/>
+      </p:nvGrpSpPr>
+      <p:grpSpPr>
+        <a:xfrm>
+          <a:off x="0" y="0"/>
+          <a:ext cx="0" cy="0"/>
+          <a:chOff x="0" y="0"/>
+          <a:chExt cx="0" cy="0"/>
+        </a:xfrm>
+      </p:grpSpPr>
+      <p:sp>
+        <p:nvSpPr>
+          <p:cNvPr id="2" name="Заголовок 1"/>
+          <p:cNvSpPr>
+            <a:spLocks noGrp="1"/>
+          </p:cNvSpPr>
+          <p:nvPr>
+            <p:ph type="title"/>
+          </p:nvPr>
+        </p:nvSpPr>
+        <p:spPr/>
+        <p:txBody>
+          <a:bodyPr/>
+          <a:lstStyle/>
+          <a:p>
+            <a:endParaRPr lang="ru-RU"/>
+          </a:p>
+        </p:txBody>
+      </p:sp>
+      <p:sp>
+        <p:nvSpPr>
+          <p:cNvPr id="3" name="Объект 2"/>
+          <p:cNvSpPr>
+            <a:spLocks noGrp="1"/>
+          </p:cNvSpPr>
+          <p:nvPr>
+            <p:ph idx="1"/>
+          </p:nvPr>
+        </p:nvSpPr>
+        <p:spPr/>
+        <p:txBody>
+          <a:bodyPr/>
+          <a:lstStyle/>
+          <a:p>
+            <a:endParaRPr lang="ru-RU"/>
+          </a:p>
+        </p:txBody>
+      </p:sp>
+      <p:pic>
+        <p:nvPicPr>
+          <p:cNvPr id="4098" name="Picture 2" descr="https://cdn.discordapp.com/attachments/1177615439904378960/1180188743202787419/image.png"/>
+          <p:cNvPicPr>
+            <a:picLocks noChangeAspect="1" noChangeArrowheads="1"/>
+          </p:cNvPicPr>
+          <p:nvPr/>
+        </p:nvPicPr>
+        <p:blipFill rotWithShape="1">
+          <a:blip r:embed="rId2">
+            <a:extLst>
+              <a:ext uri="{28A0092B-C50C-407E-A947-70E740481C1C}">
+                <a14:useLocalDpi xmlns:a14="http://schemas.microsoft.com/office/drawing/2010/main" val="0"/>
+              </a:ext>
+            </a:extLst>
+          </a:blip>
+          <a:srcRect l="1217" t="1858" r="1280" b="1698"/>
+          <a:stretch/>
+        </p:blipFill>
+        <p:spPr bwMode="auto">
+          <a:xfrm>
+            <a:off x="1517754" y="0"/>
+            <a:ext cx="9156492" cy="6858001"/>
+          </a:xfrm>
+          <a:prstGeom prst="rect">
+            <a:avLst/>
+          </a:prstGeom>
+          <a:noFill/>
+          <a:extLst>
+            <a:ext uri="{909E8E84-426E-40DD-AFC4-6F175D3DCCD1}">
+              <a14:hiddenFill xmlns:a14="http://schemas.microsoft.com/office/drawing/2010/main">
+                <a:solidFill>
+                  <a:srgbClr val="FFFFFF"/>
+                </a:solidFill>
+              </a14:hiddenFill>
+            </a:ext>
+          </a:extLst>
+        </p:spPr>
+      </p:pic>
+    </p:spTree>
+    <p:extLst>
+      <p:ext uri="{BB962C8B-B14F-4D97-AF65-F5344CB8AC3E}">
+        <p14:creationId xmlns:p14="http://schemas.microsoft.com/office/powerpoint/2010/main" val="599715287"/>
+      </p:ext>
+    </p:extLst>
+  </p:cSld>
+  <p:clrMapOvr>
+    <a:masterClrMapping/>
+  </p:clrMapOvr>
+  <p:timing>
+    <p:tnLst>
+      <p:par>
+        <p:cTn id="1" dur="indefinite" restart="never" nodeType="tmRoot"/>
+      </p:par>
+    </p:tnLst>
+  </p:timing>
+</p:sld>
+</file>
+
+<file path=ppt/slides/slide8.xml><?xml version="1.0" encoding="utf-8"?>
+<p:sld xmlns:a="http://schemas.openxmlformats.org/drawingml/2006/main" xmlns:r="http://schemas.openxmlformats.org/officeDocument/2006/relationships" xmlns:p="http://schemas.openxmlformats.org/presentationml/2006/main">
+  <p:cSld>
+    <p:spTree>
+      <p:nvGrpSpPr>
+        <p:cNvPr id="1" name=""/>
+        <p:cNvGrpSpPr/>
+        <p:nvPr/>
+      </p:nvGrpSpPr>
+      <p:grpSpPr>
+        <a:xfrm>
+          <a:off x="0" y="0"/>
+          <a:ext cx="0" cy="0"/>
+          <a:chOff x="0" y="0"/>
+          <a:chExt cx="0" cy="0"/>
+        </a:xfrm>
+      </p:grpSpPr>
+      <p:sp>
+        <p:nvSpPr>
+          <p:cNvPr id="2" name="Заголовок 1"/>
+          <p:cNvSpPr>
+            <a:spLocks noGrp="1"/>
+          </p:cNvSpPr>
+          <p:nvPr>
+            <p:ph type="title"/>
+          </p:nvPr>
+        </p:nvSpPr>
+        <p:spPr/>
+        <p:txBody>
+          <a:bodyPr/>
+          <a:lstStyle/>
+          <a:p>
+            <a:endParaRPr lang="ru-RU"/>
+          </a:p>
+        </p:txBody>
+      </p:sp>
+      <p:sp>
+        <p:nvSpPr>
+          <p:cNvPr id="3" name="Объект 2"/>
+          <p:cNvSpPr>
+            <a:spLocks noGrp="1"/>
+          </p:cNvSpPr>
+          <p:nvPr>
+            <p:ph idx="1"/>
+          </p:nvPr>
+        </p:nvSpPr>
+        <p:spPr/>
+        <p:txBody>
+          <a:bodyPr/>
+          <a:lstStyle/>
+          <a:p>
+            <a:endParaRPr lang="ru-RU"/>
+          </a:p>
+        </p:txBody>
+      </p:sp>
+      <p:pic>
+        <p:nvPicPr>
+          <p:cNvPr id="5122" name="Picture 2" descr="https://cdn.discordapp.com/attachments/1177615439904378960/1180188742816899163/image.png"/>
+          <p:cNvPicPr>
+            <a:picLocks noChangeAspect="1" noChangeArrowheads="1"/>
+          </p:cNvPicPr>
+          <p:nvPr/>
+        </p:nvPicPr>
+        <p:blipFill rotWithShape="1">
+          <a:blip r:embed="rId2">
+            <a:extLst>
+              <a:ext uri="{28A0092B-C50C-407E-A947-70E740481C1C}">
+                <a14:useLocalDpi xmlns:a14="http://schemas.microsoft.com/office/drawing/2010/main" val="0"/>
+              </a:ext>
+            </a:extLst>
+          </a:blip>
+          <a:srcRect l="1355" t="1540" r="1142" b="1135"/>
+          <a:stretch/>
+        </p:blipFill>
+        <p:spPr bwMode="auto">
+          <a:xfrm>
+            <a:off x="1514763" y="0"/>
+            <a:ext cx="9162474" cy="6868722"/>
+          </a:xfrm>
+          <a:prstGeom prst="rect">
+            <a:avLst/>
+          </a:prstGeom>
+          <a:noFill/>
+          <a:extLst>
+            <a:ext uri="{909E8E84-426E-40DD-AFC4-6F175D3DCCD1}">
+              <a14:hiddenFill xmlns:a14="http://schemas.microsoft.com/office/drawing/2010/main">
+                <a:solidFill>
+                  <a:srgbClr val="FFFFFF"/>
+                </a:solidFill>
+              </a14:hiddenFill>
+            </a:ext>
+          </a:extLst>
+        </p:spPr>
+      </p:pic>
+    </p:spTree>
+    <p:extLst>
+      <p:ext uri="{BB962C8B-B14F-4D97-AF65-F5344CB8AC3E}">
+        <p14:creationId xmlns:p14="http://schemas.microsoft.com/office/powerpoint/2010/main" val="3671321482"/>
+      </p:ext>
+    </p:extLst>
+  </p:cSld>
+  <p:clrMapOvr>
+    <a:masterClrMapping/>
+  </p:clrMapOvr>
+  <p:timing>
+    <p:tnLst>
+      <p:par>
+        <p:cTn id="1" dur="indefinite" restart="never" nodeType="tmRoot"/>
+      </p:par>
+    </p:tnLst>
+  </p:timing>
+</p:sld>
+</file>
+
+<file path=ppt/slides/slide9.xml><?xml version="1.0" encoding="utf-8"?>
+<p:sld xmlns:a="http://schemas.openxmlformats.org/drawingml/2006/main" xmlns:r="http://schemas.openxmlformats.org/officeDocument/2006/relationships" xmlns:p="http://schemas.openxmlformats.org/presentationml/2006/main">
+  <p:cSld>
+    <p:spTree>
+      <p:nvGrpSpPr>
+        <p:cNvPr id="1" name=""/>
+        <p:cNvGrpSpPr/>
+        <p:nvPr/>
+      </p:nvGrpSpPr>
+      <p:grpSpPr>
+        <a:xfrm>
+          <a:off x="0" y="0"/>
+          <a:ext cx="0" cy="0"/>
+          <a:chOff x="0" y="0"/>
+          <a:chExt cx="0" cy="0"/>
+        </a:xfrm>
+      </p:grpSpPr>
+      <p:sp>
+        <p:nvSpPr>
+          <p:cNvPr id="2" name="Заголовок 1"/>
+          <p:cNvSpPr>
+            <a:spLocks noGrp="1"/>
+          </p:cNvSpPr>
+          <p:nvPr>
+            <p:ph type="title"/>
+          </p:nvPr>
+        </p:nvSpPr>
+        <p:spPr/>
+        <p:txBody>
+          <a:bodyPr/>
+          <a:lstStyle/>
+          <a:p>
+            <a:endParaRPr lang="ru-RU"/>
+          </a:p>
+        </p:txBody>
+      </p:sp>
+      <p:sp>
+        <p:nvSpPr>
+          <p:cNvPr id="3" name="Объект 2"/>
+          <p:cNvSpPr>
+            <a:spLocks noGrp="1"/>
+          </p:cNvSpPr>
+          <p:nvPr>
+            <p:ph idx="1"/>
+          </p:nvPr>
+        </p:nvSpPr>
+        <p:spPr/>
+        <p:txBody>
+          <a:bodyPr/>
+          <a:lstStyle/>
+          <a:p>
+            <a:endParaRPr lang="ru-RU"/>
+          </a:p>
+        </p:txBody>
+      </p:sp>
+      <p:pic>
+        <p:nvPicPr>
+          <p:cNvPr id="6146" name="Picture 2" descr="https://cdn.discordapp.com/attachments/1177615439904378960/1180188742540087346/image.png"/>
+          <p:cNvPicPr>
+            <a:picLocks noChangeAspect="1" noChangeArrowheads="1"/>
+          </p:cNvPicPr>
+          <p:nvPr/>
+        </p:nvPicPr>
+        <p:blipFill rotWithShape="1">
+          <a:blip r:embed="rId2">
+            <a:extLst>
+              <a:ext uri="{28A0092B-C50C-407E-A947-70E740481C1C}">
+                <a14:useLocalDpi xmlns:a14="http://schemas.microsoft.com/office/drawing/2010/main" val="0"/>
+              </a:ext>
+            </a:extLst>
+          </a:blip>
+          <a:srcRect l="1089" t="1185" r="1008" b="1312"/>
+          <a:stretch/>
+        </p:blipFill>
+        <p:spPr bwMode="auto">
+          <a:xfrm>
+            <a:off x="1505527" y="-1"/>
+            <a:ext cx="9168984" cy="6858001"/>
+          </a:xfrm>
+          <a:prstGeom prst="rect">
+            <a:avLst/>
+          </a:prstGeom>
+          <a:noFill/>
+          <a:extLst>
+            <a:ext uri="{909E8E84-426E-40DD-AFC4-6F175D3DCCD1}">
+              <a14:hiddenFill xmlns:a14="http://schemas.microsoft.com/office/drawing/2010/main">
+                <a:solidFill>
+                  <a:srgbClr val="FFFFFF"/>
+                </a:solidFill>
+              </a14:hiddenFill>
+            </a:ext>
+          </a:extLst>
+        </p:spPr>
+      </p:pic>
+    </p:spTree>
+    <p:extLst>
+      <p:ext uri="{BB962C8B-B14F-4D97-AF65-F5344CB8AC3E}">
+        <p14:creationId xmlns:p14="http://schemas.microsoft.com/office/powerpoint/2010/main" val="205854176"/>
+      </p:ext>
+    </p:extLst>
+  </p:cSld>
+  <p:clrMapOvr>
+    <a:masterClrMapping/>
+  </p:clrMapOvr>
+  <p:timing>
+    <p:tnLst>
+      <p:par>
+        <p:cTn id="1" dur="indefinite" restart="never" nodeType="tmRoot"/>
+      </p:par>
+    </p:tnLst>
+  </p:timing>
 </p:sld>
 </file>
 

--- a/SAH_Финал_ALPHA_BIT_презентация.pptx
+++ b/SAH_Финал_ALPHA_BIT_презентация.pptx
@@ -13,17 +13,22 @@
     <p:sldId id="262" r:id="rId7"/>
     <p:sldId id="271" r:id="rId8"/>
     <p:sldId id="272" r:id="rId9"/>
-    <p:sldId id="273" r:id="rId10"/>
-    <p:sldId id="274" r:id="rId11"/>
-    <p:sldId id="264" r:id="rId12"/>
-    <p:sldId id="275" r:id="rId13"/>
-    <p:sldId id="265" r:id="rId14"/>
-    <p:sldId id="266" r:id="rId15"/>
-    <p:sldId id="277" r:id="rId16"/>
-    <p:sldId id="276" r:id="rId17"/>
-    <p:sldId id="268" r:id="rId18"/>
-    <p:sldId id="278" r:id="rId19"/>
-    <p:sldId id="279" r:id="rId20"/>
+    <p:sldId id="274" r:id="rId10"/>
+    <p:sldId id="273" r:id="rId11"/>
+    <p:sldId id="282" r:id="rId12"/>
+    <p:sldId id="264" r:id="rId13"/>
+    <p:sldId id="283" r:id="rId14"/>
+    <p:sldId id="275" r:id="rId15"/>
+    <p:sldId id="284" r:id="rId16"/>
+    <p:sldId id="265" r:id="rId17"/>
+    <p:sldId id="266" r:id="rId18"/>
+    <p:sldId id="277" r:id="rId19"/>
+    <p:sldId id="280" r:id="rId20"/>
+    <p:sldId id="276" r:id="rId21"/>
+    <p:sldId id="268" r:id="rId22"/>
+    <p:sldId id="278" r:id="rId23"/>
+    <p:sldId id="279" r:id="rId24"/>
+    <p:sldId id="285" r:id="rId25"/>
   </p:sldIdLst>
   <p:sldSz cx="12192000" cy="6858000"/>
   <p:notesSz cx="6858000" cy="9144000"/>
@@ -277,7 +282,7 @@
           <a:p>
             <a:fld id="{D71E06A8-B08D-4086-B481-C23904B9C47B}" type="datetimeFigureOut">
               <a:rPr lang="ru-RU" smtClean="0"/>
-              <a:t>01.12.2023</a:t>
+              <a:t>02.12.2023</a:t>
             </a:fld>
             <a:endParaRPr lang="ru-RU"/>
           </a:p>
@@ -475,7 +480,7 @@
           <a:p>
             <a:fld id="{D71E06A8-B08D-4086-B481-C23904B9C47B}" type="datetimeFigureOut">
               <a:rPr lang="ru-RU" smtClean="0"/>
-              <a:t>01.12.2023</a:t>
+              <a:t>02.12.2023</a:t>
             </a:fld>
             <a:endParaRPr lang="ru-RU"/>
           </a:p>
@@ -683,7 +688,7 @@
           <a:p>
             <a:fld id="{D71E06A8-B08D-4086-B481-C23904B9C47B}" type="datetimeFigureOut">
               <a:rPr lang="ru-RU" smtClean="0"/>
-              <a:t>01.12.2023</a:t>
+              <a:t>02.12.2023</a:t>
             </a:fld>
             <a:endParaRPr lang="ru-RU"/>
           </a:p>
@@ -881,7 +886,7 @@
           <a:p>
             <a:fld id="{D71E06A8-B08D-4086-B481-C23904B9C47B}" type="datetimeFigureOut">
               <a:rPr lang="ru-RU" smtClean="0"/>
-              <a:t>01.12.2023</a:t>
+              <a:t>02.12.2023</a:t>
             </a:fld>
             <a:endParaRPr lang="ru-RU"/>
           </a:p>
@@ -1156,7 +1161,7 @@
           <a:p>
             <a:fld id="{D71E06A8-B08D-4086-B481-C23904B9C47B}" type="datetimeFigureOut">
               <a:rPr lang="ru-RU" smtClean="0"/>
-              <a:t>01.12.2023</a:t>
+              <a:t>02.12.2023</a:t>
             </a:fld>
             <a:endParaRPr lang="ru-RU"/>
           </a:p>
@@ -1421,7 +1426,7 @@
           <a:p>
             <a:fld id="{D71E06A8-B08D-4086-B481-C23904B9C47B}" type="datetimeFigureOut">
               <a:rPr lang="ru-RU" smtClean="0"/>
-              <a:t>01.12.2023</a:t>
+              <a:t>02.12.2023</a:t>
             </a:fld>
             <a:endParaRPr lang="ru-RU"/>
           </a:p>
@@ -1833,7 +1838,7 @@
           <a:p>
             <a:fld id="{D71E06A8-B08D-4086-B481-C23904B9C47B}" type="datetimeFigureOut">
               <a:rPr lang="ru-RU" smtClean="0"/>
-              <a:t>01.12.2023</a:t>
+              <a:t>02.12.2023</a:t>
             </a:fld>
             <a:endParaRPr lang="ru-RU"/>
           </a:p>
@@ -1974,7 +1979,7 @@
           <a:p>
             <a:fld id="{D71E06A8-B08D-4086-B481-C23904B9C47B}" type="datetimeFigureOut">
               <a:rPr lang="ru-RU" smtClean="0"/>
-              <a:t>01.12.2023</a:t>
+              <a:t>02.12.2023</a:t>
             </a:fld>
             <a:endParaRPr lang="ru-RU"/>
           </a:p>
@@ -2087,7 +2092,7 @@
           <a:p>
             <a:fld id="{D71E06A8-B08D-4086-B481-C23904B9C47B}" type="datetimeFigureOut">
               <a:rPr lang="ru-RU" smtClean="0"/>
-              <a:t>01.12.2023</a:t>
+              <a:t>02.12.2023</a:t>
             </a:fld>
             <a:endParaRPr lang="ru-RU"/>
           </a:p>
@@ -2398,7 +2403,7 @@
           <a:p>
             <a:fld id="{D71E06A8-B08D-4086-B481-C23904B9C47B}" type="datetimeFigureOut">
               <a:rPr lang="ru-RU" smtClean="0"/>
-              <a:t>01.12.2023</a:t>
+              <a:t>02.12.2023</a:t>
             </a:fld>
             <a:endParaRPr lang="ru-RU"/>
           </a:p>
@@ -2686,7 +2691,7 @@
           <a:p>
             <a:fld id="{D71E06A8-B08D-4086-B481-C23904B9C47B}" type="datetimeFigureOut">
               <a:rPr lang="ru-RU" smtClean="0"/>
-              <a:t>01.12.2023</a:t>
+              <a:t>02.12.2023</a:t>
             </a:fld>
             <a:endParaRPr lang="ru-RU"/>
           </a:p>
@@ -2927,7 +2932,7 @@
           <a:p>
             <a:fld id="{D71E06A8-B08D-4086-B481-C23904B9C47B}" type="datetimeFigureOut">
               <a:rPr lang="ru-RU" smtClean="0"/>
-              <a:t>01.12.2023</a:t>
+              <a:t>02.12.2023</a:t>
             </a:fld>
             <a:endParaRPr lang="ru-RU"/>
           </a:p>
@@ -3519,31 +3524,13 @@
           <a:lstStyle/>
           <a:p>
             <a:r>
-              <a:rPr lang="en-US" sz="9600" dirty="0" smtClean="0">
+              <a:rPr lang="en-US" sz="9600" dirty="0">
                 <a:solidFill>
                   <a:srgbClr val="FF0000"/>
                 </a:solidFill>
                 <a:latin typeface="Century Gothic" panose="020B0502020202020204" pitchFamily="34" charset="0"/>
               </a:rPr>
-              <a:t>ALPHA_</a:t>
-            </a:r>
-            <a:r>
-              <a:rPr lang="en-US" sz="9600" dirty="0" smtClean="0">
-                <a:solidFill>
-                  <a:srgbClr val="FF0000"/>
-                </a:solidFill>
-                <a:latin typeface="Century Gothic" panose="020B0502020202020204" pitchFamily="34" charset="0"/>
-              </a:rPr>
-              <a:t>B</a:t>
-            </a:r>
-            <a:r>
-              <a:rPr lang="en-US" sz="9600" dirty="0" smtClean="0">
-                <a:solidFill>
-                  <a:srgbClr val="FF0000"/>
-                </a:solidFill>
-                <a:latin typeface="Century Gothic" panose="020B0502020202020204" pitchFamily="34" charset="0"/>
-              </a:rPr>
-              <a:t>IT</a:t>
+              <a:t>ALPHA_BIT</a:t>
             </a:r>
             <a:endParaRPr lang="ru-RU" sz="9600" dirty="0">
               <a:solidFill>
@@ -3581,85 +3568,61 @@
           <a:lstStyle/>
           <a:p>
             <a:r>
-              <a:rPr lang="ru-RU" dirty="0" err="1" smtClean="0">
+              <a:rPr lang="ru-RU" dirty="0" err="1">
                 <a:latin typeface="Century Gothic" panose="020B0502020202020204" pitchFamily="34" charset="0"/>
               </a:rPr>
               <a:t>Кадиленко</a:t>
             </a:r>
             <a:r>
-              <a:rPr lang="ru-RU" dirty="0" smtClean="0">
+              <a:rPr lang="ru-RU" dirty="0">
                 <a:latin typeface="Century Gothic" panose="020B0502020202020204" pitchFamily="34" charset="0"/>
               </a:rPr>
               <a:t> Иван, </a:t>
             </a:r>
             <a:r>
-              <a:rPr lang="ru-RU" dirty="0" err="1" smtClean="0">
+              <a:rPr lang="ru-RU" dirty="0" err="1">
                 <a:latin typeface="Century Gothic" panose="020B0502020202020204" pitchFamily="34" charset="0"/>
               </a:rPr>
               <a:t>Палкин</a:t>
             </a:r>
             <a:r>
-              <a:rPr lang="ru-RU" dirty="0" smtClean="0">
+              <a:rPr lang="ru-RU" dirty="0">
                 <a:latin typeface="Century Gothic" panose="020B0502020202020204" pitchFamily="34" charset="0"/>
               </a:rPr>
               <a:t> Егор, Федякин</a:t>
             </a:r>
             <a:r>
-              <a:rPr lang="en-US" dirty="0" smtClean="0">
+              <a:rPr lang="en-US" dirty="0">
                 <a:latin typeface="Century Gothic" panose="020B0502020202020204" pitchFamily="34" charset="0"/>
               </a:rPr>
               <a:t> </a:t>
             </a:r>
             <a:r>
-              <a:rPr lang="ru-RU" dirty="0" smtClean="0">
+              <a:rPr lang="ru-RU" dirty="0">
                 <a:latin typeface="Century Gothic" panose="020B0502020202020204" pitchFamily="34" charset="0"/>
               </a:rPr>
               <a:t>Дмитрий,</a:t>
             </a:r>
-            <a:endParaRPr lang="ru-RU" dirty="0" smtClean="0">
-              <a:latin typeface="Century Gothic" panose="020B0502020202020204" pitchFamily="34" charset="0"/>
-            </a:endParaRPr>
           </a:p>
           <a:p>
             <a:r>
               <a:rPr lang="ru-RU" dirty="0">
                 <a:latin typeface="Century Gothic" panose="020B0502020202020204" pitchFamily="34" charset="0"/>
               </a:rPr>
-              <a:t> Елизарьев </a:t>
-            </a:r>
-            <a:r>
-              <a:rPr lang="ru-RU" dirty="0" smtClean="0">
+              <a:t> Елизарьев Ярослав, Фишер</a:t>
+            </a:r>
+            <a:r>
+              <a:rPr lang="en-US" dirty="0">
                 <a:latin typeface="Century Gothic" panose="020B0502020202020204" pitchFamily="34" charset="0"/>
               </a:rPr>
-              <a:t>Ярослав</a:t>
+              <a:t> </a:t>
             </a:r>
             <a:r>
               <a:rPr lang="ru-RU" dirty="0">
                 <a:latin typeface="Century Gothic" panose="020B0502020202020204" pitchFamily="34" charset="0"/>
               </a:rPr>
-              <a:t>, </a:t>
-            </a:r>
-            <a:r>
-              <a:rPr lang="ru-RU" dirty="0" smtClean="0">
-                <a:latin typeface="Century Gothic" panose="020B0502020202020204" pitchFamily="34" charset="0"/>
-              </a:rPr>
-              <a:t>Фишер</a:t>
-            </a:r>
-            <a:r>
-              <a:rPr lang="en-US" dirty="0" smtClean="0">
-                <a:latin typeface="Century Gothic" panose="020B0502020202020204" pitchFamily="34" charset="0"/>
-              </a:rPr>
-              <a:t> </a:t>
-            </a:r>
-            <a:r>
-              <a:rPr lang="ru-RU" dirty="0" smtClean="0">
-                <a:latin typeface="Century Gothic" panose="020B0502020202020204" pitchFamily="34" charset="0"/>
-              </a:rPr>
               <a:t>Даниил</a:t>
             </a:r>
-            <a:endParaRPr lang="ru-RU" dirty="0">
-              <a:latin typeface="Century Gothic" panose="020B0502020202020204" pitchFamily="34" charset="0"/>
-            </a:endParaRPr>
           </a:p>
         </p:txBody>
       </p:sp>
@@ -3700,47 +3663,9 @@
           <a:chExt cx="0" cy="0"/>
         </a:xfrm>
       </p:grpSpPr>
-      <p:sp>
-        <p:nvSpPr>
-          <p:cNvPr id="2" name="Заголовок 1"/>
-          <p:cNvSpPr>
-            <a:spLocks noGrp="1"/>
-          </p:cNvSpPr>
-          <p:nvPr>
-            <p:ph type="title"/>
-          </p:nvPr>
-        </p:nvSpPr>
-        <p:spPr/>
-        <p:txBody>
-          <a:bodyPr/>
-          <a:lstStyle/>
-          <a:p>
-            <a:endParaRPr lang="ru-RU"/>
-          </a:p>
-        </p:txBody>
-      </p:sp>
-      <p:sp>
-        <p:nvSpPr>
-          <p:cNvPr id="3" name="Объект 2"/>
-          <p:cNvSpPr>
-            <a:spLocks noGrp="1"/>
-          </p:cNvSpPr>
-          <p:nvPr>
-            <p:ph idx="1"/>
-          </p:nvPr>
-        </p:nvSpPr>
-        <p:spPr/>
-        <p:txBody>
-          <a:bodyPr/>
-          <a:lstStyle/>
-          <a:p>
-            <a:endParaRPr lang="ru-RU"/>
-          </a:p>
-        </p:txBody>
-      </p:sp>
       <p:pic>
         <p:nvPicPr>
-          <p:cNvPr id="7170" name="Picture 2" descr="https://cdn.discordapp.com/attachments/1177615439904378960/1180188742183563374/image.png"/>
+          <p:cNvPr id="6146" name="Picture 2" descr="https://cdn.discordapp.com/attachments/1177615439904378960/1180188742540087346/image.png"/>
           <p:cNvPicPr>
             <a:picLocks noChangeAspect="1" noChangeArrowheads="1"/>
           </p:cNvPicPr>
@@ -3754,13 +3679,13 @@
               </a:ext>
             </a:extLst>
           </a:blip>
-          <a:srcRect l="1218" t="2127" r="1147" b="1781"/>
+          <a:srcRect l="1089" t="1185" r="1008" b="1312"/>
           <a:stretch/>
         </p:blipFill>
         <p:spPr bwMode="auto">
           <a:xfrm>
-            <a:off x="1496290" y="2302"/>
-            <a:ext cx="9199419" cy="6855698"/>
+            <a:off x="1505527" y="-1"/>
+            <a:ext cx="9168984" cy="6858001"/>
           </a:xfrm>
           <a:prstGeom prst="rect">
             <a:avLst/>
@@ -3780,7 +3705,7 @@
     </p:spTree>
     <p:extLst>
       <p:ext uri="{BB962C8B-B14F-4D97-AF65-F5344CB8AC3E}">
-        <p14:creationId xmlns:p14="http://schemas.microsoft.com/office/powerpoint/2010/main" val="1403398718"/>
+        <p14:creationId xmlns:p14="http://schemas.microsoft.com/office/powerpoint/2010/main" val="205854176"/>
       </p:ext>
     </p:extLst>
   </p:cSld>
@@ -3814,64 +3739,15 @@
           <a:chExt cx="0" cy="0"/>
         </a:xfrm>
       </p:grpSpPr>
-      <p:sp>
-        <p:nvSpPr>
-          <p:cNvPr id="2" name="Заголовок 1">
-            <a:extLst>
-              <a:ext uri="{FF2B5EF4-FFF2-40B4-BE49-F238E27FC236}">
-                <a16:creationId xmlns:a16="http://schemas.microsoft.com/office/drawing/2014/main" id="{786C4923-C308-4DA9-AE4A-8888B01EBB72}"/>
-              </a:ext>
-            </a:extLst>
-          </p:cNvPr>
-          <p:cNvSpPr>
-            <a:spLocks noGrp="1"/>
-          </p:cNvSpPr>
-          <p:nvPr>
-            <p:ph type="ctrTitle"/>
-          </p:nvPr>
-        </p:nvSpPr>
-        <p:spPr/>
-        <p:txBody>
-          <a:bodyPr/>
-          <a:lstStyle/>
-          <a:p>
-            <a:endParaRPr lang="ru-RU" dirty="0"/>
-          </a:p>
-        </p:txBody>
-      </p:sp>
-      <p:sp>
-        <p:nvSpPr>
-          <p:cNvPr id="3" name="Подзаголовок 2">
-            <a:extLst>
-              <a:ext uri="{FF2B5EF4-FFF2-40B4-BE49-F238E27FC236}">
-                <a16:creationId xmlns:a16="http://schemas.microsoft.com/office/drawing/2014/main" id="{DB057B8E-A7C9-431D-B081-B11349C80C79}"/>
-              </a:ext>
-            </a:extLst>
-          </p:cNvPr>
-          <p:cNvSpPr>
-            <a:spLocks noGrp="1"/>
-          </p:cNvSpPr>
-          <p:nvPr>
-            <p:ph type="subTitle" idx="1"/>
-          </p:nvPr>
-        </p:nvSpPr>
-        <p:spPr>
-          <a:xfrm>
-            <a:off x="1524000" y="3602038"/>
-            <a:ext cx="9144000" cy="1655762"/>
-          </a:xfrm>
-        </p:spPr>
-        <p:txBody>
-          <a:bodyPr/>
-          <a:lstStyle/>
-          <a:p>
-            <a:endParaRPr lang="ru-RU"/>
-          </a:p>
-        </p:txBody>
-      </p:sp>
       <p:pic>
         <p:nvPicPr>
-          <p:cNvPr id="8194" name="Picture 2" descr="https://cdn.discordapp.com/attachments/1177615439904378960/1180195485630337165/image.png"/>
+          <p:cNvPr id="1028" name="Picture 4" descr="https://cdn.discordapp.com/attachments/1172499672955355157/1179888279043199067/red-business-border-modern-background-design-vector_53876-157563.png">
+            <a:extLst>
+              <a:ext uri="{FF2B5EF4-FFF2-40B4-BE49-F238E27FC236}">
+                <a16:creationId xmlns:a16="http://schemas.microsoft.com/office/drawing/2014/main" id="{D4C27342-9A26-43F2-9FC7-B6813D7F4497}"/>
+              </a:ext>
+            </a:extLst>
+          </p:cNvPr>
           <p:cNvPicPr>
             <a:picLocks noChangeAspect="1" noChangeArrowheads="1"/>
           </p:cNvPicPr>
@@ -3880,6 +3756,31 @@
         <p:blipFill>
           <a:blip r:embed="rId2">
             <a:extLst>
+              <a:ext uri="{BEBA8EAE-BF5A-486C-A8C5-ECC9F3942E4B}">
+                <a14:imgProps xmlns:a14="http://schemas.microsoft.com/office/drawing/2010/main">
+                  <a14:imgLayer r:embed="rId3">
+                    <a14:imgEffect>
+                      <a14:backgroundRemoval t="10000" b="96250" l="389" r="90000">
+                        <a14:foregroundMark x1="1611" y1="66917" x2="8611" y2="77833"/>
+                        <a14:foregroundMark x1="8611" y1="77833" x2="11111" y2="80167"/>
+                        <a14:foregroundMark x1="1722" y1="66167" x2="4167" y2="75750"/>
+                        <a14:foregroundMark x1="20111" y1="89750" x2="23833" y2="95167"/>
+                        <a14:foregroundMark x1="23833" y1="95167" x2="25278" y2="96333"/>
+                        <a14:foregroundMark x1="3389" y1="84833" x2="10111" y2="94500"/>
+                        <a14:foregroundMark x1="10111" y1="94500" x2="10389" y2="94667"/>
+                        <a14:foregroundMark x1="3111" y1="88833" x2="6111" y2="93667"/>
+                        <a14:foregroundMark x1="389" y1="83500" x2="1944" y2="88417"/>
+                        <a14:foregroundMark x1="5389" y1="90667" x2="8556" y2="95833"/>
+                        <a14:foregroundMark x1="8556" y1="95833" x2="9000" y2="96000"/>
+                        <a14:backgroundMark x1="2389" y1="60583" x2="3778" y2="63917"/>
+                        <a14:backgroundMark x1="11278" y1="62750" x2="13500" y2="68917"/>
+                        <a14:backgroundMark x1="13500" y1="68917" x2="14167" y2="69833"/>
+                        <a14:backgroundMark x1="2444" y1="96333" x2="4056" y2="98750"/>
+                      </a14:backgroundRemoval>
+                    </a14:imgEffect>
+                  </a14:imgLayer>
+                </a14:imgProps>
+              </a:ext>
               <a:ext uri="{28A0092B-C50C-407E-A947-70E740481C1C}">
                 <a14:useLocalDpi xmlns:a14="http://schemas.microsoft.com/office/drawing/2010/main" val="0"/>
               </a:ext>
@@ -3892,8 +3793,8 @@
         </p:blipFill>
         <p:spPr bwMode="auto">
           <a:xfrm>
-            <a:off x="568419" y="0"/>
-            <a:ext cx="11364963" cy="6858000"/>
+            <a:off x="0" y="1122363"/>
+            <a:ext cx="8603456" cy="5735637"/>
           </a:xfrm>
           <a:prstGeom prst="rect">
             <a:avLst/>
@@ -3910,10 +3811,154 @@
           </a:extLst>
         </p:spPr>
       </p:pic>
+      <p:pic>
+        <p:nvPicPr>
+          <p:cNvPr id="1034" name="Picture 10" descr="https://cdn.discordapp.com/attachments/1172499672955355157/1179888279043199067/red-business-border-modern-background-design-vector_53876-157563.png">
+            <a:extLst>
+              <a:ext uri="{FF2B5EF4-FFF2-40B4-BE49-F238E27FC236}">
+                <a16:creationId xmlns:a16="http://schemas.microsoft.com/office/drawing/2014/main" id="{159144C8-BAB4-4FAC-9BA8-B448ACD3C7BF}"/>
+              </a:ext>
+            </a:extLst>
+          </p:cNvPr>
+          <p:cNvPicPr>
+            <a:picLocks noChangeAspect="1" noChangeArrowheads="1"/>
+          </p:cNvPicPr>
+          <p:nvPr/>
+        </p:nvPicPr>
+        <p:blipFill>
+          <a:blip r:embed="rId4">
+            <a:extLst>
+              <a:ext uri="{BEBA8EAE-BF5A-486C-A8C5-ECC9F3942E4B}">
+                <a14:imgProps xmlns:a14="http://schemas.microsoft.com/office/drawing/2010/main">
+                  <a14:imgLayer r:embed="rId3">
+                    <a14:imgEffect>
+                      <a14:backgroundRemoval t="250" b="90000" l="10000" r="98944">
+                        <a14:foregroundMark x1="65889" y1="5000" x2="71889" y2="16083"/>
+                        <a14:foregroundMark x1="71889" y1="16083" x2="72778" y2="17167"/>
+                        <a14:foregroundMark x1="82611" y1="26167" x2="88389" y2="33750"/>
+                        <a14:foregroundMark x1="86778" y1="33417" x2="95278" y2="46083"/>
+                        <a14:foregroundMark x1="62667" y1="333" x2="63278" y2="667"/>
+                        <a14:foregroundMark x1="66722" y1="500" x2="79444" y2="15500"/>
+                        <a14:foregroundMark x1="74389" y1="3583" x2="88889" y2="22583"/>
+                        <a14:foregroundMark x1="72000" y1="2667" x2="98278" y2="36667"/>
+                        <a14:foregroundMark x1="79667" y1="3417" x2="94889" y2="29083"/>
+                        <a14:foregroundMark x1="94500" y1="17417" x2="97833" y2="41167"/>
+                        <a14:foregroundMark x1="97833" y1="41167" x2="97833" y2="41333"/>
+                        <a14:foregroundMark x1="97444" y1="42500" x2="98944" y2="49667"/>
+                        <a14:foregroundMark x1="96444" y1="41833" x2="91056" y2="32667"/>
+                        <a14:foregroundMark x1="95889" y1="42500" x2="89500" y2="32333"/>
+                        <a14:foregroundMark x1="97278" y1="3500" x2="98500" y2="1583"/>
+                        <a14:foregroundMark x1="95833" y1="5333" x2="96889" y2="4500"/>
+                        <a14:backgroundMark x1="91111" y1="68000" x2="91667" y2="66583"/>
+                      </a14:backgroundRemoval>
+                    </a14:imgEffect>
+                  </a14:imgLayer>
+                </a14:imgProps>
+              </a:ext>
+              <a:ext uri="{28A0092B-C50C-407E-A947-70E740481C1C}">
+                <a14:useLocalDpi xmlns:a14="http://schemas.microsoft.com/office/drawing/2010/main" val="0"/>
+              </a:ext>
+            </a:extLst>
+          </a:blip>
+          <a:srcRect/>
+          <a:stretch>
+            <a:fillRect/>
+          </a:stretch>
+        </p:blipFill>
+        <p:spPr bwMode="auto">
+          <a:xfrm>
+            <a:off x="4619625" y="0"/>
+            <a:ext cx="7572375" cy="5048250"/>
+          </a:xfrm>
+          <a:prstGeom prst="rect">
+            <a:avLst/>
+          </a:prstGeom>
+          <a:noFill/>
+          <a:extLst>
+            <a:ext uri="{909E8E84-426E-40DD-AFC4-6F175D3DCCD1}">
+              <a14:hiddenFill xmlns:a14="http://schemas.microsoft.com/office/drawing/2010/main">
+                <a:solidFill>
+                  <a:srgbClr val="FFFFFF"/>
+                </a:solidFill>
+              </a14:hiddenFill>
+            </a:ext>
+          </a:extLst>
+        </p:spPr>
+      </p:pic>
+      <p:sp>
+        <p:nvSpPr>
+          <p:cNvPr id="6" name="Заголовок 1">
+            <a:extLst>
+              <a:ext uri="{FF2B5EF4-FFF2-40B4-BE49-F238E27FC236}">
+                <a16:creationId xmlns:a16="http://schemas.microsoft.com/office/drawing/2014/main" id="{786C4923-C308-4DA9-AE4A-8888B01EBB72}"/>
+              </a:ext>
+            </a:extLst>
+          </p:cNvPr>
+          <p:cNvSpPr txBox="1">
+            <a:spLocks/>
+          </p:cNvSpPr>
+          <p:nvPr/>
+        </p:nvSpPr>
+        <p:spPr>
+          <a:xfrm>
+            <a:off x="0" y="0"/>
+            <a:ext cx="12192000" cy="6858000"/>
+          </a:xfrm>
+          <a:prstGeom prst="rect">
+            <a:avLst/>
+          </a:prstGeom>
+        </p:spPr>
+        <p:txBody>
+          <a:bodyPr vert="horz" lIns="91440" tIns="45720" rIns="91440" bIns="45720" rtlCol="0" anchor="ctr">
+            <a:normAutofit/>
+          </a:bodyPr>
+          <a:lstStyle>
+            <a:lvl1pPr algn="ctr" defTabSz="914400" rtl="0" eaLnBrk="1" latinLnBrk="0" hangingPunct="1">
+              <a:lnSpc>
+                <a:spcPct val="90000"/>
+              </a:lnSpc>
+              <a:spcBef>
+                <a:spcPct val="0"/>
+              </a:spcBef>
+              <a:buNone/>
+              <a:defRPr sz="6000" kern="1200">
+                <a:solidFill>
+                  <a:schemeClr val="tx1"/>
+                </a:solidFill>
+                <a:latin typeface="+mj-lt"/>
+                <a:ea typeface="+mj-ea"/>
+                <a:cs typeface="+mj-cs"/>
+              </a:defRPr>
+            </a:lvl1pPr>
+          </a:lstStyle>
+          <a:p>
+            <a:r>
+              <a:rPr lang="ru-RU" sz="6600" dirty="0">
+                <a:solidFill>
+                  <a:srgbClr val="FF0000"/>
+                </a:solidFill>
+                <a:latin typeface="Century Gothic" panose="020B0502020202020204" pitchFamily="34" charset="0"/>
+              </a:rPr>
+              <a:t>АНАЛИЗ</a:t>
+            </a:r>
+          </a:p>
+          <a:p>
+            <a:r>
+              <a:rPr lang="ru-RU" sz="6600" dirty="0">
+                <a:solidFill>
+                  <a:srgbClr val="FF0000"/>
+                </a:solidFill>
+                <a:latin typeface="Century Gothic" panose="020B0502020202020204" pitchFamily="34" charset="0"/>
+              </a:rPr>
+              <a:t>ДАННЫХ</a:t>
+            </a:r>
+          </a:p>
+        </p:txBody>
+      </p:sp>
     </p:spTree>
     <p:extLst>
       <p:ext uri="{BB962C8B-B14F-4D97-AF65-F5344CB8AC3E}">
-        <p14:creationId xmlns:p14="http://schemas.microsoft.com/office/powerpoint/2010/main" val="3488200049"/>
+        <p14:creationId xmlns:p14="http://schemas.microsoft.com/office/powerpoint/2010/main" val="1941453152"/>
       </p:ext>
     </p:extLst>
   </p:cSld>
@@ -3949,12 +3994,18 @@
       </p:grpSpPr>
       <p:sp>
         <p:nvSpPr>
-          <p:cNvPr id="2" name="Заголовок 1"/>
+          <p:cNvPr id="2" name="Заголовок 1">
+            <a:extLst>
+              <a:ext uri="{FF2B5EF4-FFF2-40B4-BE49-F238E27FC236}">
+                <a16:creationId xmlns:a16="http://schemas.microsoft.com/office/drawing/2014/main" id="{786C4923-C308-4DA9-AE4A-8888B01EBB72}"/>
+              </a:ext>
+            </a:extLst>
+          </p:cNvPr>
           <p:cNvSpPr>
             <a:spLocks noGrp="1"/>
           </p:cNvSpPr>
           <p:nvPr>
-            <p:ph type="title"/>
+            <p:ph type="ctrTitle"/>
           </p:nvPr>
         </p:nvSpPr>
         <p:spPr/>
@@ -3962,21 +4013,32 @@
           <a:bodyPr/>
           <a:lstStyle/>
           <a:p>
-            <a:endParaRPr lang="ru-RU"/>
-          </a:p>
-        </p:txBody>
-      </p:sp>
-      <p:sp>
-        <p:nvSpPr>
-          <p:cNvPr id="3" name="Объект 2"/>
+            <a:endParaRPr lang="ru-RU" dirty="0"/>
+          </a:p>
+        </p:txBody>
+      </p:sp>
+      <p:sp>
+        <p:nvSpPr>
+          <p:cNvPr id="3" name="Подзаголовок 2">
+            <a:extLst>
+              <a:ext uri="{FF2B5EF4-FFF2-40B4-BE49-F238E27FC236}">
+                <a16:creationId xmlns:a16="http://schemas.microsoft.com/office/drawing/2014/main" id="{DB057B8E-A7C9-431D-B081-B11349C80C79}"/>
+              </a:ext>
+            </a:extLst>
+          </p:cNvPr>
           <p:cNvSpPr>
             <a:spLocks noGrp="1"/>
           </p:cNvSpPr>
           <p:nvPr>
-            <p:ph idx="1"/>
+            <p:ph type="subTitle" idx="1"/>
           </p:nvPr>
         </p:nvSpPr>
-        <p:spPr/>
+        <p:spPr>
+          <a:xfrm>
+            <a:off x="1524000" y="3602038"/>
+            <a:ext cx="9144000" cy="1655762"/>
+          </a:xfrm>
+        </p:spPr>
         <p:txBody>
           <a:bodyPr/>
           <a:lstStyle/>
@@ -3987,7 +4049,7 @@
       </p:sp>
       <p:pic>
         <p:nvPicPr>
-          <p:cNvPr id="9218" name="Picture 2" descr="https://cdn.discordapp.com/attachments/1177615439904378960/1180193436972888094/image.png"/>
+          <p:cNvPr id="8194" name="Picture 2" descr="https://cdn.discordapp.com/attachments/1177615439904378960/1180195485630337165/image.png"/>
           <p:cNvPicPr>
             <a:picLocks noChangeAspect="1" noChangeArrowheads="1"/>
           </p:cNvPicPr>
@@ -4008,8 +4070,8 @@
         </p:blipFill>
         <p:spPr bwMode="auto">
           <a:xfrm>
-            <a:off x="739775" y="0"/>
-            <a:ext cx="10614025" cy="6900794"/>
+            <a:off x="568419" y="0"/>
+            <a:ext cx="11364963" cy="6858000"/>
           </a:xfrm>
           <a:prstGeom prst="rect">
             <a:avLst/>
@@ -4029,7 +4091,7 @@
     </p:spTree>
     <p:extLst>
       <p:ext uri="{BB962C8B-B14F-4D97-AF65-F5344CB8AC3E}">
-        <p14:creationId xmlns:p14="http://schemas.microsoft.com/office/powerpoint/2010/main" val="1102989863"/>
+        <p14:creationId xmlns:p14="http://schemas.microsoft.com/office/powerpoint/2010/main" val="3488200049"/>
       </p:ext>
     </p:extLst>
   </p:cSld>
@@ -4063,15 +4125,64 @@
           <a:chExt cx="0" cy="0"/>
         </a:xfrm>
       </p:grpSpPr>
+      <p:sp>
+        <p:nvSpPr>
+          <p:cNvPr id="2" name="Заголовок 1">
+            <a:extLst>
+              <a:ext uri="{FF2B5EF4-FFF2-40B4-BE49-F238E27FC236}">
+                <a16:creationId xmlns:a16="http://schemas.microsoft.com/office/drawing/2014/main" id="{786C4923-C308-4DA9-AE4A-8888B01EBB72}"/>
+              </a:ext>
+            </a:extLst>
+          </p:cNvPr>
+          <p:cNvSpPr>
+            <a:spLocks noGrp="1"/>
+          </p:cNvSpPr>
+          <p:nvPr>
+            <p:ph type="ctrTitle"/>
+          </p:nvPr>
+        </p:nvSpPr>
+        <p:spPr/>
+        <p:txBody>
+          <a:bodyPr/>
+          <a:lstStyle/>
+          <a:p>
+            <a:endParaRPr lang="ru-RU" dirty="0"/>
+          </a:p>
+        </p:txBody>
+      </p:sp>
+      <p:sp>
+        <p:nvSpPr>
+          <p:cNvPr id="3" name="Подзаголовок 2">
+            <a:extLst>
+              <a:ext uri="{FF2B5EF4-FFF2-40B4-BE49-F238E27FC236}">
+                <a16:creationId xmlns:a16="http://schemas.microsoft.com/office/drawing/2014/main" id="{DB057B8E-A7C9-431D-B081-B11349C80C79}"/>
+              </a:ext>
+            </a:extLst>
+          </p:cNvPr>
+          <p:cNvSpPr>
+            <a:spLocks noGrp="1"/>
+          </p:cNvSpPr>
+          <p:nvPr>
+            <p:ph type="subTitle" idx="1"/>
+          </p:nvPr>
+        </p:nvSpPr>
+        <p:spPr>
+          <a:xfrm>
+            <a:off x="1524000" y="3602038"/>
+            <a:ext cx="9144000" cy="1655762"/>
+          </a:xfrm>
+        </p:spPr>
+        <p:txBody>
+          <a:bodyPr/>
+          <a:lstStyle/>
+          <a:p>
+            <a:endParaRPr lang="ru-RU"/>
+          </a:p>
+        </p:txBody>
+      </p:sp>
       <p:pic>
         <p:nvPicPr>
-          <p:cNvPr id="1028" name="Picture 4" descr="https://cdn.discordapp.com/attachments/1172499672955355157/1179888279043199067/red-business-border-modern-background-design-vector_53876-157563.png">
-            <a:extLst>
-              <a:ext uri="{FF2B5EF4-FFF2-40B4-BE49-F238E27FC236}">
-                <a16:creationId xmlns:a16="http://schemas.microsoft.com/office/drawing/2014/main" id="{D4C27342-9A26-43F2-9FC7-B6813D7F4497}"/>
-              </a:ext>
-            </a:extLst>
-          </p:cNvPr>
+          <p:cNvPr id="12290" name="Picture 2" descr="https://cdn.discordapp.com/attachments/1172499672955355157/1180234460478849165/otdeleniya.png"/>
           <p:cNvPicPr>
             <a:picLocks noChangeAspect="1" noChangeArrowheads="1"/>
           </p:cNvPicPr>
@@ -4080,31 +4191,6 @@
         <p:blipFill>
           <a:blip r:embed="rId2">
             <a:extLst>
-              <a:ext uri="{BEBA8EAE-BF5A-486C-A8C5-ECC9F3942E4B}">
-                <a14:imgProps xmlns:a14="http://schemas.microsoft.com/office/drawing/2010/main">
-                  <a14:imgLayer r:embed="rId3">
-                    <a14:imgEffect>
-                      <a14:backgroundRemoval t="10000" b="96250" l="389" r="90000">
-                        <a14:foregroundMark x1="1611" y1="66917" x2="8611" y2="77833"/>
-                        <a14:foregroundMark x1="8611" y1="77833" x2="11111" y2="80167"/>
-                        <a14:foregroundMark x1="1722" y1="66167" x2="4167" y2="75750"/>
-                        <a14:foregroundMark x1="20111" y1="89750" x2="23833" y2="95167"/>
-                        <a14:foregroundMark x1="23833" y1="95167" x2="25278" y2="96333"/>
-                        <a14:foregroundMark x1="3389" y1="84833" x2="10111" y2="94500"/>
-                        <a14:foregroundMark x1="10111" y1="94500" x2="10389" y2="94667"/>
-                        <a14:foregroundMark x1="3111" y1="88833" x2="6111" y2="93667"/>
-                        <a14:foregroundMark x1="389" y1="83500" x2="1944" y2="88417"/>
-                        <a14:foregroundMark x1="5389" y1="90667" x2="8556" y2="95833"/>
-                        <a14:foregroundMark x1="8556" y1="95833" x2="9000" y2="96000"/>
-                        <a14:backgroundMark x1="2389" y1="60583" x2="3778" y2="63917"/>
-                        <a14:backgroundMark x1="11278" y1="62750" x2="13500" y2="68917"/>
-                        <a14:backgroundMark x1="13500" y1="68917" x2="14167" y2="69833"/>
-                        <a14:backgroundMark x1="2444" y1="96333" x2="4056" y2="98750"/>
-                      </a14:backgroundRemoval>
-                    </a14:imgEffect>
-                  </a14:imgLayer>
-                </a14:imgProps>
-              </a:ext>
               <a:ext uri="{28A0092B-C50C-407E-A947-70E740481C1C}">
                 <a14:useLocalDpi xmlns:a14="http://schemas.microsoft.com/office/drawing/2010/main" val="0"/>
               </a:ext>
@@ -4117,8 +4203,8 @@
         </p:blipFill>
         <p:spPr bwMode="auto">
           <a:xfrm>
-            <a:off x="0" y="1122363"/>
-            <a:ext cx="8603456" cy="5735637"/>
+            <a:off x="1822938" y="0"/>
+            <a:ext cx="8546123" cy="6858000"/>
           </a:xfrm>
           <a:prstGeom prst="rect">
             <a:avLst/>
@@ -4135,204 +4221,10 @@
           </a:extLst>
         </p:spPr>
       </p:pic>
-      <p:pic>
-        <p:nvPicPr>
-          <p:cNvPr id="1034" name="Picture 10" descr="https://cdn.discordapp.com/attachments/1172499672955355157/1179888279043199067/red-business-border-modern-background-design-vector_53876-157563.png">
-            <a:extLst>
-              <a:ext uri="{FF2B5EF4-FFF2-40B4-BE49-F238E27FC236}">
-                <a16:creationId xmlns:a16="http://schemas.microsoft.com/office/drawing/2014/main" id="{159144C8-BAB4-4FAC-9BA8-B448ACD3C7BF}"/>
-              </a:ext>
-            </a:extLst>
-          </p:cNvPr>
-          <p:cNvPicPr>
-            <a:picLocks noChangeAspect="1" noChangeArrowheads="1"/>
-          </p:cNvPicPr>
-          <p:nvPr/>
-        </p:nvPicPr>
-        <p:blipFill>
-          <a:blip r:embed="rId4">
-            <a:extLst>
-              <a:ext uri="{BEBA8EAE-BF5A-486C-A8C5-ECC9F3942E4B}">
-                <a14:imgProps xmlns:a14="http://schemas.microsoft.com/office/drawing/2010/main">
-                  <a14:imgLayer r:embed="rId3">
-                    <a14:imgEffect>
-                      <a14:backgroundRemoval t="250" b="90000" l="10000" r="98944">
-                        <a14:foregroundMark x1="65889" y1="5000" x2="71889" y2="16083"/>
-                        <a14:foregroundMark x1="71889" y1="16083" x2="72778" y2="17167"/>
-                        <a14:foregroundMark x1="82611" y1="26167" x2="88389" y2="33750"/>
-                        <a14:foregroundMark x1="86778" y1="33417" x2="95278" y2="46083"/>
-                        <a14:foregroundMark x1="62667" y1="333" x2="63278" y2="667"/>
-                        <a14:foregroundMark x1="66722" y1="500" x2="79444" y2="15500"/>
-                        <a14:foregroundMark x1="74389" y1="3583" x2="88889" y2="22583"/>
-                        <a14:foregroundMark x1="72000" y1="2667" x2="98278" y2="36667"/>
-                        <a14:foregroundMark x1="79667" y1="3417" x2="94889" y2="29083"/>
-                        <a14:foregroundMark x1="94500" y1="17417" x2="97833" y2="41167"/>
-                        <a14:foregroundMark x1="97833" y1="41167" x2="97833" y2="41333"/>
-                        <a14:foregroundMark x1="97444" y1="42500" x2="98944" y2="49667"/>
-                        <a14:foregroundMark x1="96444" y1="41833" x2="91056" y2="32667"/>
-                        <a14:foregroundMark x1="95889" y1="42500" x2="89500" y2="32333"/>
-                        <a14:foregroundMark x1="97278" y1="3500" x2="98500" y2="1583"/>
-                        <a14:foregroundMark x1="95833" y1="5333" x2="96889" y2="4500"/>
-                        <a14:backgroundMark x1="91111" y1="68000" x2="91667" y2="66583"/>
-                      </a14:backgroundRemoval>
-                    </a14:imgEffect>
-                  </a14:imgLayer>
-                </a14:imgProps>
-              </a:ext>
-              <a:ext uri="{28A0092B-C50C-407E-A947-70E740481C1C}">
-                <a14:useLocalDpi xmlns:a14="http://schemas.microsoft.com/office/drawing/2010/main" val="0"/>
-              </a:ext>
-            </a:extLst>
-          </a:blip>
-          <a:srcRect/>
-          <a:stretch>
-            <a:fillRect/>
-          </a:stretch>
-        </p:blipFill>
-        <p:spPr bwMode="auto">
-          <a:xfrm>
-            <a:off x="4619625" y="0"/>
-            <a:ext cx="7572375" cy="5048250"/>
-          </a:xfrm>
-          <a:prstGeom prst="rect">
-            <a:avLst/>
-          </a:prstGeom>
-          <a:noFill/>
-          <a:extLst>
-            <a:ext uri="{909E8E84-426E-40DD-AFC4-6F175D3DCCD1}">
-              <a14:hiddenFill xmlns:a14="http://schemas.microsoft.com/office/drawing/2010/main">
-                <a:solidFill>
-                  <a:srgbClr val="FFFFFF"/>
-                </a:solidFill>
-              </a14:hiddenFill>
-            </a:ext>
-          </a:extLst>
-        </p:spPr>
-      </p:pic>
-      <p:sp>
-        <p:nvSpPr>
-          <p:cNvPr id="2" name="Заголовок 1">
-            <a:extLst>
-              <a:ext uri="{FF2B5EF4-FFF2-40B4-BE49-F238E27FC236}">
-                <a16:creationId xmlns:a16="http://schemas.microsoft.com/office/drawing/2014/main" id="{786C4923-C308-4DA9-AE4A-8888B01EBB72}"/>
-              </a:ext>
-            </a:extLst>
-          </p:cNvPr>
-          <p:cNvSpPr>
-            <a:spLocks noGrp="1"/>
-          </p:cNvSpPr>
-          <p:nvPr>
-            <p:ph type="ctrTitle"/>
-          </p:nvPr>
-        </p:nvSpPr>
-        <p:spPr/>
-        <p:txBody>
-          <a:bodyPr/>
-          <a:lstStyle/>
-          <a:p>
-            <a:endParaRPr lang="ru-RU" dirty="0"/>
-          </a:p>
-        </p:txBody>
-      </p:sp>
-      <p:sp>
-        <p:nvSpPr>
-          <p:cNvPr id="3" name="Подзаголовок 2">
-            <a:extLst>
-              <a:ext uri="{FF2B5EF4-FFF2-40B4-BE49-F238E27FC236}">
-                <a16:creationId xmlns:a16="http://schemas.microsoft.com/office/drawing/2014/main" id="{DB057B8E-A7C9-431D-B081-B11349C80C79}"/>
-              </a:ext>
-            </a:extLst>
-          </p:cNvPr>
-          <p:cNvSpPr>
-            <a:spLocks noGrp="1"/>
-          </p:cNvSpPr>
-          <p:nvPr>
-            <p:ph type="subTitle" idx="1"/>
-          </p:nvPr>
-        </p:nvSpPr>
-        <p:spPr>
-          <a:xfrm>
-            <a:off x="1524000" y="3602038"/>
-            <a:ext cx="9144000" cy="1655762"/>
-          </a:xfrm>
-        </p:spPr>
-        <p:txBody>
-          <a:bodyPr/>
-          <a:lstStyle/>
-          <a:p>
-            <a:endParaRPr lang="ru-RU"/>
-          </a:p>
-        </p:txBody>
-      </p:sp>
-      <p:sp>
-        <p:nvSpPr>
-          <p:cNvPr id="6" name="Заголовок 1">
-            <a:extLst>
-              <a:ext uri="{FF2B5EF4-FFF2-40B4-BE49-F238E27FC236}">
-                <a16:creationId xmlns:a16="http://schemas.microsoft.com/office/drawing/2014/main" id="{786C4923-C308-4DA9-AE4A-8888B01EBB72}"/>
-              </a:ext>
-            </a:extLst>
-          </p:cNvPr>
-          <p:cNvSpPr txBox="1">
-            <a:spLocks/>
-          </p:cNvSpPr>
-          <p:nvPr/>
-        </p:nvSpPr>
-        <p:spPr>
-          <a:xfrm>
-            <a:off x="0" y="0"/>
-            <a:ext cx="12192000" cy="6858000"/>
-          </a:xfrm>
-          <a:prstGeom prst="rect">
-            <a:avLst/>
-          </a:prstGeom>
-        </p:spPr>
-        <p:txBody>
-          <a:bodyPr vert="horz" lIns="91440" tIns="45720" rIns="91440" bIns="45720" rtlCol="0" anchor="ctr">
-            <a:normAutofit/>
-          </a:bodyPr>
-          <a:lstStyle>
-            <a:lvl1pPr algn="ctr" defTabSz="914400" rtl="0" eaLnBrk="1" latinLnBrk="0" hangingPunct="1">
-              <a:lnSpc>
-                <a:spcPct val="90000"/>
-              </a:lnSpc>
-              <a:spcBef>
-                <a:spcPct val="0"/>
-              </a:spcBef>
-              <a:buNone/>
-              <a:defRPr sz="6000" kern="1200">
-                <a:solidFill>
-                  <a:schemeClr val="tx1"/>
-                </a:solidFill>
-                <a:latin typeface="+mj-lt"/>
-                <a:ea typeface="+mj-ea"/>
-                <a:cs typeface="+mj-cs"/>
-              </a:defRPr>
-            </a:lvl1pPr>
-          </a:lstStyle>
-          <a:p>
-            <a:r>
-              <a:rPr lang="ru-RU" sz="6600" dirty="0" smtClean="0">
-                <a:solidFill>
-                  <a:srgbClr val="FF0000"/>
-                </a:solidFill>
-                <a:latin typeface="Century Gothic" panose="020B0502020202020204" pitchFamily="34" charset="0"/>
-              </a:rPr>
-              <a:t>НЕИНТЕРПРЕТИРУЕМАЯ МОДЕЛЬ</a:t>
-            </a:r>
-            <a:endParaRPr lang="ru-RU" sz="7200" dirty="0">
-              <a:solidFill>
-                <a:srgbClr val="FF0000"/>
-              </a:solidFill>
-              <a:latin typeface="Century Gothic" panose="020B0502020202020204" pitchFamily="34" charset="0"/>
-            </a:endParaRPr>
-          </a:p>
-        </p:txBody>
-      </p:sp>
     </p:spTree>
     <p:extLst>
       <p:ext uri="{BB962C8B-B14F-4D97-AF65-F5344CB8AC3E}">
-        <p14:creationId xmlns:p14="http://schemas.microsoft.com/office/powerpoint/2010/main" val="1602038733"/>
+        <p14:creationId xmlns:p14="http://schemas.microsoft.com/office/powerpoint/2010/main" val="1204844641"/>
       </p:ext>
     </p:extLst>
   </p:cSld>
@@ -4366,15 +4258,47 @@
           <a:chExt cx="0" cy="0"/>
         </a:xfrm>
       </p:grpSpPr>
+      <p:sp>
+        <p:nvSpPr>
+          <p:cNvPr id="2" name="Заголовок 1"/>
+          <p:cNvSpPr>
+            <a:spLocks noGrp="1"/>
+          </p:cNvSpPr>
+          <p:nvPr>
+            <p:ph type="title"/>
+          </p:nvPr>
+        </p:nvSpPr>
+        <p:spPr/>
+        <p:txBody>
+          <a:bodyPr/>
+          <a:lstStyle/>
+          <a:p>
+            <a:endParaRPr lang="ru-RU"/>
+          </a:p>
+        </p:txBody>
+      </p:sp>
+      <p:sp>
+        <p:nvSpPr>
+          <p:cNvPr id="3" name="Объект 2"/>
+          <p:cNvSpPr>
+            <a:spLocks noGrp="1"/>
+          </p:cNvSpPr>
+          <p:nvPr>
+            <p:ph idx="1"/>
+          </p:nvPr>
+        </p:nvSpPr>
+        <p:spPr/>
+        <p:txBody>
+          <a:bodyPr/>
+          <a:lstStyle/>
+          <a:p>
+            <a:endParaRPr lang="ru-RU"/>
+          </a:p>
+        </p:txBody>
+      </p:sp>
       <p:pic>
         <p:nvPicPr>
-          <p:cNvPr id="1028" name="Picture 4" descr="https://cdn.discordapp.com/attachments/1172499672955355157/1179888279043199067/red-business-border-modern-background-design-vector_53876-157563.png">
-            <a:extLst>
-              <a:ext uri="{FF2B5EF4-FFF2-40B4-BE49-F238E27FC236}">
-                <a16:creationId xmlns:a16="http://schemas.microsoft.com/office/drawing/2014/main" id="{D4C27342-9A26-43F2-9FC7-B6813D7F4497}"/>
-              </a:ext>
-            </a:extLst>
-          </p:cNvPr>
+          <p:cNvPr id="9218" name="Picture 2" descr="https://cdn.discordapp.com/attachments/1177615439904378960/1180193436972888094/image.png"/>
           <p:cNvPicPr>
             <a:picLocks noChangeAspect="1" noChangeArrowheads="1"/>
           </p:cNvPicPr>
@@ -4383,31 +4307,6 @@
         <p:blipFill>
           <a:blip r:embed="rId2">
             <a:extLst>
-              <a:ext uri="{BEBA8EAE-BF5A-486C-A8C5-ECC9F3942E4B}">
-                <a14:imgProps xmlns:a14="http://schemas.microsoft.com/office/drawing/2010/main">
-                  <a14:imgLayer r:embed="rId3">
-                    <a14:imgEffect>
-                      <a14:backgroundRemoval t="10000" b="96250" l="389" r="90000">
-                        <a14:foregroundMark x1="1611" y1="66917" x2="8611" y2="77833"/>
-                        <a14:foregroundMark x1="8611" y1="77833" x2="11111" y2="80167"/>
-                        <a14:foregroundMark x1="1722" y1="66167" x2="4167" y2="75750"/>
-                        <a14:foregroundMark x1="20111" y1="89750" x2="23833" y2="95167"/>
-                        <a14:foregroundMark x1="23833" y1="95167" x2="25278" y2="96333"/>
-                        <a14:foregroundMark x1="3389" y1="84833" x2="10111" y2="94500"/>
-                        <a14:foregroundMark x1="10111" y1="94500" x2="10389" y2="94667"/>
-                        <a14:foregroundMark x1="3111" y1="88833" x2="6111" y2="93667"/>
-                        <a14:foregroundMark x1="389" y1="83500" x2="1944" y2="88417"/>
-                        <a14:foregroundMark x1="5389" y1="90667" x2="8556" y2="95833"/>
-                        <a14:foregroundMark x1="8556" y1="95833" x2="9000" y2="96000"/>
-                        <a14:backgroundMark x1="2389" y1="60583" x2="3778" y2="63917"/>
-                        <a14:backgroundMark x1="11278" y1="62750" x2="13500" y2="68917"/>
-                        <a14:backgroundMark x1="13500" y1="68917" x2="14167" y2="69833"/>
-                        <a14:backgroundMark x1="2444" y1="96333" x2="4056" y2="98750"/>
-                      </a14:backgroundRemoval>
-                    </a14:imgEffect>
-                  </a14:imgLayer>
-                </a14:imgProps>
-              </a:ext>
               <a:ext uri="{28A0092B-C50C-407E-A947-70E740481C1C}">
                 <a14:useLocalDpi xmlns:a14="http://schemas.microsoft.com/office/drawing/2010/main" val="0"/>
               </a:ext>
@@ -4420,8 +4319,8 @@
         </p:blipFill>
         <p:spPr bwMode="auto">
           <a:xfrm>
-            <a:off x="0" y="1122363"/>
-            <a:ext cx="8603456" cy="5735637"/>
+            <a:off x="739775" y="0"/>
+            <a:ext cx="10614025" cy="6900794"/>
           </a:xfrm>
           <a:prstGeom prst="rect">
             <a:avLst/>
@@ -4438,145 +4337,10 @@
           </a:extLst>
         </p:spPr>
       </p:pic>
-      <p:pic>
-        <p:nvPicPr>
-          <p:cNvPr id="1034" name="Picture 10" descr="https://cdn.discordapp.com/attachments/1172499672955355157/1179888279043199067/red-business-border-modern-background-design-vector_53876-157563.png">
-            <a:extLst>
-              <a:ext uri="{FF2B5EF4-FFF2-40B4-BE49-F238E27FC236}">
-                <a16:creationId xmlns:a16="http://schemas.microsoft.com/office/drawing/2014/main" id="{159144C8-BAB4-4FAC-9BA8-B448ACD3C7BF}"/>
-              </a:ext>
-            </a:extLst>
-          </p:cNvPr>
-          <p:cNvPicPr>
-            <a:picLocks noChangeAspect="1" noChangeArrowheads="1"/>
-          </p:cNvPicPr>
-          <p:nvPr/>
-        </p:nvPicPr>
-        <p:blipFill>
-          <a:blip r:embed="rId4">
-            <a:extLst>
-              <a:ext uri="{BEBA8EAE-BF5A-486C-A8C5-ECC9F3942E4B}">
-                <a14:imgProps xmlns:a14="http://schemas.microsoft.com/office/drawing/2010/main">
-                  <a14:imgLayer r:embed="rId3">
-                    <a14:imgEffect>
-                      <a14:backgroundRemoval t="250" b="90000" l="10000" r="98944">
-                        <a14:foregroundMark x1="65889" y1="5000" x2="71889" y2="16083"/>
-                        <a14:foregroundMark x1="71889" y1="16083" x2="72778" y2="17167"/>
-                        <a14:foregroundMark x1="82611" y1="26167" x2="88389" y2="33750"/>
-                        <a14:foregroundMark x1="86778" y1="33417" x2="95278" y2="46083"/>
-                        <a14:foregroundMark x1="62667" y1="333" x2="63278" y2="667"/>
-                        <a14:foregroundMark x1="66722" y1="500" x2="79444" y2="15500"/>
-                        <a14:foregroundMark x1="74389" y1="3583" x2="88889" y2="22583"/>
-                        <a14:foregroundMark x1="72000" y1="2667" x2="98278" y2="36667"/>
-                        <a14:foregroundMark x1="79667" y1="3417" x2="94889" y2="29083"/>
-                        <a14:foregroundMark x1="94500" y1="17417" x2="97833" y2="41167"/>
-                        <a14:foregroundMark x1="97833" y1="41167" x2="97833" y2="41333"/>
-                        <a14:foregroundMark x1="97444" y1="42500" x2="98944" y2="49667"/>
-                        <a14:foregroundMark x1="96444" y1="41833" x2="91056" y2="32667"/>
-                        <a14:foregroundMark x1="95889" y1="42500" x2="89500" y2="32333"/>
-                        <a14:foregroundMark x1="97278" y1="3500" x2="98500" y2="1583"/>
-                        <a14:foregroundMark x1="95833" y1="5333" x2="96889" y2="4500"/>
-                        <a14:backgroundMark x1="91111" y1="68000" x2="91667" y2="66583"/>
-                      </a14:backgroundRemoval>
-                    </a14:imgEffect>
-                  </a14:imgLayer>
-                </a14:imgProps>
-              </a:ext>
-              <a:ext uri="{28A0092B-C50C-407E-A947-70E740481C1C}">
-                <a14:useLocalDpi xmlns:a14="http://schemas.microsoft.com/office/drawing/2010/main" val="0"/>
-              </a:ext>
-            </a:extLst>
-          </a:blip>
-          <a:srcRect/>
-          <a:stretch>
-            <a:fillRect/>
-          </a:stretch>
-        </p:blipFill>
-        <p:spPr bwMode="auto">
-          <a:xfrm>
-            <a:off x="4619625" y="0"/>
-            <a:ext cx="7572375" cy="5048250"/>
-          </a:xfrm>
-          <a:prstGeom prst="rect">
-            <a:avLst/>
-          </a:prstGeom>
-          <a:noFill/>
-          <a:extLst>
-            <a:ext uri="{909E8E84-426E-40DD-AFC4-6F175D3DCCD1}">
-              <a14:hiddenFill xmlns:a14="http://schemas.microsoft.com/office/drawing/2010/main">
-                <a:solidFill>
-                  <a:srgbClr val="FFFFFF"/>
-                </a:solidFill>
-              </a14:hiddenFill>
-            </a:ext>
-          </a:extLst>
-        </p:spPr>
-      </p:pic>
-      <p:pic>
-        <p:nvPicPr>
-          <p:cNvPr id="6" name="Google Shape;227;p31"/>
-          <p:cNvPicPr preferRelativeResize="0"/>
-          <p:nvPr/>
-        </p:nvPicPr>
-        <p:blipFill>
-          <a:blip r:embed="rId5">
-            <a:alphaModFix/>
-          </a:blip>
-          <a:stretch>
-            <a:fillRect/>
-          </a:stretch>
-        </p:blipFill>
-        <p:spPr>
-          <a:xfrm>
-            <a:off x="436820" y="1863011"/>
-            <a:ext cx="6565123" cy="2759935"/>
-          </a:xfrm>
-          <a:prstGeom prst="rect">
-            <a:avLst/>
-          </a:prstGeom>
-          <a:noFill/>
-          <a:ln>
-            <a:noFill/>
-          </a:ln>
-        </p:spPr>
-      </p:pic>
-      <p:pic>
-        <p:nvPicPr>
-          <p:cNvPr id="7" name="Google Shape;225;p31"/>
-          <p:cNvPicPr preferRelativeResize="0"/>
-          <p:nvPr/>
-        </p:nvPicPr>
-        <p:blipFill rotWithShape="1">
-          <a:blip r:embed="rId6">
-            <a:alphaModFix/>
-          </a:blip>
-          <a:srcRect t="14281" r="7081"/>
-          <a:stretch/>
-        </p:blipFill>
-        <p:spPr>
-          <a:xfrm>
-            <a:off x="6629488" y="2225964"/>
-            <a:ext cx="4093930" cy="2440640"/>
-          </a:xfrm>
-          <a:prstGeom prst="rect">
-            <a:avLst/>
-          </a:prstGeom>
-          <a:noFill/>
-          <a:ln w="19050" cap="flat" cmpd="sng">
-            <a:solidFill>
-              <a:schemeClr val="bg1"/>
-            </a:solidFill>
-            <a:prstDash val="solid"/>
-            <a:round/>
-            <a:headEnd type="none" w="sm" len="sm"/>
-            <a:tailEnd type="none" w="sm" len="sm"/>
-          </a:ln>
-        </p:spPr>
-      </p:pic>
     </p:spTree>
     <p:extLst>
       <p:ext uri="{BB962C8B-B14F-4D97-AF65-F5344CB8AC3E}">
-        <p14:creationId xmlns:p14="http://schemas.microsoft.com/office/powerpoint/2010/main" val="2843520094"/>
+        <p14:creationId xmlns:p14="http://schemas.microsoft.com/office/powerpoint/2010/main" val="1102989863"/>
       </p:ext>
     </p:extLst>
   </p:cSld>
@@ -4610,276 +4374,89 @@
           <a:chExt cx="0" cy="0"/>
         </a:xfrm>
       </p:grpSpPr>
+      <p:sp>
+        <p:nvSpPr>
+          <p:cNvPr id="2" name="Заголовок 1">
+            <a:extLst>
+              <a:ext uri="{FF2B5EF4-FFF2-40B4-BE49-F238E27FC236}">
+                <a16:creationId xmlns:a16="http://schemas.microsoft.com/office/drawing/2014/main" id="{786C4923-C308-4DA9-AE4A-8888B01EBB72}"/>
+              </a:ext>
+            </a:extLst>
+          </p:cNvPr>
+          <p:cNvSpPr>
+            <a:spLocks noGrp="1"/>
+          </p:cNvSpPr>
+          <p:nvPr>
+            <p:ph type="ctrTitle"/>
+          </p:nvPr>
+        </p:nvSpPr>
+        <p:spPr/>
+        <p:txBody>
+          <a:bodyPr/>
+          <a:lstStyle/>
+          <a:p>
+            <a:endParaRPr lang="ru-RU" dirty="0"/>
+          </a:p>
+        </p:txBody>
+      </p:sp>
+      <p:sp>
+        <p:nvSpPr>
+          <p:cNvPr id="3" name="Подзаголовок 2">
+            <a:extLst>
+              <a:ext uri="{FF2B5EF4-FFF2-40B4-BE49-F238E27FC236}">
+                <a16:creationId xmlns:a16="http://schemas.microsoft.com/office/drawing/2014/main" id="{DB057B8E-A7C9-431D-B081-B11349C80C79}"/>
+              </a:ext>
+            </a:extLst>
+          </p:cNvPr>
+          <p:cNvSpPr>
+            <a:spLocks noGrp="1"/>
+          </p:cNvSpPr>
+          <p:nvPr>
+            <p:ph type="subTitle" idx="1"/>
+          </p:nvPr>
+        </p:nvSpPr>
+        <p:spPr>
+          <a:xfrm>
+            <a:off x="1524000" y="3602038"/>
+            <a:ext cx="9144000" cy="1655762"/>
+          </a:xfrm>
+        </p:spPr>
+        <p:txBody>
+          <a:bodyPr/>
+          <a:lstStyle/>
+          <a:p>
+            <a:endParaRPr lang="ru-RU"/>
+          </a:p>
+        </p:txBody>
+      </p:sp>
       <p:pic>
         <p:nvPicPr>
-          <p:cNvPr id="1028" name="Picture 4" descr="https://cdn.discordapp.com/attachments/1172499672955355157/1179888279043199067/red-business-border-modern-background-design-vector_53876-157563.png">
-            <a:extLst>
-              <a:ext uri="{FF2B5EF4-FFF2-40B4-BE49-F238E27FC236}">
-                <a16:creationId xmlns:a16="http://schemas.microsoft.com/office/drawing/2014/main" id="{D4C27342-9A26-43F2-9FC7-B6813D7F4497}"/>
-              </a:ext>
-            </a:extLst>
-          </p:cNvPr>
+          <p:cNvPr id="4" name="Рисунок 3"/>
           <p:cNvPicPr>
-            <a:picLocks noChangeAspect="1" noChangeArrowheads="1"/>
+            <a:picLocks noChangeAspect="1"/>
           </p:cNvPicPr>
           <p:nvPr/>
         </p:nvPicPr>
         <p:blipFill>
-          <a:blip r:embed="rId2">
-            <a:extLst>
-              <a:ext uri="{BEBA8EAE-BF5A-486C-A8C5-ECC9F3942E4B}">
-                <a14:imgProps xmlns:a14="http://schemas.microsoft.com/office/drawing/2010/main">
-                  <a14:imgLayer r:embed="rId3">
-                    <a14:imgEffect>
-                      <a14:backgroundRemoval t="10000" b="96250" l="389" r="90000">
-                        <a14:foregroundMark x1="1611" y1="66917" x2="8611" y2="77833"/>
-                        <a14:foregroundMark x1="8611" y1="77833" x2="11111" y2="80167"/>
-                        <a14:foregroundMark x1="1722" y1="66167" x2="4167" y2="75750"/>
-                        <a14:foregroundMark x1="20111" y1="89750" x2="23833" y2="95167"/>
-                        <a14:foregroundMark x1="23833" y1="95167" x2="25278" y2="96333"/>
-                        <a14:foregroundMark x1="3389" y1="84833" x2="10111" y2="94500"/>
-                        <a14:foregroundMark x1="10111" y1="94500" x2="10389" y2="94667"/>
-                        <a14:foregroundMark x1="3111" y1="88833" x2="6111" y2="93667"/>
-                        <a14:foregroundMark x1="389" y1="83500" x2="1944" y2="88417"/>
-                        <a14:foregroundMark x1="5389" y1="90667" x2="8556" y2="95833"/>
-                        <a14:foregroundMark x1="8556" y1="95833" x2="9000" y2="96000"/>
-                        <a14:backgroundMark x1="2389" y1="60583" x2="3778" y2="63917"/>
-                        <a14:backgroundMark x1="11278" y1="62750" x2="13500" y2="68917"/>
-                        <a14:backgroundMark x1="13500" y1="68917" x2="14167" y2="69833"/>
-                        <a14:backgroundMark x1="2444" y1="96333" x2="4056" y2="98750"/>
-                      </a14:backgroundRemoval>
-                    </a14:imgEffect>
-                  </a14:imgLayer>
-                </a14:imgProps>
-              </a:ext>
-              <a:ext uri="{28A0092B-C50C-407E-A947-70E740481C1C}">
-                <a14:useLocalDpi xmlns:a14="http://schemas.microsoft.com/office/drawing/2010/main" val="0"/>
-              </a:ext>
-            </a:extLst>
-          </a:blip>
-          <a:srcRect/>
+          <a:blip r:embed="rId2"/>
           <a:stretch>
             <a:fillRect/>
           </a:stretch>
         </p:blipFill>
-        <p:spPr bwMode="auto">
-          <a:xfrm>
-            <a:off x="0" y="1122363"/>
-            <a:ext cx="8603456" cy="5735637"/>
+        <p:spPr>
+          <a:xfrm>
+            <a:off x="1393598" y="81760"/>
+            <a:ext cx="9404804" cy="6856406"/>
           </a:xfrm>
           <a:prstGeom prst="rect">
             <a:avLst/>
           </a:prstGeom>
-          <a:noFill/>
-          <a:extLst>
-            <a:ext uri="{909E8E84-426E-40DD-AFC4-6F175D3DCCD1}">
-              <a14:hiddenFill xmlns:a14="http://schemas.microsoft.com/office/drawing/2010/main">
-                <a:solidFill>
-                  <a:srgbClr val="FFFFFF"/>
-                </a:solidFill>
-              </a14:hiddenFill>
-            </a:ext>
-          </a:extLst>
         </p:spPr>
       </p:pic>
-      <p:pic>
-        <p:nvPicPr>
-          <p:cNvPr id="1034" name="Picture 10" descr="https://cdn.discordapp.com/attachments/1172499672955355157/1179888279043199067/red-business-border-modern-background-design-vector_53876-157563.png">
-            <a:extLst>
-              <a:ext uri="{FF2B5EF4-FFF2-40B4-BE49-F238E27FC236}">
-                <a16:creationId xmlns:a16="http://schemas.microsoft.com/office/drawing/2014/main" id="{159144C8-BAB4-4FAC-9BA8-B448ACD3C7BF}"/>
-              </a:ext>
-            </a:extLst>
-          </p:cNvPr>
-          <p:cNvPicPr>
-            <a:picLocks noChangeAspect="1" noChangeArrowheads="1"/>
-          </p:cNvPicPr>
-          <p:nvPr/>
-        </p:nvPicPr>
-        <p:blipFill>
-          <a:blip r:embed="rId4">
-            <a:extLst>
-              <a:ext uri="{BEBA8EAE-BF5A-486C-A8C5-ECC9F3942E4B}">
-                <a14:imgProps xmlns:a14="http://schemas.microsoft.com/office/drawing/2010/main">
-                  <a14:imgLayer r:embed="rId3">
-                    <a14:imgEffect>
-                      <a14:backgroundRemoval t="250" b="90000" l="10000" r="98944">
-                        <a14:foregroundMark x1="65889" y1="5000" x2="71889" y2="16083"/>
-                        <a14:foregroundMark x1="71889" y1="16083" x2="72778" y2="17167"/>
-                        <a14:foregroundMark x1="82611" y1="26167" x2="88389" y2="33750"/>
-                        <a14:foregroundMark x1="86778" y1="33417" x2="95278" y2="46083"/>
-                        <a14:foregroundMark x1="62667" y1="333" x2="63278" y2="667"/>
-                        <a14:foregroundMark x1="66722" y1="500" x2="79444" y2="15500"/>
-                        <a14:foregroundMark x1="74389" y1="3583" x2="88889" y2="22583"/>
-                        <a14:foregroundMark x1="72000" y1="2667" x2="98278" y2="36667"/>
-                        <a14:foregroundMark x1="79667" y1="3417" x2="94889" y2="29083"/>
-                        <a14:foregroundMark x1="94500" y1="17417" x2="97833" y2="41167"/>
-                        <a14:foregroundMark x1="97833" y1="41167" x2="97833" y2="41333"/>
-                        <a14:foregroundMark x1="97444" y1="42500" x2="98944" y2="49667"/>
-                        <a14:foregroundMark x1="96444" y1="41833" x2="91056" y2="32667"/>
-                        <a14:foregroundMark x1="95889" y1="42500" x2="89500" y2="32333"/>
-                        <a14:foregroundMark x1="97278" y1="3500" x2="98500" y2="1583"/>
-                        <a14:foregroundMark x1="95833" y1="5333" x2="96889" y2="4500"/>
-                        <a14:backgroundMark x1="91111" y1="68000" x2="91667" y2="66583"/>
-                      </a14:backgroundRemoval>
-                    </a14:imgEffect>
-                  </a14:imgLayer>
-                </a14:imgProps>
-              </a:ext>
-              <a:ext uri="{28A0092B-C50C-407E-A947-70E740481C1C}">
-                <a14:useLocalDpi xmlns:a14="http://schemas.microsoft.com/office/drawing/2010/main" val="0"/>
-              </a:ext>
-            </a:extLst>
-          </a:blip>
-          <a:srcRect/>
-          <a:stretch>
-            <a:fillRect/>
-          </a:stretch>
-        </p:blipFill>
-        <p:spPr bwMode="auto">
-          <a:xfrm>
-            <a:off x="4619625" y="0"/>
-            <a:ext cx="7572375" cy="5048250"/>
-          </a:xfrm>
-          <a:prstGeom prst="rect">
-            <a:avLst/>
-          </a:prstGeom>
-          <a:noFill/>
-          <a:extLst>
-            <a:ext uri="{909E8E84-426E-40DD-AFC4-6F175D3DCCD1}">
-              <a14:hiddenFill xmlns:a14="http://schemas.microsoft.com/office/drawing/2010/main">
-                <a:solidFill>
-                  <a:srgbClr val="FFFFFF"/>
-                </a:solidFill>
-              </a14:hiddenFill>
-            </a:ext>
-          </a:extLst>
-        </p:spPr>
-      </p:pic>
-      <p:sp>
-        <p:nvSpPr>
-          <p:cNvPr id="2" name="Заголовок 1">
-            <a:extLst>
-              <a:ext uri="{FF2B5EF4-FFF2-40B4-BE49-F238E27FC236}">
-                <a16:creationId xmlns:a16="http://schemas.microsoft.com/office/drawing/2014/main" id="{786C4923-C308-4DA9-AE4A-8888B01EBB72}"/>
-              </a:ext>
-            </a:extLst>
-          </p:cNvPr>
-          <p:cNvSpPr>
-            <a:spLocks noGrp="1"/>
-          </p:cNvSpPr>
-          <p:nvPr>
-            <p:ph type="ctrTitle"/>
-          </p:nvPr>
-        </p:nvSpPr>
-        <p:spPr/>
-        <p:txBody>
-          <a:bodyPr/>
-          <a:lstStyle/>
-          <a:p>
-            <a:endParaRPr lang="ru-RU" dirty="0"/>
-          </a:p>
-        </p:txBody>
-      </p:sp>
-      <p:sp>
-        <p:nvSpPr>
-          <p:cNvPr id="3" name="Подзаголовок 2">
-            <a:extLst>
-              <a:ext uri="{FF2B5EF4-FFF2-40B4-BE49-F238E27FC236}">
-                <a16:creationId xmlns:a16="http://schemas.microsoft.com/office/drawing/2014/main" id="{DB057B8E-A7C9-431D-B081-B11349C80C79}"/>
-              </a:ext>
-            </a:extLst>
-          </p:cNvPr>
-          <p:cNvSpPr>
-            <a:spLocks noGrp="1"/>
-          </p:cNvSpPr>
-          <p:nvPr>
-            <p:ph type="subTitle" idx="1"/>
-          </p:nvPr>
-        </p:nvSpPr>
-        <p:spPr>
-          <a:xfrm>
-            <a:off x="1524000" y="3602038"/>
-            <a:ext cx="9144000" cy="1655762"/>
-          </a:xfrm>
-        </p:spPr>
-        <p:txBody>
-          <a:bodyPr/>
-          <a:lstStyle/>
-          <a:p>
-            <a:endParaRPr lang="ru-RU"/>
-          </a:p>
-        </p:txBody>
-      </p:sp>
-      <p:sp>
-        <p:nvSpPr>
-          <p:cNvPr id="6" name="Заголовок 1">
-            <a:extLst>
-              <a:ext uri="{FF2B5EF4-FFF2-40B4-BE49-F238E27FC236}">
-                <a16:creationId xmlns:a16="http://schemas.microsoft.com/office/drawing/2014/main" id="{786C4923-C308-4DA9-AE4A-8888B01EBB72}"/>
-              </a:ext>
-            </a:extLst>
-          </p:cNvPr>
-          <p:cNvSpPr txBox="1">
-            <a:spLocks/>
-          </p:cNvSpPr>
-          <p:nvPr/>
-        </p:nvSpPr>
-        <p:spPr>
-          <a:xfrm>
-            <a:off x="0" y="0"/>
-            <a:ext cx="12192000" cy="6858000"/>
-          </a:xfrm>
-          <a:prstGeom prst="rect">
-            <a:avLst/>
-          </a:prstGeom>
-        </p:spPr>
-        <p:txBody>
-          <a:bodyPr vert="horz" lIns="91440" tIns="45720" rIns="91440" bIns="45720" rtlCol="0" anchor="ctr">
-            <a:normAutofit/>
-          </a:bodyPr>
-          <a:lstStyle>
-            <a:lvl1pPr algn="ctr" defTabSz="914400" rtl="0" eaLnBrk="1" latinLnBrk="0" hangingPunct="1">
-              <a:lnSpc>
-                <a:spcPct val="90000"/>
-              </a:lnSpc>
-              <a:spcBef>
-                <a:spcPct val="0"/>
-              </a:spcBef>
-              <a:buNone/>
-              <a:defRPr sz="6000" kern="1200">
-                <a:solidFill>
-                  <a:schemeClr val="tx1"/>
-                </a:solidFill>
-                <a:latin typeface="+mj-lt"/>
-                <a:ea typeface="+mj-ea"/>
-                <a:cs typeface="+mj-cs"/>
-              </a:defRPr>
-            </a:lvl1pPr>
-          </a:lstStyle>
-          <a:p>
-            <a:r>
-              <a:rPr lang="ru-RU" sz="6600" dirty="0" smtClean="0">
-                <a:solidFill>
-                  <a:srgbClr val="FF0000"/>
-                </a:solidFill>
-                <a:latin typeface="Century Gothic" panose="020B0502020202020204" pitchFamily="34" charset="0"/>
-              </a:rPr>
-              <a:t>МЕТРИКИ</a:t>
-            </a:r>
-            <a:endParaRPr lang="ru-RU" sz="7200" dirty="0">
-              <a:solidFill>
-                <a:srgbClr val="FF0000"/>
-              </a:solidFill>
-              <a:latin typeface="Century Gothic" panose="020B0502020202020204" pitchFamily="34" charset="0"/>
-            </a:endParaRPr>
-          </a:p>
-        </p:txBody>
-      </p:sp>
     </p:spTree>
     <p:extLst>
       <p:ext uri="{BB962C8B-B14F-4D97-AF65-F5344CB8AC3E}">
-        <p14:creationId xmlns:p14="http://schemas.microsoft.com/office/powerpoint/2010/main" val="3234961744"/>
+        <p14:creationId xmlns:p14="http://schemas.microsoft.com/office/powerpoint/2010/main" val="4257791772"/>
       </p:ext>
     </p:extLst>
   </p:cSld>
@@ -5061,61 +4638,6 @@
       </p:pic>
       <p:sp>
         <p:nvSpPr>
-          <p:cNvPr id="2" name="Заголовок 1">
-            <a:extLst>
-              <a:ext uri="{FF2B5EF4-FFF2-40B4-BE49-F238E27FC236}">
-                <a16:creationId xmlns:a16="http://schemas.microsoft.com/office/drawing/2014/main" id="{786C4923-C308-4DA9-AE4A-8888B01EBB72}"/>
-              </a:ext>
-            </a:extLst>
-          </p:cNvPr>
-          <p:cNvSpPr>
-            <a:spLocks noGrp="1"/>
-          </p:cNvSpPr>
-          <p:nvPr>
-            <p:ph type="ctrTitle"/>
-          </p:nvPr>
-        </p:nvSpPr>
-        <p:spPr/>
-        <p:txBody>
-          <a:bodyPr/>
-          <a:lstStyle/>
-          <a:p>
-            <a:endParaRPr lang="ru-RU" dirty="0"/>
-          </a:p>
-        </p:txBody>
-      </p:sp>
-      <p:sp>
-        <p:nvSpPr>
-          <p:cNvPr id="3" name="Подзаголовок 2">
-            <a:extLst>
-              <a:ext uri="{FF2B5EF4-FFF2-40B4-BE49-F238E27FC236}">
-                <a16:creationId xmlns:a16="http://schemas.microsoft.com/office/drawing/2014/main" id="{DB057B8E-A7C9-431D-B081-B11349C80C79}"/>
-              </a:ext>
-            </a:extLst>
-          </p:cNvPr>
-          <p:cNvSpPr>
-            <a:spLocks noGrp="1"/>
-          </p:cNvSpPr>
-          <p:nvPr>
-            <p:ph type="subTitle" idx="1"/>
-          </p:nvPr>
-        </p:nvSpPr>
-        <p:spPr>
-          <a:xfrm>
-            <a:off x="1524000" y="3602038"/>
-            <a:ext cx="9144000" cy="1655762"/>
-          </a:xfrm>
-        </p:spPr>
-        <p:txBody>
-          <a:bodyPr/>
-          <a:lstStyle/>
-          <a:p>
-            <a:endParaRPr lang="ru-RU"/>
-          </a:p>
-        </p:txBody>
-      </p:sp>
-      <p:sp>
-        <p:nvSpPr>
           <p:cNvPr id="6" name="Заголовок 1">
             <a:extLst>
               <a:ext uri="{FF2B5EF4-FFF2-40B4-BE49-F238E27FC236}">
@@ -5162,13 +4684,13 @@
           </a:lstStyle>
           <a:p>
             <a:r>
-              <a:rPr lang="ru-RU" sz="6600" dirty="0" smtClean="0">
+              <a:rPr lang="ru-RU" sz="6600" dirty="0">
                 <a:solidFill>
                   <a:srgbClr val="FF0000"/>
                 </a:solidFill>
                 <a:latin typeface="Century Gothic" panose="020B0502020202020204" pitchFamily="34" charset="0"/>
               </a:rPr>
-              <a:t>ИНТЕРПРЕТИРУЕМАЯ МОДЕЛЬ</a:t>
+              <a:t>НЕИНТЕРПРЕТИРУЕМАЯ МОДЕЛЬ</a:t>
             </a:r>
             <a:endParaRPr lang="ru-RU" sz="7200" dirty="0">
               <a:solidFill>
@@ -5182,7 +4704,7 @@
     </p:spTree>
     <p:extLst>
       <p:ext uri="{BB962C8B-B14F-4D97-AF65-F5344CB8AC3E}">
-        <p14:creationId xmlns:p14="http://schemas.microsoft.com/office/powerpoint/2010/main" val="2370817813"/>
+        <p14:creationId xmlns:p14="http://schemas.microsoft.com/office/powerpoint/2010/main" val="1602038733"/>
       </p:ext>
     </p:extLst>
   </p:cSld>
@@ -5216,88 +4738,217 @@
           <a:chExt cx="0" cy="0"/>
         </a:xfrm>
       </p:grpSpPr>
-      <p:sp>
-        <p:nvSpPr>
-          <p:cNvPr id="2" name="Заголовок 1">
-            <a:extLst>
-              <a:ext uri="{FF2B5EF4-FFF2-40B4-BE49-F238E27FC236}">
-                <a16:creationId xmlns:a16="http://schemas.microsoft.com/office/drawing/2014/main" id="{786C4923-C308-4DA9-AE4A-8888B01EBB72}"/>
-              </a:ext>
-            </a:extLst>
-          </p:cNvPr>
-          <p:cNvSpPr>
-            <a:spLocks noGrp="1"/>
-          </p:cNvSpPr>
-          <p:nvPr>
-            <p:ph type="ctrTitle"/>
-          </p:nvPr>
-        </p:nvSpPr>
-        <p:spPr/>
-        <p:txBody>
-          <a:bodyPr/>
-          <a:lstStyle/>
-          <a:p>
-            <a:endParaRPr lang="ru-RU" dirty="0"/>
-          </a:p>
-        </p:txBody>
-      </p:sp>
-      <p:sp>
-        <p:nvSpPr>
-          <p:cNvPr id="3" name="Подзаголовок 2">
-            <a:extLst>
-              <a:ext uri="{FF2B5EF4-FFF2-40B4-BE49-F238E27FC236}">
-                <a16:creationId xmlns:a16="http://schemas.microsoft.com/office/drawing/2014/main" id="{DB057B8E-A7C9-431D-B081-B11349C80C79}"/>
-              </a:ext>
-            </a:extLst>
-          </p:cNvPr>
-          <p:cNvSpPr>
-            <a:spLocks noGrp="1"/>
-          </p:cNvSpPr>
-          <p:nvPr>
-            <p:ph type="subTitle" idx="1"/>
-          </p:nvPr>
-        </p:nvSpPr>
-        <p:spPr>
-          <a:xfrm>
-            <a:off x="1524000" y="3602038"/>
-            <a:ext cx="9144000" cy="1655762"/>
-          </a:xfrm>
-        </p:spPr>
-        <p:txBody>
-          <a:bodyPr/>
-          <a:lstStyle/>
-          <a:p>
-            <a:endParaRPr lang="ru-RU"/>
-          </a:p>
-        </p:txBody>
-      </p:sp>
       <p:pic>
         <p:nvPicPr>
-          <p:cNvPr id="4" name="Рисунок 3"/>
+          <p:cNvPr id="1028" name="Picture 4" descr="https://cdn.discordapp.com/attachments/1172499672955355157/1179888279043199067/red-business-border-modern-background-design-vector_53876-157563.png">
+            <a:extLst>
+              <a:ext uri="{FF2B5EF4-FFF2-40B4-BE49-F238E27FC236}">
+                <a16:creationId xmlns:a16="http://schemas.microsoft.com/office/drawing/2014/main" id="{D4C27342-9A26-43F2-9FC7-B6813D7F4497}"/>
+              </a:ext>
+            </a:extLst>
+          </p:cNvPr>
           <p:cNvPicPr>
-            <a:picLocks noChangeAspect="1"/>
+            <a:picLocks noChangeAspect="1" noChangeArrowheads="1"/>
           </p:cNvPicPr>
           <p:nvPr/>
         </p:nvPicPr>
+        <p:blipFill>
+          <a:blip r:embed="rId2">
+            <a:extLst>
+              <a:ext uri="{BEBA8EAE-BF5A-486C-A8C5-ECC9F3942E4B}">
+                <a14:imgProps xmlns:a14="http://schemas.microsoft.com/office/drawing/2010/main">
+                  <a14:imgLayer r:embed="rId3">
+                    <a14:imgEffect>
+                      <a14:backgroundRemoval t="10000" b="96250" l="389" r="90000">
+                        <a14:foregroundMark x1="1611" y1="66917" x2="8611" y2="77833"/>
+                        <a14:foregroundMark x1="8611" y1="77833" x2="11111" y2="80167"/>
+                        <a14:foregroundMark x1="1722" y1="66167" x2="4167" y2="75750"/>
+                        <a14:foregroundMark x1="20111" y1="89750" x2="23833" y2="95167"/>
+                        <a14:foregroundMark x1="23833" y1="95167" x2="25278" y2="96333"/>
+                        <a14:foregroundMark x1="3389" y1="84833" x2="10111" y2="94500"/>
+                        <a14:foregroundMark x1="10111" y1="94500" x2="10389" y2="94667"/>
+                        <a14:foregroundMark x1="3111" y1="88833" x2="6111" y2="93667"/>
+                        <a14:foregroundMark x1="389" y1="83500" x2="1944" y2="88417"/>
+                        <a14:foregroundMark x1="5389" y1="90667" x2="8556" y2="95833"/>
+                        <a14:foregroundMark x1="8556" y1="95833" x2="9000" y2="96000"/>
+                        <a14:backgroundMark x1="2389" y1="60583" x2="3778" y2="63917"/>
+                        <a14:backgroundMark x1="11278" y1="62750" x2="13500" y2="68917"/>
+                        <a14:backgroundMark x1="13500" y1="68917" x2="14167" y2="69833"/>
+                        <a14:backgroundMark x1="2444" y1="96333" x2="4056" y2="98750"/>
+                      </a14:backgroundRemoval>
+                    </a14:imgEffect>
+                  </a14:imgLayer>
+                </a14:imgProps>
+              </a:ext>
+              <a:ext uri="{28A0092B-C50C-407E-A947-70E740481C1C}">
+                <a14:useLocalDpi xmlns:a14="http://schemas.microsoft.com/office/drawing/2010/main" val="0"/>
+              </a:ext>
+            </a:extLst>
+          </a:blip>
+          <a:srcRect/>
+          <a:stretch>
+            <a:fillRect/>
+          </a:stretch>
+        </p:blipFill>
+        <p:spPr bwMode="auto">
+          <a:xfrm>
+            <a:off x="0" y="1122363"/>
+            <a:ext cx="8603456" cy="5735637"/>
+          </a:xfrm>
+          <a:prstGeom prst="rect">
+            <a:avLst/>
+          </a:prstGeom>
+          <a:noFill/>
+          <a:extLst>
+            <a:ext uri="{909E8E84-426E-40DD-AFC4-6F175D3DCCD1}">
+              <a14:hiddenFill xmlns:a14="http://schemas.microsoft.com/office/drawing/2010/main">
+                <a:solidFill>
+                  <a:srgbClr val="FFFFFF"/>
+                </a:solidFill>
+              </a14:hiddenFill>
+            </a:ext>
+          </a:extLst>
+        </p:spPr>
+      </p:pic>
+      <p:pic>
+        <p:nvPicPr>
+          <p:cNvPr id="1034" name="Picture 10" descr="https://cdn.discordapp.com/attachments/1172499672955355157/1179888279043199067/red-business-border-modern-background-design-vector_53876-157563.png">
+            <a:extLst>
+              <a:ext uri="{FF2B5EF4-FFF2-40B4-BE49-F238E27FC236}">
+                <a16:creationId xmlns:a16="http://schemas.microsoft.com/office/drawing/2014/main" id="{159144C8-BAB4-4FAC-9BA8-B448ACD3C7BF}"/>
+              </a:ext>
+            </a:extLst>
+          </p:cNvPr>
+          <p:cNvPicPr>
+            <a:picLocks noChangeAspect="1" noChangeArrowheads="1"/>
+          </p:cNvPicPr>
+          <p:nvPr/>
+        </p:nvPicPr>
+        <p:blipFill>
+          <a:blip r:embed="rId4">
+            <a:extLst>
+              <a:ext uri="{BEBA8EAE-BF5A-486C-A8C5-ECC9F3942E4B}">
+                <a14:imgProps xmlns:a14="http://schemas.microsoft.com/office/drawing/2010/main">
+                  <a14:imgLayer r:embed="rId3">
+                    <a14:imgEffect>
+                      <a14:backgroundRemoval t="250" b="90000" l="10000" r="98944">
+                        <a14:foregroundMark x1="65889" y1="5000" x2="71889" y2="16083"/>
+                        <a14:foregroundMark x1="71889" y1="16083" x2="72778" y2="17167"/>
+                        <a14:foregroundMark x1="82611" y1="26167" x2="88389" y2="33750"/>
+                        <a14:foregroundMark x1="86778" y1="33417" x2="95278" y2="46083"/>
+                        <a14:foregroundMark x1="62667" y1="333" x2="63278" y2="667"/>
+                        <a14:foregroundMark x1="66722" y1="500" x2="79444" y2="15500"/>
+                        <a14:foregroundMark x1="74389" y1="3583" x2="88889" y2="22583"/>
+                        <a14:foregroundMark x1="72000" y1="2667" x2="98278" y2="36667"/>
+                        <a14:foregroundMark x1="79667" y1="3417" x2="94889" y2="29083"/>
+                        <a14:foregroundMark x1="94500" y1="17417" x2="97833" y2="41167"/>
+                        <a14:foregroundMark x1="97833" y1="41167" x2="97833" y2="41333"/>
+                        <a14:foregroundMark x1="97444" y1="42500" x2="98944" y2="49667"/>
+                        <a14:foregroundMark x1="96444" y1="41833" x2="91056" y2="32667"/>
+                        <a14:foregroundMark x1="95889" y1="42500" x2="89500" y2="32333"/>
+                        <a14:foregroundMark x1="97278" y1="3500" x2="98500" y2="1583"/>
+                        <a14:foregroundMark x1="95833" y1="5333" x2="96889" y2="4500"/>
+                        <a14:backgroundMark x1="91111" y1="68000" x2="91667" y2="66583"/>
+                      </a14:backgroundRemoval>
+                    </a14:imgEffect>
+                  </a14:imgLayer>
+                </a14:imgProps>
+              </a:ext>
+              <a:ext uri="{28A0092B-C50C-407E-A947-70E740481C1C}">
+                <a14:useLocalDpi xmlns:a14="http://schemas.microsoft.com/office/drawing/2010/main" val="0"/>
+              </a:ext>
+            </a:extLst>
+          </a:blip>
+          <a:srcRect/>
+          <a:stretch>
+            <a:fillRect/>
+          </a:stretch>
+        </p:blipFill>
+        <p:spPr bwMode="auto">
+          <a:xfrm>
+            <a:off x="4619625" y="0"/>
+            <a:ext cx="7572375" cy="5048250"/>
+          </a:xfrm>
+          <a:prstGeom prst="rect">
+            <a:avLst/>
+          </a:prstGeom>
+          <a:noFill/>
+          <a:extLst>
+            <a:ext uri="{909E8E84-426E-40DD-AFC4-6F175D3DCCD1}">
+              <a14:hiddenFill xmlns:a14="http://schemas.microsoft.com/office/drawing/2010/main">
+                <a:solidFill>
+                  <a:srgbClr val="FFFFFF"/>
+                </a:solidFill>
+              </a14:hiddenFill>
+            </a:ext>
+          </a:extLst>
+        </p:spPr>
+      </p:pic>
+      <p:pic>
+        <p:nvPicPr>
+          <p:cNvPr id="6" name="Google Shape;227;p31"/>
+          <p:cNvPicPr preferRelativeResize="0"/>
+          <p:nvPr/>
+        </p:nvPicPr>
+        <p:blipFill>
+          <a:blip r:embed="rId5">
+            <a:alphaModFix/>
+          </a:blip>
+          <a:stretch>
+            <a:fillRect/>
+          </a:stretch>
+        </p:blipFill>
+        <p:spPr>
+          <a:xfrm>
+            <a:off x="954053" y="1863011"/>
+            <a:ext cx="6565123" cy="2759935"/>
+          </a:xfrm>
+          <a:prstGeom prst="rect">
+            <a:avLst/>
+          </a:prstGeom>
+          <a:noFill/>
+          <a:ln>
+            <a:noFill/>
+          </a:ln>
+        </p:spPr>
+      </p:pic>
+      <p:pic>
+        <p:nvPicPr>
+          <p:cNvPr id="7" name="Google Shape;225;p31"/>
+          <p:cNvPicPr preferRelativeResize="0"/>
+          <p:nvPr/>
+        </p:nvPicPr>
         <p:blipFill rotWithShape="1">
-          <a:blip r:embed="rId2"/>
-          <a:srcRect l="2205" r="1506"/>
+          <a:blip r:embed="rId6">
+            <a:alphaModFix/>
+          </a:blip>
+          <a:srcRect t="14281" r="7081"/>
           <a:stretch/>
         </p:blipFill>
         <p:spPr>
           <a:xfrm>
-            <a:off x="-9236" y="437573"/>
-            <a:ext cx="12201236" cy="5904057"/>
+            <a:off x="6998944" y="2225964"/>
+            <a:ext cx="4093930" cy="2440640"/>
           </a:xfrm>
           <a:prstGeom prst="rect">
             <a:avLst/>
           </a:prstGeom>
+          <a:noFill/>
+          <a:ln w="19050" cap="flat" cmpd="sng">
+            <a:solidFill>
+              <a:schemeClr val="bg1"/>
+            </a:solidFill>
+            <a:prstDash val="solid"/>
+            <a:round/>
+            <a:headEnd type="none" w="sm" len="sm"/>
+            <a:tailEnd type="none" w="sm" len="sm"/>
+          </a:ln>
         </p:spPr>
       </p:pic>
     </p:spTree>
     <p:extLst>
       <p:ext uri="{BB962C8B-B14F-4D97-AF65-F5344CB8AC3E}">
-        <p14:creationId xmlns:p14="http://schemas.microsoft.com/office/powerpoint/2010/main" val="1600255611"/>
+        <p14:creationId xmlns:p14="http://schemas.microsoft.com/office/powerpoint/2010/main" val="2843520094"/>
       </p:ext>
     </p:extLst>
   </p:cSld>
@@ -5479,61 +5130,6 @@
       </p:pic>
       <p:sp>
         <p:nvSpPr>
-          <p:cNvPr id="2" name="Заголовок 1">
-            <a:extLst>
-              <a:ext uri="{FF2B5EF4-FFF2-40B4-BE49-F238E27FC236}">
-                <a16:creationId xmlns:a16="http://schemas.microsoft.com/office/drawing/2014/main" id="{786C4923-C308-4DA9-AE4A-8888B01EBB72}"/>
-              </a:ext>
-            </a:extLst>
-          </p:cNvPr>
-          <p:cNvSpPr>
-            <a:spLocks noGrp="1"/>
-          </p:cNvSpPr>
-          <p:nvPr>
-            <p:ph type="ctrTitle"/>
-          </p:nvPr>
-        </p:nvSpPr>
-        <p:spPr/>
-        <p:txBody>
-          <a:bodyPr/>
-          <a:lstStyle/>
-          <a:p>
-            <a:endParaRPr lang="ru-RU" dirty="0"/>
-          </a:p>
-        </p:txBody>
-      </p:sp>
-      <p:sp>
-        <p:nvSpPr>
-          <p:cNvPr id="3" name="Подзаголовок 2">
-            <a:extLst>
-              <a:ext uri="{FF2B5EF4-FFF2-40B4-BE49-F238E27FC236}">
-                <a16:creationId xmlns:a16="http://schemas.microsoft.com/office/drawing/2014/main" id="{DB057B8E-A7C9-431D-B081-B11349C80C79}"/>
-              </a:ext>
-            </a:extLst>
-          </p:cNvPr>
-          <p:cNvSpPr>
-            <a:spLocks noGrp="1"/>
-          </p:cNvSpPr>
-          <p:nvPr>
-            <p:ph type="subTitle" idx="1"/>
-          </p:nvPr>
-        </p:nvSpPr>
-        <p:spPr>
-          <a:xfrm>
-            <a:off x="1524000" y="3602038"/>
-            <a:ext cx="9144000" cy="1655762"/>
-          </a:xfrm>
-        </p:spPr>
-        <p:txBody>
-          <a:bodyPr/>
-          <a:lstStyle/>
-          <a:p>
-            <a:endParaRPr lang="ru-RU"/>
-          </a:p>
-        </p:txBody>
-      </p:sp>
-      <p:sp>
-        <p:nvSpPr>
           <p:cNvPr id="6" name="Заголовок 1">
             <a:extLst>
               <a:ext uri="{FF2B5EF4-FFF2-40B4-BE49-F238E27FC236}">
@@ -5580,30 +5176,24 @@
           </a:lstStyle>
           <a:p>
             <a:r>
-              <a:rPr lang="ru-RU" sz="6600" dirty="0" smtClean="0">
+              <a:rPr lang="ru-RU" sz="6600" dirty="0">
                 <a:solidFill>
                   <a:srgbClr val="FF0000"/>
                 </a:solidFill>
                 <a:latin typeface="Century Gothic" panose="020B0502020202020204" pitchFamily="34" charset="0"/>
               </a:rPr>
-              <a:t>ВАЖНОСТЬ </a:t>
-            </a:r>
-            <a:br>
-              <a:rPr lang="ru-RU" sz="6600" dirty="0" smtClean="0">
+              <a:t>БИЗНЕС</a:t>
+            </a:r>
+          </a:p>
+          <a:p>
+            <a:r>
+              <a:rPr lang="ru-RU" sz="6600" dirty="0">
                 <a:solidFill>
                   <a:srgbClr val="FF0000"/>
                 </a:solidFill>
                 <a:latin typeface="Century Gothic" panose="020B0502020202020204" pitchFamily="34" charset="0"/>
               </a:rPr>
-            </a:br>
-            <a:r>
-              <a:rPr lang="ru-RU" sz="6600" dirty="0" smtClean="0">
-                <a:solidFill>
-                  <a:srgbClr val="FF0000"/>
-                </a:solidFill>
-                <a:latin typeface="Century Gothic" panose="020B0502020202020204" pitchFamily="34" charset="0"/>
-              </a:rPr>
-              <a:t>ПРИЗНАКОВ</a:t>
+              <a:t>МЕТРИКИ</a:t>
             </a:r>
             <a:endParaRPr lang="ru-RU" sz="7200" dirty="0">
               <a:solidFill>
@@ -5617,7 +5207,7 @@
     </p:spTree>
     <p:extLst>
       <p:ext uri="{BB962C8B-B14F-4D97-AF65-F5344CB8AC3E}">
-        <p14:creationId xmlns:p14="http://schemas.microsoft.com/office/powerpoint/2010/main" val="3794903933"/>
+        <p14:creationId xmlns:p14="http://schemas.microsoft.com/office/powerpoint/2010/main" val="3234961744"/>
       </p:ext>
     </p:extLst>
   </p:cSld>
@@ -5651,56 +5241,62 @@
           <a:chExt cx="0" cy="0"/>
         </a:xfrm>
       </p:grpSpPr>
-      <p:sp>
-        <p:nvSpPr>
-          <p:cNvPr id="2" name="Заголовок 1"/>
-          <p:cNvSpPr>
-            <a:spLocks noGrp="1"/>
-          </p:cNvSpPr>
-          <p:nvPr>
-            <p:ph type="title"/>
-          </p:nvPr>
-        </p:nvSpPr>
-        <p:spPr/>
-        <p:txBody>
-          <a:bodyPr/>
-          <a:lstStyle/>
-          <a:p>
-            <a:endParaRPr lang="ru-RU"/>
-          </a:p>
-        </p:txBody>
-      </p:sp>
-      <p:sp>
-        <p:nvSpPr>
-          <p:cNvPr id="3" name="Объект 2"/>
-          <p:cNvSpPr>
-            <a:spLocks noGrp="1"/>
-          </p:cNvSpPr>
-          <p:nvPr>
-            <p:ph idx="1"/>
-          </p:nvPr>
-        </p:nvSpPr>
-        <p:spPr/>
-        <p:txBody>
-          <a:bodyPr/>
-          <a:lstStyle/>
-          <a:p>
-            <a:endParaRPr lang="ru-RU"/>
-          </a:p>
-        </p:txBody>
-      </p:sp>
-      <p:sp>
-        <p:nvSpPr>
-          <p:cNvPr id="4" name="AutoShape 2" descr="blob:https://web.telegram.org/436fa957-ad59-40a0-a8d9-8b07456ebfa9"/>
-          <p:cNvSpPr>
-            <a:spLocks noChangeAspect="1" noChangeArrowheads="1"/>
-          </p:cNvSpPr>
+      <p:pic>
+        <p:nvPicPr>
+          <p:cNvPr id="1028" name="Picture 4" descr="https://cdn.discordapp.com/attachments/1172499672955355157/1179888279043199067/red-business-border-modern-background-design-vector_53876-157563.png">
+            <a:extLst>
+              <a:ext uri="{FF2B5EF4-FFF2-40B4-BE49-F238E27FC236}">
+                <a16:creationId xmlns:a16="http://schemas.microsoft.com/office/drawing/2014/main" id="{D4C27342-9A26-43F2-9FC7-B6813D7F4497}"/>
+              </a:ext>
+            </a:extLst>
+          </p:cNvPr>
+          <p:cNvPicPr>
+            <a:picLocks noChangeAspect="1" noChangeArrowheads="1"/>
+          </p:cNvPicPr>
           <p:nvPr/>
-        </p:nvSpPr>
+        </p:nvPicPr>
+        <p:blipFill>
+          <a:blip r:embed="rId2">
+            <a:extLst>
+              <a:ext uri="{BEBA8EAE-BF5A-486C-A8C5-ECC9F3942E4B}">
+                <a14:imgProps xmlns:a14="http://schemas.microsoft.com/office/drawing/2010/main">
+                  <a14:imgLayer r:embed="rId3">
+                    <a14:imgEffect>
+                      <a14:backgroundRemoval t="10000" b="96250" l="389" r="90000">
+                        <a14:foregroundMark x1="1611" y1="66917" x2="8611" y2="77833"/>
+                        <a14:foregroundMark x1="8611" y1="77833" x2="11111" y2="80167"/>
+                        <a14:foregroundMark x1="1722" y1="66167" x2="4167" y2="75750"/>
+                        <a14:foregroundMark x1="20111" y1="89750" x2="23833" y2="95167"/>
+                        <a14:foregroundMark x1="23833" y1="95167" x2="25278" y2="96333"/>
+                        <a14:foregroundMark x1="3389" y1="84833" x2="10111" y2="94500"/>
+                        <a14:foregroundMark x1="10111" y1="94500" x2="10389" y2="94667"/>
+                        <a14:foregroundMark x1="3111" y1="88833" x2="6111" y2="93667"/>
+                        <a14:foregroundMark x1="389" y1="83500" x2="1944" y2="88417"/>
+                        <a14:foregroundMark x1="5389" y1="90667" x2="8556" y2="95833"/>
+                        <a14:foregroundMark x1="8556" y1="95833" x2="9000" y2="96000"/>
+                        <a14:backgroundMark x1="2389" y1="60583" x2="3778" y2="63917"/>
+                        <a14:backgroundMark x1="11278" y1="62750" x2="13500" y2="68917"/>
+                        <a14:backgroundMark x1="13500" y1="68917" x2="14167" y2="69833"/>
+                        <a14:backgroundMark x1="2444" y1="96333" x2="4056" y2="98750"/>
+                      </a14:backgroundRemoval>
+                    </a14:imgEffect>
+                  </a14:imgLayer>
+                </a14:imgProps>
+              </a:ext>
+              <a:ext uri="{28A0092B-C50C-407E-A947-70E740481C1C}">
+                <a14:useLocalDpi xmlns:a14="http://schemas.microsoft.com/office/drawing/2010/main" val="0"/>
+              </a:ext>
+            </a:extLst>
+          </a:blip>
+          <a:srcRect/>
+          <a:stretch>
+            <a:fillRect/>
+          </a:stretch>
+        </p:blipFill>
         <p:spPr bwMode="auto">
           <a:xfrm>
-            <a:off x="155575" y="-144463"/>
-            <a:ext cx="304800" cy="304801"/>
+            <a:off x="0" y="1122363"/>
+            <a:ext cx="8603456" cy="5735637"/>
           </a:xfrm>
           <a:prstGeom prst="rect">
             <a:avLst/>
@@ -5716,30 +5312,65 @@
             </a:ext>
           </a:extLst>
         </p:spPr>
-        <p:txBody>
-          <a:bodyPr vert="horz" wrap="square" lIns="91440" tIns="45720" rIns="91440" bIns="45720" numCol="1" anchor="t" anchorCtr="0" compatLnSpc="1">
-            <a:prstTxWarp prst="textNoShape">
-              <a:avLst/>
-            </a:prstTxWarp>
-          </a:bodyPr>
-          <a:lstStyle/>
-          <a:p>
-            <a:endParaRPr lang="ru-RU"/>
-          </a:p>
-        </p:txBody>
-      </p:sp>
-      <p:sp>
-        <p:nvSpPr>
-          <p:cNvPr id="5" name="AutoShape 4" descr="blob:https://web.telegram.org/436fa957-ad59-40a0-a8d9-8b07456ebfa9"/>
-          <p:cNvSpPr>
-            <a:spLocks noChangeAspect="1" noChangeArrowheads="1"/>
-          </p:cNvSpPr>
+      </p:pic>
+      <p:pic>
+        <p:nvPicPr>
+          <p:cNvPr id="1034" name="Picture 10" descr="https://cdn.discordapp.com/attachments/1172499672955355157/1179888279043199067/red-business-border-modern-background-design-vector_53876-157563.png">
+            <a:extLst>
+              <a:ext uri="{FF2B5EF4-FFF2-40B4-BE49-F238E27FC236}">
+                <a16:creationId xmlns:a16="http://schemas.microsoft.com/office/drawing/2014/main" id="{159144C8-BAB4-4FAC-9BA8-B448ACD3C7BF}"/>
+              </a:ext>
+            </a:extLst>
+          </p:cNvPr>
+          <p:cNvPicPr>
+            <a:picLocks noChangeAspect="1" noChangeArrowheads="1"/>
+          </p:cNvPicPr>
           <p:nvPr/>
-        </p:nvSpPr>
+        </p:nvPicPr>
+        <p:blipFill>
+          <a:blip r:embed="rId4">
+            <a:extLst>
+              <a:ext uri="{BEBA8EAE-BF5A-486C-A8C5-ECC9F3942E4B}">
+                <a14:imgProps xmlns:a14="http://schemas.microsoft.com/office/drawing/2010/main">
+                  <a14:imgLayer r:embed="rId3">
+                    <a14:imgEffect>
+                      <a14:backgroundRemoval t="250" b="90000" l="10000" r="98944">
+                        <a14:foregroundMark x1="65889" y1="5000" x2="71889" y2="16083"/>
+                        <a14:foregroundMark x1="71889" y1="16083" x2="72778" y2="17167"/>
+                        <a14:foregroundMark x1="82611" y1="26167" x2="88389" y2="33750"/>
+                        <a14:foregroundMark x1="86778" y1="33417" x2="95278" y2="46083"/>
+                        <a14:foregroundMark x1="62667" y1="333" x2="63278" y2="667"/>
+                        <a14:foregroundMark x1="66722" y1="500" x2="79444" y2="15500"/>
+                        <a14:foregroundMark x1="74389" y1="3583" x2="88889" y2="22583"/>
+                        <a14:foregroundMark x1="72000" y1="2667" x2="98278" y2="36667"/>
+                        <a14:foregroundMark x1="79667" y1="3417" x2="94889" y2="29083"/>
+                        <a14:foregroundMark x1="94500" y1="17417" x2="97833" y2="41167"/>
+                        <a14:foregroundMark x1="97833" y1="41167" x2="97833" y2="41333"/>
+                        <a14:foregroundMark x1="97444" y1="42500" x2="98944" y2="49667"/>
+                        <a14:foregroundMark x1="96444" y1="41833" x2="91056" y2="32667"/>
+                        <a14:foregroundMark x1="95889" y1="42500" x2="89500" y2="32333"/>
+                        <a14:foregroundMark x1="97278" y1="3500" x2="98500" y2="1583"/>
+                        <a14:foregroundMark x1="95833" y1="5333" x2="96889" y2="4500"/>
+                        <a14:backgroundMark x1="91111" y1="68000" x2="91667" y2="66583"/>
+                      </a14:backgroundRemoval>
+                    </a14:imgEffect>
+                  </a14:imgLayer>
+                </a14:imgProps>
+              </a:ext>
+              <a:ext uri="{28A0092B-C50C-407E-A947-70E740481C1C}">
+                <a14:useLocalDpi xmlns:a14="http://schemas.microsoft.com/office/drawing/2010/main" val="0"/>
+              </a:ext>
+            </a:extLst>
+          </a:blip>
+          <a:srcRect/>
+          <a:stretch>
+            <a:fillRect/>
+          </a:stretch>
+        </p:blipFill>
         <p:spPr bwMode="auto">
           <a:xfrm>
-            <a:off x="307975" y="7937"/>
-            <a:ext cx="304800" cy="304801"/>
+            <a:off x="4619625" y="0"/>
+            <a:ext cx="7572375" cy="5048250"/>
           </a:xfrm>
           <a:prstGeom prst="rect">
             <a:avLst/>
@@ -5755,30 +5386,82 @@
             </a:ext>
           </a:extLst>
         </p:spPr>
-        <p:txBody>
-          <a:bodyPr vert="horz" wrap="square" lIns="91440" tIns="45720" rIns="91440" bIns="45720" numCol="1" anchor="t" anchorCtr="0" compatLnSpc="1">
-            <a:prstTxWarp prst="textNoShape">
-              <a:avLst/>
-            </a:prstTxWarp>
+      </p:pic>
+      <p:sp>
+        <p:nvSpPr>
+          <p:cNvPr id="8" name="TextBox 7"/>
+          <p:cNvSpPr txBox="1"/>
+          <p:nvPr/>
+        </p:nvSpPr>
+        <p:spPr>
+          <a:xfrm>
+            <a:off x="2840256" y="3750442"/>
+            <a:ext cx="3854298" cy="646331"/>
+          </a:xfrm>
+          <a:prstGeom prst="rect">
+            <a:avLst/>
+          </a:prstGeom>
+          <a:noFill/>
+        </p:spPr>
+        <p:txBody>
+          <a:bodyPr wrap="square" rtlCol="0">
+            <a:spAutoFit/>
           </a:bodyPr>
           <a:lstStyle/>
           <a:p>
-            <a:endParaRPr lang="ru-RU"/>
-          </a:p>
-        </p:txBody>
-      </p:sp>
-      <p:sp>
-        <p:nvSpPr>
-          <p:cNvPr id="6" name="AutoShape 6" descr="blob:https://web.telegram.org/436fa957-ad59-40a0-a8d9-8b07456ebfa9"/>
-          <p:cNvSpPr>
-            <a:spLocks noChangeAspect="1" noChangeArrowheads="1"/>
-          </p:cNvSpPr>
+            <a:pPr algn="ctr"/>
+            <a:r>
+              <a:rPr lang="ru-RU" dirty="0" err="1">
+                <a:latin typeface="Century Gothic" panose="020B0502020202020204" pitchFamily="34" charset="0"/>
+              </a:rPr>
+              <a:t>Churn</a:t>
+            </a:r>
+            <a:r>
+              <a:rPr lang="ru-RU" dirty="0">
+                <a:latin typeface="Century Gothic" panose="020B0502020202020204" pitchFamily="34" charset="0"/>
+              </a:rPr>
+              <a:t> </a:t>
+            </a:r>
+            <a:r>
+              <a:rPr lang="ru-RU" dirty="0" err="1">
+                <a:latin typeface="Century Gothic" panose="020B0502020202020204" pitchFamily="34" charset="0"/>
+              </a:rPr>
+              <a:t>Rate</a:t>
+            </a:r>
+            <a:r>
+              <a:rPr lang="ru-RU" dirty="0">
+                <a:latin typeface="Century Gothic" panose="020B0502020202020204" pitchFamily="34" charset="0"/>
+              </a:rPr>
+              <a:t> — показатель оттока клиентов</a:t>
+            </a:r>
+          </a:p>
+        </p:txBody>
+      </p:sp>
+      <p:pic>
+        <p:nvPicPr>
+          <p:cNvPr id="11270" name="Picture 6" descr="https://cdn.discordapp.com/attachments/1177615439904378960/1180210274997915678/Picsart_23-12-02_01-08-17-651.jpg"/>
+          <p:cNvPicPr>
+            <a:picLocks noChangeAspect="1" noChangeArrowheads="1"/>
+          </p:cNvPicPr>
           <p:nvPr/>
-        </p:nvSpPr>
+        </p:nvPicPr>
+        <p:blipFill>
+          <a:blip r:embed="rId5" cstate="hqprint">
+            <a:extLst>
+              <a:ext uri="{28A0092B-C50C-407E-A947-70E740481C1C}">
+                <a14:useLocalDpi xmlns:a14="http://schemas.microsoft.com/office/drawing/2010/main" val="0"/>
+              </a:ext>
+            </a:extLst>
+          </a:blip>
+          <a:srcRect/>
+          <a:stretch>
+            <a:fillRect/>
+          </a:stretch>
+        </p:blipFill>
         <p:spPr bwMode="auto">
           <a:xfrm>
-            <a:off x="460375" y="160337"/>
-            <a:ext cx="304800" cy="304801"/>
+            <a:off x="364154" y="403129"/>
+            <a:ext cx="8806503" cy="3243677"/>
           </a:xfrm>
           <a:prstGeom prst="rect">
             <a:avLst/>
@@ -5794,45 +5477,76 @@
             </a:ext>
           </a:extLst>
         </p:spPr>
-        <p:txBody>
-          <a:bodyPr vert="horz" wrap="square" lIns="91440" tIns="45720" rIns="91440" bIns="45720" numCol="1" anchor="t" anchorCtr="0" compatLnSpc="1">
-            <a:prstTxWarp prst="textNoShape">
-              <a:avLst/>
-            </a:prstTxWarp>
-          </a:bodyPr>
-          <a:lstStyle/>
-          <a:p>
-            <a:endParaRPr lang="ru-RU"/>
-          </a:p>
-        </p:txBody>
-      </p:sp>
-      <p:pic>
-        <p:nvPicPr>
-          <p:cNvPr id="7" name="Рисунок 6"/>
-          <p:cNvPicPr>
-            <a:picLocks noChangeAspect="1"/>
-          </p:cNvPicPr>
+      </p:pic>
+      <p:sp>
+        <p:nvSpPr>
+          <p:cNvPr id="4" name="TextBox 3"/>
+          <p:cNvSpPr txBox="1"/>
           <p:nvPr/>
-        </p:nvPicPr>
-        <p:blipFill rotWithShape="1">
-          <a:blip r:embed="rId2"/>
-          <a:srcRect l="382" r="1902" b="2001"/>
-          <a:stretch/>
-        </p:blipFill>
+        </p:nvSpPr>
         <p:spPr>
           <a:xfrm>
-            <a:off x="191471" y="801265"/>
-            <a:ext cx="11809058" cy="5375698"/>
+            <a:off x="6228877" y="4527069"/>
+            <a:ext cx="5448928" cy="1477328"/>
           </a:xfrm>
           <a:prstGeom prst="rect">
             <a:avLst/>
           </a:prstGeom>
-        </p:spPr>
-      </p:pic>
+          <a:noFill/>
+        </p:spPr>
+        <p:txBody>
+          <a:bodyPr wrap="none" rtlCol="0">
+            <a:spAutoFit/>
+          </a:bodyPr>
+          <a:lstStyle/>
+          <a:p>
+            <a:r>
+              <a:rPr lang="ru-RU" sz="3000" dirty="0">
+                <a:latin typeface="Century Gothic" panose="020B0502020202020204" pitchFamily="34" charset="0"/>
+              </a:rPr>
+              <a:t>Показатель </a:t>
+            </a:r>
+            <a:r>
+              <a:rPr lang="en-US" sz="3000" dirty="0">
+                <a:latin typeface="Century Gothic" panose="020B0502020202020204" pitchFamily="34" charset="0"/>
+              </a:rPr>
+              <a:t>Churn Rate</a:t>
+            </a:r>
+            <a:r>
+              <a:rPr lang="ru-RU" sz="3000" dirty="0">
+                <a:latin typeface="Century Gothic" panose="020B0502020202020204" pitchFamily="34" charset="0"/>
+              </a:rPr>
+              <a:t> за </a:t>
+            </a:r>
+            <a:endParaRPr lang="en-US" sz="3000" dirty="0">
+              <a:latin typeface="Century Gothic" panose="020B0502020202020204" pitchFamily="34" charset="0"/>
+            </a:endParaRPr>
+          </a:p>
+          <a:p>
+            <a:r>
+              <a:rPr lang="ru-RU" sz="3000" dirty="0">
+                <a:latin typeface="Century Gothic" panose="020B0502020202020204" pitchFamily="34" charset="0"/>
+              </a:rPr>
+              <a:t>предоставленным период </a:t>
+            </a:r>
+            <a:endParaRPr lang="en-US" sz="3000" dirty="0">
+              <a:latin typeface="Century Gothic" panose="020B0502020202020204" pitchFamily="34" charset="0"/>
+            </a:endParaRPr>
+          </a:p>
+          <a:p>
+            <a:r>
+              <a:rPr lang="ru-RU" sz="3000" dirty="0">
+                <a:latin typeface="Century Gothic" panose="020B0502020202020204" pitchFamily="34" charset="0"/>
+              </a:rPr>
+              <a:t>составил 7%</a:t>
+            </a:r>
+          </a:p>
+        </p:txBody>
+      </p:sp>
     </p:spTree>
     <p:extLst>
       <p:ext uri="{BB962C8B-B14F-4D97-AF65-F5344CB8AC3E}">
-        <p14:creationId xmlns:p14="http://schemas.microsoft.com/office/powerpoint/2010/main" val="2031575447"/>
+        <p14:creationId xmlns:p14="http://schemas.microsoft.com/office/powerpoint/2010/main" val="1293428168"/>
       </p:ext>
     </p:extLst>
   </p:cSld>
@@ -6041,7 +5755,7 @@
           <a:lstStyle/>
           <a:p>
             <a:r>
-              <a:rPr lang="ru-RU" sz="6600" dirty="0" smtClean="0">
+              <a:rPr lang="ru-RU" sz="6600" dirty="0">
                 <a:solidFill>
                   <a:srgbClr val="FF0000"/>
                 </a:solidFill>
@@ -6050,7 +5764,7 @@
               <a:t>ПРЕДОБРАБОТКА</a:t>
             </a:r>
             <a:r>
-              <a:rPr lang="ru-RU" sz="7200" dirty="0" smtClean="0">
+              <a:rPr lang="ru-RU" sz="7200" dirty="0">
                 <a:solidFill>
                   <a:srgbClr val="FF0000"/>
                 </a:solidFill>
@@ -6059,7 +5773,7 @@
               <a:t/>
             </a:r>
             <a:br>
-              <a:rPr lang="ru-RU" sz="7200" dirty="0" smtClean="0">
+              <a:rPr lang="ru-RU" sz="7200" dirty="0">
                 <a:solidFill>
                   <a:srgbClr val="FF0000"/>
                 </a:solidFill>
@@ -6067,7 +5781,7 @@
               </a:rPr>
             </a:br>
             <a:r>
-              <a:rPr lang="ru-RU" sz="7200" dirty="0" smtClean="0">
+              <a:rPr lang="ru-RU" sz="7200" dirty="0">
                 <a:solidFill>
                   <a:srgbClr val="FF0000"/>
                 </a:solidFill>
@@ -6075,6 +5789,248 @@
               </a:rPr>
               <a:t>ДАННЫХ</a:t>
             </a:r>
+          </a:p>
+        </p:txBody>
+      </p:sp>
+    </p:spTree>
+    <p:extLst>
+      <p:ext uri="{BB962C8B-B14F-4D97-AF65-F5344CB8AC3E}">
+        <p14:creationId xmlns:p14="http://schemas.microsoft.com/office/powerpoint/2010/main" val="3091978593"/>
+      </p:ext>
+    </p:extLst>
+  </p:cSld>
+  <p:clrMapOvr>
+    <a:masterClrMapping/>
+  </p:clrMapOvr>
+  <p:timing>
+    <p:tnLst>
+      <p:par>
+        <p:cTn id="1" dur="indefinite" restart="never" nodeType="tmRoot"/>
+      </p:par>
+    </p:tnLst>
+  </p:timing>
+</p:sld>
+</file>
+
+<file path=ppt/slides/slide20.xml><?xml version="1.0" encoding="utf-8"?>
+<p:sld xmlns:a="http://schemas.openxmlformats.org/drawingml/2006/main" xmlns:r="http://schemas.openxmlformats.org/officeDocument/2006/relationships" xmlns:p="http://schemas.openxmlformats.org/presentationml/2006/main">
+  <p:cSld>
+    <p:spTree>
+      <p:nvGrpSpPr>
+        <p:cNvPr id="1" name=""/>
+        <p:cNvGrpSpPr/>
+        <p:nvPr/>
+      </p:nvGrpSpPr>
+      <p:grpSpPr>
+        <a:xfrm>
+          <a:off x="0" y="0"/>
+          <a:ext cx="0" cy="0"/>
+          <a:chOff x="0" y="0"/>
+          <a:chExt cx="0" cy="0"/>
+        </a:xfrm>
+      </p:grpSpPr>
+      <p:pic>
+        <p:nvPicPr>
+          <p:cNvPr id="1028" name="Picture 4" descr="https://cdn.discordapp.com/attachments/1172499672955355157/1179888279043199067/red-business-border-modern-background-design-vector_53876-157563.png">
+            <a:extLst>
+              <a:ext uri="{FF2B5EF4-FFF2-40B4-BE49-F238E27FC236}">
+                <a16:creationId xmlns:a16="http://schemas.microsoft.com/office/drawing/2014/main" id="{D4C27342-9A26-43F2-9FC7-B6813D7F4497}"/>
+              </a:ext>
+            </a:extLst>
+          </p:cNvPr>
+          <p:cNvPicPr>
+            <a:picLocks noChangeAspect="1" noChangeArrowheads="1"/>
+          </p:cNvPicPr>
+          <p:nvPr/>
+        </p:nvPicPr>
+        <p:blipFill>
+          <a:blip r:embed="rId2">
+            <a:extLst>
+              <a:ext uri="{BEBA8EAE-BF5A-486C-A8C5-ECC9F3942E4B}">
+                <a14:imgProps xmlns:a14="http://schemas.microsoft.com/office/drawing/2010/main">
+                  <a14:imgLayer r:embed="rId3">
+                    <a14:imgEffect>
+                      <a14:backgroundRemoval t="10000" b="96250" l="389" r="90000">
+                        <a14:foregroundMark x1="1611" y1="66917" x2="8611" y2="77833"/>
+                        <a14:foregroundMark x1="8611" y1="77833" x2="11111" y2="80167"/>
+                        <a14:foregroundMark x1="1722" y1="66167" x2="4167" y2="75750"/>
+                        <a14:foregroundMark x1="20111" y1="89750" x2="23833" y2="95167"/>
+                        <a14:foregroundMark x1="23833" y1="95167" x2="25278" y2="96333"/>
+                        <a14:foregroundMark x1="3389" y1="84833" x2="10111" y2="94500"/>
+                        <a14:foregroundMark x1="10111" y1="94500" x2="10389" y2="94667"/>
+                        <a14:foregroundMark x1="3111" y1="88833" x2="6111" y2="93667"/>
+                        <a14:foregroundMark x1="389" y1="83500" x2="1944" y2="88417"/>
+                        <a14:foregroundMark x1="5389" y1="90667" x2="8556" y2="95833"/>
+                        <a14:foregroundMark x1="8556" y1="95833" x2="9000" y2="96000"/>
+                        <a14:backgroundMark x1="2389" y1="60583" x2="3778" y2="63917"/>
+                        <a14:backgroundMark x1="11278" y1="62750" x2="13500" y2="68917"/>
+                        <a14:backgroundMark x1="13500" y1="68917" x2="14167" y2="69833"/>
+                        <a14:backgroundMark x1="2444" y1="96333" x2="4056" y2="98750"/>
+                      </a14:backgroundRemoval>
+                    </a14:imgEffect>
+                  </a14:imgLayer>
+                </a14:imgProps>
+              </a:ext>
+              <a:ext uri="{28A0092B-C50C-407E-A947-70E740481C1C}">
+                <a14:useLocalDpi xmlns:a14="http://schemas.microsoft.com/office/drawing/2010/main" val="0"/>
+              </a:ext>
+            </a:extLst>
+          </a:blip>
+          <a:srcRect/>
+          <a:stretch>
+            <a:fillRect/>
+          </a:stretch>
+        </p:blipFill>
+        <p:spPr bwMode="auto">
+          <a:xfrm>
+            <a:off x="0" y="1122363"/>
+            <a:ext cx="8603456" cy="5735637"/>
+          </a:xfrm>
+          <a:prstGeom prst="rect">
+            <a:avLst/>
+          </a:prstGeom>
+          <a:noFill/>
+          <a:extLst>
+            <a:ext uri="{909E8E84-426E-40DD-AFC4-6F175D3DCCD1}">
+              <a14:hiddenFill xmlns:a14="http://schemas.microsoft.com/office/drawing/2010/main">
+                <a:solidFill>
+                  <a:srgbClr val="FFFFFF"/>
+                </a:solidFill>
+              </a14:hiddenFill>
+            </a:ext>
+          </a:extLst>
+        </p:spPr>
+      </p:pic>
+      <p:pic>
+        <p:nvPicPr>
+          <p:cNvPr id="1034" name="Picture 10" descr="https://cdn.discordapp.com/attachments/1172499672955355157/1179888279043199067/red-business-border-modern-background-design-vector_53876-157563.png">
+            <a:extLst>
+              <a:ext uri="{FF2B5EF4-FFF2-40B4-BE49-F238E27FC236}">
+                <a16:creationId xmlns:a16="http://schemas.microsoft.com/office/drawing/2014/main" id="{159144C8-BAB4-4FAC-9BA8-B448ACD3C7BF}"/>
+              </a:ext>
+            </a:extLst>
+          </p:cNvPr>
+          <p:cNvPicPr>
+            <a:picLocks noChangeAspect="1" noChangeArrowheads="1"/>
+          </p:cNvPicPr>
+          <p:nvPr/>
+        </p:nvPicPr>
+        <p:blipFill>
+          <a:blip r:embed="rId4">
+            <a:extLst>
+              <a:ext uri="{BEBA8EAE-BF5A-486C-A8C5-ECC9F3942E4B}">
+                <a14:imgProps xmlns:a14="http://schemas.microsoft.com/office/drawing/2010/main">
+                  <a14:imgLayer r:embed="rId3">
+                    <a14:imgEffect>
+                      <a14:backgroundRemoval t="250" b="90000" l="10000" r="98944">
+                        <a14:foregroundMark x1="65889" y1="5000" x2="71889" y2="16083"/>
+                        <a14:foregroundMark x1="71889" y1="16083" x2="72778" y2="17167"/>
+                        <a14:foregroundMark x1="82611" y1="26167" x2="88389" y2="33750"/>
+                        <a14:foregroundMark x1="86778" y1="33417" x2="95278" y2="46083"/>
+                        <a14:foregroundMark x1="62667" y1="333" x2="63278" y2="667"/>
+                        <a14:foregroundMark x1="66722" y1="500" x2="79444" y2="15500"/>
+                        <a14:foregroundMark x1="74389" y1="3583" x2="88889" y2="22583"/>
+                        <a14:foregroundMark x1="72000" y1="2667" x2="98278" y2="36667"/>
+                        <a14:foregroundMark x1="79667" y1="3417" x2="94889" y2="29083"/>
+                        <a14:foregroundMark x1="94500" y1="17417" x2="97833" y2="41167"/>
+                        <a14:foregroundMark x1="97833" y1="41167" x2="97833" y2="41333"/>
+                        <a14:foregroundMark x1="97444" y1="42500" x2="98944" y2="49667"/>
+                        <a14:foregroundMark x1="96444" y1="41833" x2="91056" y2="32667"/>
+                        <a14:foregroundMark x1="95889" y1="42500" x2="89500" y2="32333"/>
+                        <a14:foregroundMark x1="97278" y1="3500" x2="98500" y2="1583"/>
+                        <a14:foregroundMark x1="95833" y1="5333" x2="96889" y2="4500"/>
+                        <a14:backgroundMark x1="91111" y1="68000" x2="91667" y2="66583"/>
+                      </a14:backgroundRemoval>
+                    </a14:imgEffect>
+                  </a14:imgLayer>
+                </a14:imgProps>
+              </a:ext>
+              <a:ext uri="{28A0092B-C50C-407E-A947-70E740481C1C}">
+                <a14:useLocalDpi xmlns:a14="http://schemas.microsoft.com/office/drawing/2010/main" val="0"/>
+              </a:ext>
+            </a:extLst>
+          </a:blip>
+          <a:srcRect/>
+          <a:stretch>
+            <a:fillRect/>
+          </a:stretch>
+        </p:blipFill>
+        <p:spPr bwMode="auto">
+          <a:xfrm>
+            <a:off x="4619625" y="0"/>
+            <a:ext cx="7572375" cy="5048250"/>
+          </a:xfrm>
+          <a:prstGeom prst="rect">
+            <a:avLst/>
+          </a:prstGeom>
+          <a:noFill/>
+          <a:extLst>
+            <a:ext uri="{909E8E84-426E-40DD-AFC4-6F175D3DCCD1}">
+              <a14:hiddenFill xmlns:a14="http://schemas.microsoft.com/office/drawing/2010/main">
+                <a:solidFill>
+                  <a:srgbClr val="FFFFFF"/>
+                </a:solidFill>
+              </a14:hiddenFill>
+            </a:ext>
+          </a:extLst>
+        </p:spPr>
+      </p:pic>
+      <p:sp>
+        <p:nvSpPr>
+          <p:cNvPr id="6" name="Заголовок 1">
+            <a:extLst>
+              <a:ext uri="{FF2B5EF4-FFF2-40B4-BE49-F238E27FC236}">
+                <a16:creationId xmlns:a16="http://schemas.microsoft.com/office/drawing/2014/main" id="{786C4923-C308-4DA9-AE4A-8888B01EBB72}"/>
+              </a:ext>
+            </a:extLst>
+          </p:cNvPr>
+          <p:cNvSpPr txBox="1">
+            <a:spLocks/>
+          </p:cNvSpPr>
+          <p:nvPr/>
+        </p:nvSpPr>
+        <p:spPr>
+          <a:xfrm>
+            <a:off x="0" y="0"/>
+            <a:ext cx="12192000" cy="6858000"/>
+          </a:xfrm>
+          <a:prstGeom prst="rect">
+            <a:avLst/>
+          </a:prstGeom>
+        </p:spPr>
+        <p:txBody>
+          <a:bodyPr vert="horz" lIns="91440" tIns="45720" rIns="91440" bIns="45720" rtlCol="0" anchor="ctr">
+            <a:normAutofit/>
+          </a:bodyPr>
+          <a:lstStyle>
+            <a:lvl1pPr algn="ctr" defTabSz="914400" rtl="0" eaLnBrk="1" latinLnBrk="0" hangingPunct="1">
+              <a:lnSpc>
+                <a:spcPct val="90000"/>
+              </a:lnSpc>
+              <a:spcBef>
+                <a:spcPct val="0"/>
+              </a:spcBef>
+              <a:buNone/>
+              <a:defRPr sz="6000" kern="1200">
+                <a:solidFill>
+                  <a:schemeClr val="tx1"/>
+                </a:solidFill>
+                <a:latin typeface="+mj-lt"/>
+                <a:ea typeface="+mj-ea"/>
+                <a:cs typeface="+mj-cs"/>
+              </a:defRPr>
+            </a:lvl1pPr>
+          </a:lstStyle>
+          <a:p>
+            <a:r>
+              <a:rPr lang="ru-RU" sz="6600" dirty="0">
+                <a:solidFill>
+                  <a:srgbClr val="FF0000"/>
+                </a:solidFill>
+                <a:latin typeface="Century Gothic" panose="020B0502020202020204" pitchFamily="34" charset="0"/>
+              </a:rPr>
+              <a:t>ИНТЕРПРЕТИРУЕМАЯ МОДЕЛЬ</a:t>
+            </a:r>
             <a:endParaRPr lang="ru-RU" sz="7200" dirty="0">
               <a:solidFill>
                 <a:srgbClr val="FF0000"/>
@@ -6087,7 +6043,917 @@
     </p:spTree>
     <p:extLst>
       <p:ext uri="{BB962C8B-B14F-4D97-AF65-F5344CB8AC3E}">
-        <p14:creationId xmlns:p14="http://schemas.microsoft.com/office/powerpoint/2010/main" val="3091978593"/>
+        <p14:creationId xmlns:p14="http://schemas.microsoft.com/office/powerpoint/2010/main" val="2370817813"/>
+      </p:ext>
+    </p:extLst>
+  </p:cSld>
+  <p:clrMapOvr>
+    <a:masterClrMapping/>
+  </p:clrMapOvr>
+  <p:timing>
+    <p:tnLst>
+      <p:par>
+        <p:cTn id="1" dur="indefinite" restart="never" nodeType="tmRoot"/>
+      </p:par>
+    </p:tnLst>
+  </p:timing>
+</p:sld>
+</file>
+
+<file path=ppt/slides/slide21.xml><?xml version="1.0" encoding="utf-8"?>
+<p:sld xmlns:a="http://schemas.openxmlformats.org/drawingml/2006/main" xmlns:r="http://schemas.openxmlformats.org/officeDocument/2006/relationships" xmlns:p="http://schemas.openxmlformats.org/presentationml/2006/main">
+  <p:cSld>
+    <p:spTree>
+      <p:nvGrpSpPr>
+        <p:cNvPr id="1" name=""/>
+        <p:cNvGrpSpPr/>
+        <p:nvPr/>
+      </p:nvGrpSpPr>
+      <p:grpSpPr>
+        <a:xfrm>
+          <a:off x="0" y="0"/>
+          <a:ext cx="0" cy="0"/>
+          <a:chOff x="0" y="0"/>
+          <a:chExt cx="0" cy="0"/>
+        </a:xfrm>
+      </p:grpSpPr>
+      <p:sp>
+        <p:nvSpPr>
+          <p:cNvPr id="2" name="Заголовок 1">
+            <a:extLst>
+              <a:ext uri="{FF2B5EF4-FFF2-40B4-BE49-F238E27FC236}">
+                <a16:creationId xmlns:a16="http://schemas.microsoft.com/office/drawing/2014/main" id="{786C4923-C308-4DA9-AE4A-8888B01EBB72}"/>
+              </a:ext>
+            </a:extLst>
+          </p:cNvPr>
+          <p:cNvSpPr>
+            <a:spLocks noGrp="1"/>
+          </p:cNvSpPr>
+          <p:nvPr>
+            <p:ph type="ctrTitle"/>
+          </p:nvPr>
+        </p:nvSpPr>
+        <p:spPr/>
+        <p:txBody>
+          <a:bodyPr/>
+          <a:lstStyle/>
+          <a:p>
+            <a:endParaRPr lang="ru-RU" dirty="0"/>
+          </a:p>
+        </p:txBody>
+      </p:sp>
+      <p:sp>
+        <p:nvSpPr>
+          <p:cNvPr id="3" name="Подзаголовок 2">
+            <a:extLst>
+              <a:ext uri="{FF2B5EF4-FFF2-40B4-BE49-F238E27FC236}">
+                <a16:creationId xmlns:a16="http://schemas.microsoft.com/office/drawing/2014/main" id="{DB057B8E-A7C9-431D-B081-B11349C80C79}"/>
+              </a:ext>
+            </a:extLst>
+          </p:cNvPr>
+          <p:cNvSpPr>
+            <a:spLocks noGrp="1"/>
+          </p:cNvSpPr>
+          <p:nvPr>
+            <p:ph type="subTitle" idx="1"/>
+          </p:nvPr>
+        </p:nvSpPr>
+        <p:spPr>
+          <a:xfrm>
+            <a:off x="1524000" y="3602038"/>
+            <a:ext cx="9144000" cy="1655762"/>
+          </a:xfrm>
+        </p:spPr>
+        <p:txBody>
+          <a:bodyPr/>
+          <a:lstStyle/>
+          <a:p>
+            <a:endParaRPr lang="ru-RU"/>
+          </a:p>
+        </p:txBody>
+      </p:sp>
+      <p:pic>
+        <p:nvPicPr>
+          <p:cNvPr id="5" name="Рисунок 4"/>
+          <p:cNvPicPr>
+            <a:picLocks noChangeAspect="1"/>
+          </p:cNvPicPr>
+          <p:nvPr/>
+        </p:nvPicPr>
+        <p:blipFill>
+          <a:blip r:embed="rId2"/>
+          <a:stretch>
+            <a:fillRect/>
+          </a:stretch>
+        </p:blipFill>
+        <p:spPr>
+          <a:xfrm>
+            <a:off x="569282" y="468041"/>
+            <a:ext cx="11164267" cy="5700254"/>
+          </a:xfrm>
+          <a:prstGeom prst="rect">
+            <a:avLst/>
+          </a:prstGeom>
+        </p:spPr>
+      </p:pic>
+    </p:spTree>
+    <p:extLst>
+      <p:ext uri="{BB962C8B-B14F-4D97-AF65-F5344CB8AC3E}">
+        <p14:creationId xmlns:p14="http://schemas.microsoft.com/office/powerpoint/2010/main" val="1600255611"/>
+      </p:ext>
+    </p:extLst>
+  </p:cSld>
+  <p:clrMapOvr>
+    <a:masterClrMapping/>
+  </p:clrMapOvr>
+  <p:timing>
+    <p:tnLst>
+      <p:par>
+        <p:cTn id="1" dur="indefinite" restart="never" nodeType="tmRoot"/>
+      </p:par>
+    </p:tnLst>
+  </p:timing>
+</p:sld>
+</file>
+
+<file path=ppt/slides/slide22.xml><?xml version="1.0" encoding="utf-8"?>
+<p:sld xmlns:a="http://schemas.openxmlformats.org/drawingml/2006/main" xmlns:r="http://schemas.openxmlformats.org/officeDocument/2006/relationships" xmlns:p="http://schemas.openxmlformats.org/presentationml/2006/main">
+  <p:cSld>
+    <p:spTree>
+      <p:nvGrpSpPr>
+        <p:cNvPr id="1" name=""/>
+        <p:cNvGrpSpPr/>
+        <p:nvPr/>
+      </p:nvGrpSpPr>
+      <p:grpSpPr>
+        <a:xfrm>
+          <a:off x="0" y="0"/>
+          <a:ext cx="0" cy="0"/>
+          <a:chOff x="0" y="0"/>
+          <a:chExt cx="0" cy="0"/>
+        </a:xfrm>
+      </p:grpSpPr>
+      <p:pic>
+        <p:nvPicPr>
+          <p:cNvPr id="1028" name="Picture 4" descr="https://cdn.discordapp.com/attachments/1172499672955355157/1179888279043199067/red-business-border-modern-background-design-vector_53876-157563.png">
+            <a:extLst>
+              <a:ext uri="{FF2B5EF4-FFF2-40B4-BE49-F238E27FC236}">
+                <a16:creationId xmlns:a16="http://schemas.microsoft.com/office/drawing/2014/main" id="{D4C27342-9A26-43F2-9FC7-B6813D7F4497}"/>
+              </a:ext>
+            </a:extLst>
+          </p:cNvPr>
+          <p:cNvPicPr>
+            <a:picLocks noChangeAspect="1" noChangeArrowheads="1"/>
+          </p:cNvPicPr>
+          <p:nvPr/>
+        </p:nvPicPr>
+        <p:blipFill>
+          <a:blip r:embed="rId2">
+            <a:extLst>
+              <a:ext uri="{BEBA8EAE-BF5A-486C-A8C5-ECC9F3942E4B}">
+                <a14:imgProps xmlns:a14="http://schemas.microsoft.com/office/drawing/2010/main">
+                  <a14:imgLayer r:embed="rId3">
+                    <a14:imgEffect>
+                      <a14:backgroundRemoval t="10000" b="96250" l="389" r="90000">
+                        <a14:foregroundMark x1="1611" y1="66917" x2="8611" y2="77833"/>
+                        <a14:foregroundMark x1="8611" y1="77833" x2="11111" y2="80167"/>
+                        <a14:foregroundMark x1="1722" y1="66167" x2="4167" y2="75750"/>
+                        <a14:foregroundMark x1="20111" y1="89750" x2="23833" y2="95167"/>
+                        <a14:foregroundMark x1="23833" y1="95167" x2="25278" y2="96333"/>
+                        <a14:foregroundMark x1="3389" y1="84833" x2="10111" y2="94500"/>
+                        <a14:foregroundMark x1="10111" y1="94500" x2="10389" y2="94667"/>
+                        <a14:foregroundMark x1="3111" y1="88833" x2="6111" y2="93667"/>
+                        <a14:foregroundMark x1="389" y1="83500" x2="1944" y2="88417"/>
+                        <a14:foregroundMark x1="5389" y1="90667" x2="8556" y2="95833"/>
+                        <a14:foregroundMark x1="8556" y1="95833" x2="9000" y2="96000"/>
+                        <a14:backgroundMark x1="2389" y1="60583" x2="3778" y2="63917"/>
+                        <a14:backgroundMark x1="11278" y1="62750" x2="13500" y2="68917"/>
+                        <a14:backgroundMark x1="13500" y1="68917" x2="14167" y2="69833"/>
+                        <a14:backgroundMark x1="2444" y1="96333" x2="4056" y2="98750"/>
+                      </a14:backgroundRemoval>
+                    </a14:imgEffect>
+                  </a14:imgLayer>
+                </a14:imgProps>
+              </a:ext>
+              <a:ext uri="{28A0092B-C50C-407E-A947-70E740481C1C}">
+                <a14:useLocalDpi xmlns:a14="http://schemas.microsoft.com/office/drawing/2010/main" val="0"/>
+              </a:ext>
+            </a:extLst>
+          </a:blip>
+          <a:srcRect/>
+          <a:stretch>
+            <a:fillRect/>
+          </a:stretch>
+        </p:blipFill>
+        <p:spPr bwMode="auto">
+          <a:xfrm>
+            <a:off x="0" y="1122363"/>
+            <a:ext cx="8603456" cy="5735637"/>
+          </a:xfrm>
+          <a:prstGeom prst="rect">
+            <a:avLst/>
+          </a:prstGeom>
+          <a:noFill/>
+          <a:extLst>
+            <a:ext uri="{909E8E84-426E-40DD-AFC4-6F175D3DCCD1}">
+              <a14:hiddenFill xmlns:a14="http://schemas.microsoft.com/office/drawing/2010/main">
+                <a:solidFill>
+                  <a:srgbClr val="FFFFFF"/>
+                </a:solidFill>
+              </a14:hiddenFill>
+            </a:ext>
+          </a:extLst>
+        </p:spPr>
+      </p:pic>
+      <p:pic>
+        <p:nvPicPr>
+          <p:cNvPr id="1034" name="Picture 10" descr="https://cdn.discordapp.com/attachments/1172499672955355157/1179888279043199067/red-business-border-modern-background-design-vector_53876-157563.png">
+            <a:extLst>
+              <a:ext uri="{FF2B5EF4-FFF2-40B4-BE49-F238E27FC236}">
+                <a16:creationId xmlns:a16="http://schemas.microsoft.com/office/drawing/2014/main" id="{159144C8-BAB4-4FAC-9BA8-B448ACD3C7BF}"/>
+              </a:ext>
+            </a:extLst>
+          </p:cNvPr>
+          <p:cNvPicPr>
+            <a:picLocks noChangeAspect="1" noChangeArrowheads="1"/>
+          </p:cNvPicPr>
+          <p:nvPr/>
+        </p:nvPicPr>
+        <p:blipFill>
+          <a:blip r:embed="rId4">
+            <a:extLst>
+              <a:ext uri="{BEBA8EAE-BF5A-486C-A8C5-ECC9F3942E4B}">
+                <a14:imgProps xmlns:a14="http://schemas.microsoft.com/office/drawing/2010/main">
+                  <a14:imgLayer r:embed="rId3">
+                    <a14:imgEffect>
+                      <a14:backgroundRemoval t="250" b="90000" l="10000" r="98944">
+                        <a14:foregroundMark x1="65889" y1="5000" x2="71889" y2="16083"/>
+                        <a14:foregroundMark x1="71889" y1="16083" x2="72778" y2="17167"/>
+                        <a14:foregroundMark x1="82611" y1="26167" x2="88389" y2="33750"/>
+                        <a14:foregroundMark x1="86778" y1="33417" x2="95278" y2="46083"/>
+                        <a14:foregroundMark x1="62667" y1="333" x2="63278" y2="667"/>
+                        <a14:foregroundMark x1="66722" y1="500" x2="79444" y2="15500"/>
+                        <a14:foregroundMark x1="74389" y1="3583" x2="88889" y2="22583"/>
+                        <a14:foregroundMark x1="72000" y1="2667" x2="98278" y2="36667"/>
+                        <a14:foregroundMark x1="79667" y1="3417" x2="94889" y2="29083"/>
+                        <a14:foregroundMark x1="94500" y1="17417" x2="97833" y2="41167"/>
+                        <a14:foregroundMark x1="97833" y1="41167" x2="97833" y2="41333"/>
+                        <a14:foregroundMark x1="97444" y1="42500" x2="98944" y2="49667"/>
+                        <a14:foregroundMark x1="96444" y1="41833" x2="91056" y2="32667"/>
+                        <a14:foregroundMark x1="95889" y1="42500" x2="89500" y2="32333"/>
+                        <a14:foregroundMark x1="97278" y1="3500" x2="98500" y2="1583"/>
+                        <a14:foregroundMark x1="95833" y1="5333" x2="96889" y2="4500"/>
+                        <a14:backgroundMark x1="91111" y1="68000" x2="91667" y2="66583"/>
+                      </a14:backgroundRemoval>
+                    </a14:imgEffect>
+                  </a14:imgLayer>
+                </a14:imgProps>
+              </a:ext>
+              <a:ext uri="{28A0092B-C50C-407E-A947-70E740481C1C}">
+                <a14:useLocalDpi xmlns:a14="http://schemas.microsoft.com/office/drawing/2010/main" val="0"/>
+              </a:ext>
+            </a:extLst>
+          </a:blip>
+          <a:srcRect/>
+          <a:stretch>
+            <a:fillRect/>
+          </a:stretch>
+        </p:blipFill>
+        <p:spPr bwMode="auto">
+          <a:xfrm>
+            <a:off x="4619625" y="0"/>
+            <a:ext cx="7572375" cy="5048250"/>
+          </a:xfrm>
+          <a:prstGeom prst="rect">
+            <a:avLst/>
+          </a:prstGeom>
+          <a:noFill/>
+          <a:extLst>
+            <a:ext uri="{909E8E84-426E-40DD-AFC4-6F175D3DCCD1}">
+              <a14:hiddenFill xmlns:a14="http://schemas.microsoft.com/office/drawing/2010/main">
+                <a:solidFill>
+                  <a:srgbClr val="FFFFFF"/>
+                </a:solidFill>
+              </a14:hiddenFill>
+            </a:ext>
+          </a:extLst>
+        </p:spPr>
+      </p:pic>
+      <p:sp>
+        <p:nvSpPr>
+          <p:cNvPr id="6" name="Заголовок 1">
+            <a:extLst>
+              <a:ext uri="{FF2B5EF4-FFF2-40B4-BE49-F238E27FC236}">
+                <a16:creationId xmlns:a16="http://schemas.microsoft.com/office/drawing/2014/main" id="{786C4923-C308-4DA9-AE4A-8888B01EBB72}"/>
+              </a:ext>
+            </a:extLst>
+          </p:cNvPr>
+          <p:cNvSpPr txBox="1">
+            <a:spLocks/>
+          </p:cNvSpPr>
+          <p:nvPr/>
+        </p:nvSpPr>
+        <p:spPr>
+          <a:xfrm>
+            <a:off x="0" y="0"/>
+            <a:ext cx="12192000" cy="6858000"/>
+          </a:xfrm>
+          <a:prstGeom prst="rect">
+            <a:avLst/>
+          </a:prstGeom>
+        </p:spPr>
+        <p:txBody>
+          <a:bodyPr vert="horz" lIns="91440" tIns="45720" rIns="91440" bIns="45720" rtlCol="0" anchor="ctr">
+            <a:normAutofit/>
+          </a:bodyPr>
+          <a:lstStyle>
+            <a:lvl1pPr algn="ctr" defTabSz="914400" rtl="0" eaLnBrk="1" latinLnBrk="0" hangingPunct="1">
+              <a:lnSpc>
+                <a:spcPct val="90000"/>
+              </a:lnSpc>
+              <a:spcBef>
+                <a:spcPct val="0"/>
+              </a:spcBef>
+              <a:buNone/>
+              <a:defRPr sz="6000" kern="1200">
+                <a:solidFill>
+                  <a:schemeClr val="tx1"/>
+                </a:solidFill>
+                <a:latin typeface="+mj-lt"/>
+                <a:ea typeface="+mj-ea"/>
+                <a:cs typeface="+mj-cs"/>
+              </a:defRPr>
+            </a:lvl1pPr>
+          </a:lstStyle>
+          <a:p>
+            <a:r>
+              <a:rPr lang="ru-RU" sz="6600" dirty="0">
+                <a:solidFill>
+                  <a:srgbClr val="FF0000"/>
+                </a:solidFill>
+                <a:latin typeface="Century Gothic" panose="020B0502020202020204" pitchFamily="34" charset="0"/>
+              </a:rPr>
+              <a:t>ВАЖНОСТЬ </a:t>
+            </a:r>
+            <a:br>
+              <a:rPr lang="ru-RU" sz="6600" dirty="0">
+                <a:solidFill>
+                  <a:srgbClr val="FF0000"/>
+                </a:solidFill>
+                <a:latin typeface="Century Gothic" panose="020B0502020202020204" pitchFamily="34" charset="0"/>
+              </a:rPr>
+            </a:br>
+            <a:r>
+              <a:rPr lang="ru-RU" sz="6600" dirty="0">
+                <a:solidFill>
+                  <a:srgbClr val="FF0000"/>
+                </a:solidFill>
+                <a:latin typeface="Century Gothic" panose="020B0502020202020204" pitchFamily="34" charset="0"/>
+              </a:rPr>
+              <a:t>ПРИЗНАКОВ</a:t>
+            </a:r>
+            <a:endParaRPr lang="ru-RU" sz="7200" dirty="0">
+              <a:solidFill>
+                <a:srgbClr val="FF0000"/>
+              </a:solidFill>
+              <a:latin typeface="Century Gothic" panose="020B0502020202020204" pitchFamily="34" charset="0"/>
+            </a:endParaRPr>
+          </a:p>
+        </p:txBody>
+      </p:sp>
+    </p:spTree>
+    <p:extLst>
+      <p:ext uri="{BB962C8B-B14F-4D97-AF65-F5344CB8AC3E}">
+        <p14:creationId xmlns:p14="http://schemas.microsoft.com/office/powerpoint/2010/main" val="3794903933"/>
+      </p:ext>
+    </p:extLst>
+  </p:cSld>
+  <p:clrMapOvr>
+    <a:masterClrMapping/>
+  </p:clrMapOvr>
+  <p:timing>
+    <p:tnLst>
+      <p:par>
+        <p:cTn id="1" dur="indefinite" restart="never" nodeType="tmRoot"/>
+      </p:par>
+    </p:tnLst>
+  </p:timing>
+</p:sld>
+</file>
+
+<file path=ppt/slides/slide23.xml><?xml version="1.0" encoding="utf-8"?>
+<p:sld xmlns:a="http://schemas.openxmlformats.org/drawingml/2006/main" xmlns:r="http://schemas.openxmlformats.org/officeDocument/2006/relationships" xmlns:p="http://schemas.openxmlformats.org/presentationml/2006/main">
+  <p:cSld>
+    <p:spTree>
+      <p:nvGrpSpPr>
+        <p:cNvPr id="1" name=""/>
+        <p:cNvGrpSpPr/>
+        <p:nvPr/>
+      </p:nvGrpSpPr>
+      <p:grpSpPr>
+        <a:xfrm>
+          <a:off x="0" y="0"/>
+          <a:ext cx="0" cy="0"/>
+          <a:chOff x="0" y="0"/>
+          <a:chExt cx="0" cy="0"/>
+        </a:xfrm>
+      </p:grpSpPr>
+      <p:sp>
+        <p:nvSpPr>
+          <p:cNvPr id="2" name="Заголовок 1"/>
+          <p:cNvSpPr>
+            <a:spLocks noGrp="1"/>
+          </p:cNvSpPr>
+          <p:nvPr>
+            <p:ph type="title"/>
+          </p:nvPr>
+        </p:nvSpPr>
+        <p:spPr/>
+        <p:txBody>
+          <a:bodyPr/>
+          <a:lstStyle/>
+          <a:p>
+            <a:endParaRPr lang="ru-RU"/>
+          </a:p>
+        </p:txBody>
+      </p:sp>
+      <p:sp>
+        <p:nvSpPr>
+          <p:cNvPr id="3" name="Объект 2"/>
+          <p:cNvSpPr>
+            <a:spLocks noGrp="1"/>
+          </p:cNvSpPr>
+          <p:nvPr>
+            <p:ph idx="1"/>
+          </p:nvPr>
+        </p:nvSpPr>
+        <p:spPr/>
+        <p:txBody>
+          <a:bodyPr/>
+          <a:lstStyle/>
+          <a:p>
+            <a:endParaRPr lang="ru-RU"/>
+          </a:p>
+        </p:txBody>
+      </p:sp>
+      <p:sp>
+        <p:nvSpPr>
+          <p:cNvPr id="4" name="AutoShape 2" descr="blob:https://web.telegram.org/436fa957-ad59-40a0-a8d9-8b07456ebfa9"/>
+          <p:cNvSpPr>
+            <a:spLocks noChangeAspect="1" noChangeArrowheads="1"/>
+          </p:cNvSpPr>
+          <p:nvPr/>
+        </p:nvSpPr>
+        <p:spPr bwMode="auto">
+          <a:xfrm>
+            <a:off x="155575" y="-144463"/>
+            <a:ext cx="304800" cy="304801"/>
+          </a:xfrm>
+          <a:prstGeom prst="rect">
+            <a:avLst/>
+          </a:prstGeom>
+          <a:noFill/>
+          <a:extLst>
+            <a:ext uri="{909E8E84-426E-40DD-AFC4-6F175D3DCCD1}">
+              <a14:hiddenFill xmlns:a14="http://schemas.microsoft.com/office/drawing/2010/main">
+                <a:solidFill>
+                  <a:srgbClr val="FFFFFF"/>
+                </a:solidFill>
+              </a14:hiddenFill>
+            </a:ext>
+          </a:extLst>
+        </p:spPr>
+        <p:txBody>
+          <a:bodyPr vert="horz" wrap="square" lIns="91440" tIns="45720" rIns="91440" bIns="45720" numCol="1" anchor="t" anchorCtr="0" compatLnSpc="1">
+            <a:prstTxWarp prst="textNoShape">
+              <a:avLst/>
+            </a:prstTxWarp>
+          </a:bodyPr>
+          <a:lstStyle/>
+          <a:p>
+            <a:endParaRPr lang="ru-RU"/>
+          </a:p>
+        </p:txBody>
+      </p:sp>
+      <p:sp>
+        <p:nvSpPr>
+          <p:cNvPr id="5" name="AutoShape 4" descr="blob:https://web.telegram.org/436fa957-ad59-40a0-a8d9-8b07456ebfa9"/>
+          <p:cNvSpPr>
+            <a:spLocks noChangeAspect="1" noChangeArrowheads="1"/>
+          </p:cNvSpPr>
+          <p:nvPr/>
+        </p:nvSpPr>
+        <p:spPr bwMode="auto">
+          <a:xfrm>
+            <a:off x="307975" y="7937"/>
+            <a:ext cx="304800" cy="304801"/>
+          </a:xfrm>
+          <a:prstGeom prst="rect">
+            <a:avLst/>
+          </a:prstGeom>
+          <a:noFill/>
+          <a:extLst>
+            <a:ext uri="{909E8E84-426E-40DD-AFC4-6F175D3DCCD1}">
+              <a14:hiddenFill xmlns:a14="http://schemas.microsoft.com/office/drawing/2010/main">
+                <a:solidFill>
+                  <a:srgbClr val="FFFFFF"/>
+                </a:solidFill>
+              </a14:hiddenFill>
+            </a:ext>
+          </a:extLst>
+        </p:spPr>
+        <p:txBody>
+          <a:bodyPr vert="horz" wrap="square" lIns="91440" tIns="45720" rIns="91440" bIns="45720" numCol="1" anchor="t" anchorCtr="0" compatLnSpc="1">
+            <a:prstTxWarp prst="textNoShape">
+              <a:avLst/>
+            </a:prstTxWarp>
+          </a:bodyPr>
+          <a:lstStyle/>
+          <a:p>
+            <a:endParaRPr lang="ru-RU"/>
+          </a:p>
+        </p:txBody>
+      </p:sp>
+      <p:sp>
+        <p:nvSpPr>
+          <p:cNvPr id="6" name="AutoShape 6" descr="blob:https://web.telegram.org/436fa957-ad59-40a0-a8d9-8b07456ebfa9"/>
+          <p:cNvSpPr>
+            <a:spLocks noChangeAspect="1" noChangeArrowheads="1"/>
+          </p:cNvSpPr>
+          <p:nvPr/>
+        </p:nvSpPr>
+        <p:spPr bwMode="auto">
+          <a:xfrm>
+            <a:off x="460375" y="160337"/>
+            <a:ext cx="304800" cy="304801"/>
+          </a:xfrm>
+          <a:prstGeom prst="rect">
+            <a:avLst/>
+          </a:prstGeom>
+          <a:noFill/>
+          <a:extLst>
+            <a:ext uri="{909E8E84-426E-40DD-AFC4-6F175D3DCCD1}">
+              <a14:hiddenFill xmlns:a14="http://schemas.microsoft.com/office/drawing/2010/main">
+                <a:solidFill>
+                  <a:srgbClr val="FFFFFF"/>
+                </a:solidFill>
+              </a14:hiddenFill>
+            </a:ext>
+          </a:extLst>
+        </p:spPr>
+        <p:txBody>
+          <a:bodyPr vert="horz" wrap="square" lIns="91440" tIns="45720" rIns="91440" bIns="45720" numCol="1" anchor="t" anchorCtr="0" compatLnSpc="1">
+            <a:prstTxWarp prst="textNoShape">
+              <a:avLst/>
+            </a:prstTxWarp>
+          </a:bodyPr>
+          <a:lstStyle/>
+          <a:p>
+            <a:endParaRPr lang="ru-RU"/>
+          </a:p>
+        </p:txBody>
+      </p:sp>
+      <p:pic>
+        <p:nvPicPr>
+          <p:cNvPr id="7" name="Рисунок 6"/>
+          <p:cNvPicPr>
+            <a:picLocks noChangeAspect="1"/>
+          </p:cNvPicPr>
+          <p:nvPr/>
+        </p:nvPicPr>
+        <p:blipFill rotWithShape="1">
+          <a:blip r:embed="rId2"/>
+          <a:srcRect l="382" r="1902" b="2001"/>
+          <a:stretch/>
+        </p:blipFill>
+        <p:spPr>
+          <a:xfrm>
+            <a:off x="191471" y="801265"/>
+            <a:ext cx="11809058" cy="5375698"/>
+          </a:xfrm>
+          <a:prstGeom prst="rect">
+            <a:avLst/>
+          </a:prstGeom>
+        </p:spPr>
+      </p:pic>
+    </p:spTree>
+    <p:extLst>
+      <p:ext uri="{BB962C8B-B14F-4D97-AF65-F5344CB8AC3E}">
+        <p14:creationId xmlns:p14="http://schemas.microsoft.com/office/powerpoint/2010/main" val="2031575447"/>
+      </p:ext>
+    </p:extLst>
+  </p:cSld>
+  <p:clrMapOvr>
+    <a:masterClrMapping/>
+  </p:clrMapOvr>
+  <p:timing>
+    <p:tnLst>
+      <p:par>
+        <p:cTn id="1" dur="indefinite" restart="never" nodeType="tmRoot"/>
+      </p:par>
+    </p:tnLst>
+  </p:timing>
+</p:sld>
+</file>
+
+<file path=ppt/slides/slide24.xml><?xml version="1.0" encoding="utf-8"?>
+<p:sld xmlns:a="http://schemas.openxmlformats.org/drawingml/2006/main" xmlns:r="http://schemas.openxmlformats.org/officeDocument/2006/relationships" xmlns:p="http://schemas.openxmlformats.org/presentationml/2006/main">
+  <p:cSld>
+    <p:spTree>
+      <p:nvGrpSpPr>
+        <p:cNvPr id="1" name=""/>
+        <p:cNvGrpSpPr/>
+        <p:nvPr/>
+      </p:nvGrpSpPr>
+      <p:grpSpPr>
+        <a:xfrm>
+          <a:off x="0" y="0"/>
+          <a:ext cx="0" cy="0"/>
+          <a:chOff x="0" y="0"/>
+          <a:chExt cx="0" cy="0"/>
+        </a:xfrm>
+      </p:grpSpPr>
+      <p:pic>
+        <p:nvPicPr>
+          <p:cNvPr id="1028" name="Picture 4" descr="https://cdn.discordapp.com/attachments/1172499672955355157/1179888279043199067/red-business-border-modern-background-design-vector_53876-157563.png">
+            <a:extLst>
+              <a:ext uri="{FF2B5EF4-FFF2-40B4-BE49-F238E27FC236}">
+                <a16:creationId xmlns:a16="http://schemas.microsoft.com/office/drawing/2014/main" id="{D4C27342-9A26-43F2-9FC7-B6813D7F4497}"/>
+              </a:ext>
+            </a:extLst>
+          </p:cNvPr>
+          <p:cNvPicPr>
+            <a:picLocks noChangeAspect="1" noChangeArrowheads="1"/>
+          </p:cNvPicPr>
+          <p:nvPr/>
+        </p:nvPicPr>
+        <p:blipFill>
+          <a:blip r:embed="rId2">
+            <a:extLst>
+              <a:ext uri="{BEBA8EAE-BF5A-486C-A8C5-ECC9F3942E4B}">
+                <a14:imgProps xmlns:a14="http://schemas.microsoft.com/office/drawing/2010/main">
+                  <a14:imgLayer r:embed="rId3">
+                    <a14:imgEffect>
+                      <a14:backgroundRemoval t="10000" b="96250" l="389" r="90000">
+                        <a14:foregroundMark x1="1611" y1="66917" x2="8611" y2="77833"/>
+                        <a14:foregroundMark x1="8611" y1="77833" x2="11111" y2="80167"/>
+                        <a14:foregroundMark x1="1722" y1="66167" x2="4167" y2="75750"/>
+                        <a14:foregroundMark x1="20111" y1="89750" x2="23833" y2="95167"/>
+                        <a14:foregroundMark x1="23833" y1="95167" x2="25278" y2="96333"/>
+                        <a14:foregroundMark x1="3389" y1="84833" x2="10111" y2="94500"/>
+                        <a14:foregroundMark x1="10111" y1="94500" x2="10389" y2="94667"/>
+                        <a14:foregroundMark x1="3111" y1="88833" x2="6111" y2="93667"/>
+                        <a14:foregroundMark x1="389" y1="83500" x2="1944" y2="88417"/>
+                        <a14:foregroundMark x1="5389" y1="90667" x2="8556" y2="95833"/>
+                        <a14:foregroundMark x1="8556" y1="95833" x2="9000" y2="96000"/>
+                        <a14:backgroundMark x1="2389" y1="60583" x2="3778" y2="63917"/>
+                        <a14:backgroundMark x1="11278" y1="62750" x2="13500" y2="68917"/>
+                        <a14:backgroundMark x1="13500" y1="68917" x2="14167" y2="69833"/>
+                        <a14:backgroundMark x1="2444" y1="96333" x2="4056" y2="98750"/>
+                      </a14:backgroundRemoval>
+                    </a14:imgEffect>
+                  </a14:imgLayer>
+                </a14:imgProps>
+              </a:ext>
+              <a:ext uri="{28A0092B-C50C-407E-A947-70E740481C1C}">
+                <a14:useLocalDpi xmlns:a14="http://schemas.microsoft.com/office/drawing/2010/main" val="0"/>
+              </a:ext>
+            </a:extLst>
+          </a:blip>
+          <a:srcRect/>
+          <a:stretch>
+            <a:fillRect/>
+          </a:stretch>
+        </p:blipFill>
+        <p:spPr bwMode="auto">
+          <a:xfrm>
+            <a:off x="0" y="1122363"/>
+            <a:ext cx="8603456" cy="5735637"/>
+          </a:xfrm>
+          <a:prstGeom prst="rect">
+            <a:avLst/>
+          </a:prstGeom>
+          <a:noFill/>
+          <a:extLst>
+            <a:ext uri="{909E8E84-426E-40DD-AFC4-6F175D3DCCD1}">
+              <a14:hiddenFill xmlns:a14="http://schemas.microsoft.com/office/drawing/2010/main">
+                <a:solidFill>
+                  <a:srgbClr val="FFFFFF"/>
+                </a:solidFill>
+              </a14:hiddenFill>
+            </a:ext>
+          </a:extLst>
+        </p:spPr>
+      </p:pic>
+      <p:pic>
+        <p:nvPicPr>
+          <p:cNvPr id="1034" name="Picture 10" descr="https://cdn.discordapp.com/attachments/1172499672955355157/1179888279043199067/red-business-border-modern-background-design-vector_53876-157563.png">
+            <a:extLst>
+              <a:ext uri="{FF2B5EF4-FFF2-40B4-BE49-F238E27FC236}">
+                <a16:creationId xmlns:a16="http://schemas.microsoft.com/office/drawing/2014/main" id="{159144C8-BAB4-4FAC-9BA8-B448ACD3C7BF}"/>
+              </a:ext>
+            </a:extLst>
+          </p:cNvPr>
+          <p:cNvPicPr>
+            <a:picLocks noChangeAspect="1" noChangeArrowheads="1"/>
+          </p:cNvPicPr>
+          <p:nvPr/>
+        </p:nvPicPr>
+        <p:blipFill>
+          <a:blip r:embed="rId4">
+            <a:extLst>
+              <a:ext uri="{BEBA8EAE-BF5A-486C-A8C5-ECC9F3942E4B}">
+                <a14:imgProps xmlns:a14="http://schemas.microsoft.com/office/drawing/2010/main">
+                  <a14:imgLayer r:embed="rId3">
+                    <a14:imgEffect>
+                      <a14:backgroundRemoval t="250" b="90000" l="10000" r="98944">
+                        <a14:foregroundMark x1="65889" y1="5000" x2="71889" y2="16083"/>
+                        <a14:foregroundMark x1="71889" y1="16083" x2="72778" y2="17167"/>
+                        <a14:foregroundMark x1="82611" y1="26167" x2="88389" y2="33750"/>
+                        <a14:foregroundMark x1="86778" y1="33417" x2="95278" y2="46083"/>
+                        <a14:foregroundMark x1="62667" y1="333" x2="63278" y2="667"/>
+                        <a14:foregroundMark x1="66722" y1="500" x2="79444" y2="15500"/>
+                        <a14:foregroundMark x1="74389" y1="3583" x2="88889" y2="22583"/>
+                        <a14:foregroundMark x1="72000" y1="2667" x2="98278" y2="36667"/>
+                        <a14:foregroundMark x1="79667" y1="3417" x2="94889" y2="29083"/>
+                        <a14:foregroundMark x1="94500" y1="17417" x2="97833" y2="41167"/>
+                        <a14:foregroundMark x1="97833" y1="41167" x2="97833" y2="41333"/>
+                        <a14:foregroundMark x1="97444" y1="42500" x2="98944" y2="49667"/>
+                        <a14:foregroundMark x1="96444" y1="41833" x2="91056" y2="32667"/>
+                        <a14:foregroundMark x1="95889" y1="42500" x2="89500" y2="32333"/>
+                        <a14:foregroundMark x1="97278" y1="3500" x2="98500" y2="1583"/>
+                        <a14:foregroundMark x1="95833" y1="5333" x2="96889" y2="4500"/>
+                        <a14:backgroundMark x1="91111" y1="68000" x2="91667" y2="66583"/>
+                      </a14:backgroundRemoval>
+                    </a14:imgEffect>
+                  </a14:imgLayer>
+                </a14:imgProps>
+              </a:ext>
+              <a:ext uri="{28A0092B-C50C-407E-A947-70E740481C1C}">
+                <a14:useLocalDpi xmlns:a14="http://schemas.microsoft.com/office/drawing/2010/main" val="0"/>
+              </a:ext>
+            </a:extLst>
+          </a:blip>
+          <a:srcRect/>
+          <a:stretch>
+            <a:fillRect/>
+          </a:stretch>
+        </p:blipFill>
+        <p:spPr bwMode="auto">
+          <a:xfrm>
+            <a:off x="4619625" y="0"/>
+            <a:ext cx="7572375" cy="5048250"/>
+          </a:xfrm>
+          <a:prstGeom prst="rect">
+            <a:avLst/>
+          </a:prstGeom>
+          <a:noFill/>
+          <a:extLst>
+            <a:ext uri="{909E8E84-426E-40DD-AFC4-6F175D3DCCD1}">
+              <a14:hiddenFill xmlns:a14="http://schemas.microsoft.com/office/drawing/2010/main">
+                <a:solidFill>
+                  <a:srgbClr val="FFFFFF"/>
+                </a:solidFill>
+              </a14:hiddenFill>
+            </a:ext>
+          </a:extLst>
+        </p:spPr>
+      </p:pic>
+      <p:sp>
+        <p:nvSpPr>
+          <p:cNvPr id="2" name="Заголовок 1">
+            <a:extLst>
+              <a:ext uri="{FF2B5EF4-FFF2-40B4-BE49-F238E27FC236}">
+                <a16:creationId xmlns:a16="http://schemas.microsoft.com/office/drawing/2014/main" id="{786C4923-C308-4DA9-AE4A-8888B01EBB72}"/>
+              </a:ext>
+            </a:extLst>
+          </p:cNvPr>
+          <p:cNvSpPr>
+            <a:spLocks noGrp="1"/>
+          </p:cNvSpPr>
+          <p:nvPr>
+            <p:ph type="ctrTitle"/>
+          </p:nvPr>
+        </p:nvSpPr>
+        <p:spPr>
+          <a:xfrm>
+            <a:off x="1524000" y="1893454"/>
+            <a:ext cx="9144000" cy="1449027"/>
+          </a:xfrm>
+        </p:spPr>
+        <p:txBody>
+          <a:bodyPr>
+            <a:normAutofit/>
+          </a:bodyPr>
+          <a:lstStyle/>
+          <a:p>
+            <a:r>
+              <a:rPr lang="en-US" sz="9600" dirty="0">
+                <a:solidFill>
+                  <a:srgbClr val="FF0000"/>
+                </a:solidFill>
+                <a:latin typeface="Century Gothic" panose="020B0502020202020204" pitchFamily="34" charset="0"/>
+              </a:rPr>
+              <a:t>ALPHA_BIT</a:t>
+            </a:r>
+            <a:endParaRPr lang="ru-RU" sz="9600" dirty="0">
+              <a:solidFill>
+                <a:srgbClr val="FF0000"/>
+              </a:solidFill>
+              <a:latin typeface="Century Gothic" panose="020B0502020202020204" pitchFamily="34" charset="0"/>
+            </a:endParaRPr>
+          </a:p>
+        </p:txBody>
+      </p:sp>
+      <p:sp>
+        <p:nvSpPr>
+          <p:cNvPr id="3" name="Подзаголовок 2">
+            <a:extLst>
+              <a:ext uri="{FF2B5EF4-FFF2-40B4-BE49-F238E27FC236}">
+                <a16:creationId xmlns:a16="http://schemas.microsoft.com/office/drawing/2014/main" id="{DB057B8E-A7C9-431D-B081-B11349C80C79}"/>
+              </a:ext>
+            </a:extLst>
+          </p:cNvPr>
+          <p:cNvSpPr>
+            <a:spLocks noGrp="1"/>
+          </p:cNvSpPr>
+          <p:nvPr>
+            <p:ph type="subTitle" idx="1"/>
+          </p:nvPr>
+        </p:nvSpPr>
+        <p:spPr>
+          <a:xfrm>
+            <a:off x="1524000" y="4297363"/>
+            <a:ext cx="9144000" cy="1655762"/>
+          </a:xfrm>
+        </p:spPr>
+        <p:txBody>
+          <a:bodyPr/>
+          <a:lstStyle/>
+          <a:p>
+            <a:r>
+              <a:rPr lang="ru-RU" dirty="0" err="1">
+                <a:latin typeface="Century Gothic" panose="020B0502020202020204" pitchFamily="34" charset="0"/>
+              </a:rPr>
+              <a:t>Кадиленко</a:t>
+            </a:r>
+            <a:r>
+              <a:rPr lang="ru-RU" dirty="0">
+                <a:latin typeface="Century Gothic" panose="020B0502020202020204" pitchFamily="34" charset="0"/>
+              </a:rPr>
+              <a:t> Иван, </a:t>
+            </a:r>
+            <a:r>
+              <a:rPr lang="ru-RU" dirty="0" err="1">
+                <a:latin typeface="Century Gothic" panose="020B0502020202020204" pitchFamily="34" charset="0"/>
+              </a:rPr>
+              <a:t>Палкин</a:t>
+            </a:r>
+            <a:r>
+              <a:rPr lang="ru-RU" dirty="0">
+                <a:latin typeface="Century Gothic" panose="020B0502020202020204" pitchFamily="34" charset="0"/>
+              </a:rPr>
+              <a:t> Егор, Федякин</a:t>
+            </a:r>
+            <a:r>
+              <a:rPr lang="en-US" dirty="0">
+                <a:latin typeface="Century Gothic" panose="020B0502020202020204" pitchFamily="34" charset="0"/>
+              </a:rPr>
+              <a:t> </a:t>
+            </a:r>
+            <a:r>
+              <a:rPr lang="ru-RU" dirty="0">
+                <a:latin typeface="Century Gothic" panose="020B0502020202020204" pitchFamily="34" charset="0"/>
+              </a:rPr>
+              <a:t>Дмитрий,</a:t>
+            </a:r>
+          </a:p>
+          <a:p>
+            <a:r>
+              <a:rPr lang="ru-RU" dirty="0">
+                <a:latin typeface="Century Gothic" panose="020B0502020202020204" pitchFamily="34" charset="0"/>
+              </a:rPr>
+              <a:t> Елизарьев Ярослав, Фишер</a:t>
+            </a:r>
+            <a:r>
+              <a:rPr lang="en-US" dirty="0">
+                <a:latin typeface="Century Gothic" panose="020B0502020202020204" pitchFamily="34" charset="0"/>
+              </a:rPr>
+              <a:t> </a:t>
+            </a:r>
+            <a:r>
+              <a:rPr lang="ru-RU" dirty="0">
+                <a:latin typeface="Century Gothic" panose="020B0502020202020204" pitchFamily="34" charset="0"/>
+              </a:rPr>
+              <a:t>Даниил</a:t>
+            </a:r>
+          </a:p>
+        </p:txBody>
+      </p:sp>
+    </p:spTree>
+    <p:extLst>
+      <p:ext uri="{BB962C8B-B14F-4D97-AF65-F5344CB8AC3E}">
+        <p14:creationId xmlns:p14="http://schemas.microsoft.com/office/powerpoint/2010/main" val="1689331971"/>
       </p:ext>
     </p:extLst>
   </p:cSld>
@@ -6434,31 +7300,19 @@
               </a:rPr>
               <a:t>Кол-во месяцев со дня </a:t>
             </a:r>
-            <a:endParaRPr lang="en-US" sz="1600" dirty="0" smtClean="0">
+            <a:endParaRPr lang="en-US" sz="1600" dirty="0">
               <a:latin typeface="Century Gothic" panose="020B0502020202020204" pitchFamily="34" charset="0"/>
             </a:endParaRPr>
           </a:p>
           <a:p>
             <a:pPr algn="ctr"/>
-            <a:r>
-              <a:rPr lang="ru-RU" sz="1600" dirty="0" smtClean="0">
-                <a:latin typeface="Century Gothic" panose="020B0502020202020204" pitchFamily="34" charset="0"/>
-              </a:rPr>
-              <a:t>открытия </a:t>
-            </a:r>
             <a:r>
               <a:rPr lang="ru-RU" sz="1600" dirty="0">
                 <a:latin typeface="Century Gothic" panose="020B0502020202020204" pitchFamily="34" charset="0"/>
               </a:rPr>
-              <a:t>счета в </a:t>
-            </a:r>
-            <a:r>
-              <a:rPr lang="ru-RU" sz="1600" dirty="0" smtClean="0">
-                <a:latin typeface="Century Gothic" panose="020B0502020202020204" pitchFamily="34" charset="0"/>
-              </a:rPr>
-              <a:t>банке</a:t>
-            </a:r>
-            <a:endParaRPr lang="en-US" sz="1600" dirty="0" smtClean="0">
+              <a:t>открытия счета в банке</a:t>
+            </a:r>
+            <a:endParaRPr lang="en-US" sz="1600" dirty="0">
               <a:latin typeface="Century Gothic" panose="020B0502020202020204" pitchFamily="34" charset="0"/>
             </a:endParaRPr>
           </a:p>
@@ -6488,56 +7342,35 @@
           <a:p>
             <a:pPr algn="ctr"/>
             <a:r>
-              <a:rPr lang="ru-RU" sz="1600" dirty="0" smtClean="0">
-                <a:latin typeface="Century Gothic" panose="020B0502020202020204" pitchFamily="34" charset="0"/>
-              </a:rPr>
-              <a:t>Количество </a:t>
-            </a:r>
-            <a:r>
               <a:rPr lang="ru-RU" sz="1600" dirty="0">
                 <a:latin typeface="Century Gothic" panose="020B0502020202020204" pitchFamily="34" charset="0"/>
               </a:rPr>
-              <a:t>дней, прошедших </a:t>
-            </a:r>
-            <a:endParaRPr lang="en-US" sz="1600" dirty="0" smtClean="0">
+              <a:t>Количество дней, прошедших </a:t>
+            </a:r>
+            <a:endParaRPr lang="en-US" sz="1600" dirty="0">
               <a:latin typeface="Century Gothic" panose="020B0502020202020204" pitchFamily="34" charset="0"/>
             </a:endParaRPr>
           </a:p>
           <a:p>
             <a:pPr algn="ctr"/>
-            <a:r>
-              <a:rPr lang="ru-RU" sz="1600" dirty="0" smtClean="0">
-                <a:latin typeface="Century Gothic" panose="020B0502020202020204" pitchFamily="34" charset="0"/>
-              </a:rPr>
-              <a:t>с </a:t>
-            </a:r>
             <a:r>
               <a:rPr lang="ru-RU" sz="1600" dirty="0">
                 <a:latin typeface="Century Gothic" panose="020B0502020202020204" pitchFamily="34" charset="0"/>
               </a:rPr>
-              <a:t>последней даты </a:t>
-            </a:r>
-            <a:r>
-              <a:rPr lang="ru-RU" sz="1600" dirty="0" smtClean="0">
-                <a:latin typeface="Century Gothic" panose="020B0502020202020204" pitchFamily="34" charset="0"/>
-              </a:rPr>
-              <a:t>регистрации </a:t>
-            </a:r>
-            <a:endParaRPr lang="en-US" sz="1600" dirty="0" smtClean="0">
+              <a:t>с последней даты регистрации </a:t>
+            </a:r>
+            <a:endParaRPr lang="en-US" sz="1600" dirty="0">
               <a:latin typeface="Century Gothic" panose="020B0502020202020204" pitchFamily="34" charset="0"/>
             </a:endParaRPr>
           </a:p>
           <a:p>
             <a:pPr algn="ctr"/>
             <a:r>
-              <a:rPr lang="ru-RU" sz="1600" dirty="0" smtClean="0">
+              <a:rPr lang="ru-RU" sz="1600" dirty="0">
                 <a:latin typeface="Century Gothic" panose="020B0502020202020204" pitchFamily="34" charset="0"/>
               </a:rPr>
               <a:t>ОГРН</a:t>
             </a:r>
-            <a:endParaRPr lang="ru-RU" sz="1600" dirty="0">
-              <a:latin typeface="Century Gothic" panose="020B0502020202020204" pitchFamily="34" charset="0"/>
-            </a:endParaRPr>
           </a:p>
         </p:txBody>
       </p:sp>
@@ -6549,8 +7382,8 @@
         </p:nvSpPr>
         <p:spPr>
           <a:xfrm>
-            <a:off x="7597732" y="4449674"/>
-            <a:ext cx="3831497" cy="830997"/>
+            <a:off x="7908714" y="4449674"/>
+            <a:ext cx="3209532" cy="830997"/>
           </a:xfrm>
           <a:prstGeom prst="rect">
             <a:avLst/>
@@ -6570,7 +7403,19 @@
               </a:rPr>
               <a:t>Количество полных месяцев, </a:t>
             </a:r>
-            <a:endParaRPr lang="en-US" sz="1600" dirty="0" smtClean="0">
+            <a:endParaRPr lang="en-US" sz="1600" dirty="0">
+              <a:latin typeface="Century Gothic" panose="020B0502020202020204" pitchFamily="34" charset="0"/>
+            </a:endParaRPr>
+          </a:p>
+          <a:p>
+            <a:pPr algn="ctr"/>
+            <a:r>
+              <a:rPr lang="ru-RU" sz="1600" dirty="0">
+                <a:latin typeface="Century Gothic" panose="020B0502020202020204" pitchFamily="34" charset="0"/>
+              </a:rPr>
+              <a:t>прошедших с момента </a:t>
+            </a:r>
+            <a:endParaRPr lang="ru-RU" sz="1600" dirty="0" smtClean="0">
               <a:latin typeface="Century Gothic" panose="020B0502020202020204" pitchFamily="34" charset="0"/>
             </a:endParaRPr>
           </a:p>
@@ -6580,25 +7425,7 @@
               <a:rPr lang="ru-RU" sz="1600" dirty="0" smtClean="0">
                 <a:latin typeface="Century Gothic" panose="020B0502020202020204" pitchFamily="34" charset="0"/>
               </a:rPr>
-              <a:t>прошедших </a:t>
-            </a:r>
-            <a:r>
-              <a:rPr lang="ru-RU" sz="1600" dirty="0">
-                <a:latin typeface="Century Gothic" panose="020B0502020202020204" pitchFamily="34" charset="0"/>
-              </a:rPr>
-              <a:t>с момента получения </a:t>
-            </a:r>
-            <a:endParaRPr lang="en-US" sz="1600" dirty="0" smtClean="0">
-              <a:latin typeface="Century Gothic" panose="020B0502020202020204" pitchFamily="34" charset="0"/>
-            </a:endParaRPr>
-          </a:p>
-          <a:p>
-            <a:pPr algn="ctr"/>
-            <a:r>
-              <a:rPr lang="ru-RU" sz="1600" dirty="0" smtClean="0">
-                <a:latin typeface="Century Gothic" panose="020B0502020202020204" pitchFamily="34" charset="0"/>
-              </a:rPr>
-              <a:t>ОГРН</a:t>
+              <a:t>Получения ОГРН</a:t>
             </a:r>
             <a:endParaRPr lang="ru-RU" sz="1600" dirty="0">
               <a:latin typeface="Century Gothic" panose="020B0502020202020204" pitchFamily="34" charset="0"/>
@@ -6905,7 +7732,7 @@
           <a:p>
             <a:pPr algn="ctr"/>
             <a:r>
-              <a:rPr lang="ru-RU" dirty="0" smtClean="0">
+              <a:rPr lang="ru-RU" dirty="0">
                 <a:latin typeface="Century Gothic" panose="020B0502020202020204" pitchFamily="34" charset="0"/>
               </a:rPr>
               <a:t>Признаки с большим </a:t>
@@ -6914,14 +7741,11 @@
           <a:p>
             <a:pPr algn="ctr"/>
             <a:r>
-              <a:rPr lang="ru-RU" dirty="0" smtClean="0">
+              <a:rPr lang="ru-RU" dirty="0">
                 <a:latin typeface="Century Gothic" panose="020B0502020202020204" pitchFamily="34" charset="0"/>
               </a:rPr>
               <a:t>количеством пропусков</a:t>
             </a:r>
-            <a:endParaRPr lang="ru-RU" dirty="0">
-              <a:latin typeface="Century Gothic" panose="020B0502020202020204" pitchFamily="34" charset="0"/>
-            </a:endParaRPr>
           </a:p>
         </p:txBody>
       </p:sp>
@@ -6949,14 +7773,11 @@
           <a:p>
             <a:pPr algn="ctr"/>
             <a:r>
-              <a:rPr lang="ru-RU" dirty="0" smtClean="0">
+              <a:rPr lang="ru-RU" dirty="0">
                 <a:latin typeface="Century Gothic" panose="020B0502020202020204" pitchFamily="34" charset="0"/>
               </a:rPr>
               <a:t>Новые признаки</a:t>
             </a:r>
-            <a:endParaRPr lang="ru-RU" dirty="0">
-              <a:latin typeface="Century Gothic" panose="020B0502020202020204" pitchFamily="34" charset="0"/>
-            </a:endParaRPr>
           </a:p>
         </p:txBody>
       </p:sp>
@@ -7145,61 +7966,6 @@
       </p:pic>
       <p:sp>
         <p:nvSpPr>
-          <p:cNvPr id="2" name="Заголовок 1">
-            <a:extLst>
-              <a:ext uri="{FF2B5EF4-FFF2-40B4-BE49-F238E27FC236}">
-                <a16:creationId xmlns:a16="http://schemas.microsoft.com/office/drawing/2014/main" id="{786C4923-C308-4DA9-AE4A-8888B01EBB72}"/>
-              </a:ext>
-            </a:extLst>
-          </p:cNvPr>
-          <p:cNvSpPr>
-            <a:spLocks noGrp="1"/>
-          </p:cNvSpPr>
-          <p:nvPr>
-            <p:ph type="ctrTitle"/>
-          </p:nvPr>
-        </p:nvSpPr>
-        <p:spPr/>
-        <p:txBody>
-          <a:bodyPr/>
-          <a:lstStyle/>
-          <a:p>
-            <a:endParaRPr lang="ru-RU" dirty="0"/>
-          </a:p>
-        </p:txBody>
-      </p:sp>
-      <p:sp>
-        <p:nvSpPr>
-          <p:cNvPr id="3" name="Подзаголовок 2">
-            <a:extLst>
-              <a:ext uri="{FF2B5EF4-FFF2-40B4-BE49-F238E27FC236}">
-                <a16:creationId xmlns:a16="http://schemas.microsoft.com/office/drawing/2014/main" id="{DB057B8E-A7C9-431D-B081-B11349C80C79}"/>
-              </a:ext>
-            </a:extLst>
-          </p:cNvPr>
-          <p:cNvSpPr>
-            <a:spLocks noGrp="1"/>
-          </p:cNvSpPr>
-          <p:nvPr>
-            <p:ph type="subTitle" idx="1"/>
-          </p:nvPr>
-        </p:nvSpPr>
-        <p:spPr>
-          <a:xfrm>
-            <a:off x="1524000" y="3602038"/>
-            <a:ext cx="9144000" cy="1655762"/>
-          </a:xfrm>
-        </p:spPr>
-        <p:txBody>
-          <a:bodyPr/>
-          <a:lstStyle/>
-          <a:p>
-            <a:endParaRPr lang="ru-RU"/>
-          </a:p>
-        </p:txBody>
-      </p:sp>
-      <p:sp>
-        <p:nvSpPr>
           <p:cNvPr id="6" name="Заголовок 1">
             <a:extLst>
               <a:ext uri="{FF2B5EF4-FFF2-40B4-BE49-F238E27FC236}">
@@ -7246,24 +8012,13 @@
           </a:lstStyle>
           <a:p>
             <a:r>
-              <a:rPr lang="ru-RU" sz="6600" dirty="0" smtClean="0">
+              <a:rPr lang="ru-RU" sz="6600" dirty="0">
                 <a:solidFill>
                   <a:srgbClr val="FF0000"/>
                 </a:solidFill>
                 <a:latin typeface="Century Gothic" panose="020B0502020202020204" pitchFamily="34" charset="0"/>
               </a:rPr>
-              <a:t>АНАЛИЗ</a:t>
-            </a:r>
-          </a:p>
-          <a:p>
-            <a:r>
-              <a:rPr lang="ru-RU" sz="6600" dirty="0" smtClean="0">
-                <a:solidFill>
-                  <a:srgbClr val="FF0000"/>
-                </a:solidFill>
-                <a:latin typeface="Century Gothic" panose="020B0502020202020204" pitchFamily="34" charset="0"/>
-              </a:rPr>
-              <a:t>ДАННЫХ</a:t>
+              <a:t>ГИПОТЕЗЫ</a:t>
             </a:r>
           </a:p>
         </p:txBody>
@@ -7709,7 +8464,7 @@
       </p:sp>
       <p:pic>
         <p:nvPicPr>
-          <p:cNvPr id="6146" name="Picture 2" descr="https://cdn.discordapp.com/attachments/1177615439904378960/1180188742540087346/image.png"/>
+          <p:cNvPr id="7170" name="Picture 2" descr="https://cdn.discordapp.com/attachments/1177615439904378960/1180188742183563374/image.png"/>
           <p:cNvPicPr>
             <a:picLocks noChangeAspect="1" noChangeArrowheads="1"/>
           </p:cNvPicPr>
@@ -7723,13 +8478,13 @@
               </a:ext>
             </a:extLst>
           </a:blip>
-          <a:srcRect l="1089" t="1185" r="1008" b="1312"/>
+          <a:srcRect l="1218" t="2127" r="1147" b="1781"/>
           <a:stretch/>
         </p:blipFill>
         <p:spPr bwMode="auto">
           <a:xfrm>
-            <a:off x="1505527" y="-1"/>
-            <a:ext cx="9168984" cy="6858001"/>
+            <a:off x="1496290" y="2302"/>
+            <a:ext cx="9199419" cy="6855698"/>
           </a:xfrm>
           <a:prstGeom prst="rect">
             <a:avLst/>
@@ -7749,7 +8504,7 @@
     </p:spTree>
     <p:extLst>
       <p:ext uri="{BB962C8B-B14F-4D97-AF65-F5344CB8AC3E}">
-        <p14:creationId xmlns:p14="http://schemas.microsoft.com/office/powerpoint/2010/main" val="205854176"/>
+        <p14:creationId xmlns:p14="http://schemas.microsoft.com/office/powerpoint/2010/main" val="1403398718"/>
       </p:ext>
     </p:extLst>
   </p:cSld>
